--- a/Linux性能优化实战/02-内存性能优化.pptx
+++ b/Linux性能优化实战/02-内存性能优化.pptx
@@ -9,7 +9,6 @@
     <p:sldId id="257" r:id="rId3"/>
     <p:sldId id="258" r:id="rId4"/>
     <p:sldId id="259" r:id="rId5"/>
-    <p:sldId id="260" r:id="rId6"/>
   </p:sldIdLst>
   <p:sldSz cx="12192000" cy="6858000"/>
   <p:notesSz cx="6858000" cy="9144000"/>
@@ -302,7 +301,7 @@
           <a:p>
             <a:fld id="{E396512D-F96B-4538-B91A-F7EB57A489A0}" type="datetimeFigureOut">
               <a:rPr lang="zh-CN" altLang="en-US" smtClean="0"/>
-              <a:t>2019/12/17</a:t>
+              <a:t>2019/12/19</a:t>
             </a:fld>
             <a:endParaRPr lang="zh-CN" altLang="en-US"/>
           </a:p>
@@ -577,7 +576,7 @@
           <a:p>
             <a:fld id="{E396512D-F96B-4538-B91A-F7EB57A489A0}" type="datetimeFigureOut">
               <a:rPr lang="zh-CN" altLang="en-US" smtClean="0"/>
-              <a:t>2019/12/17</a:t>
+              <a:t>2019/12/19</a:t>
             </a:fld>
             <a:endParaRPr lang="zh-CN" altLang="en-US"/>
           </a:p>
@@ -771,7 +770,7 @@
           <a:p>
             <a:fld id="{E396512D-F96B-4538-B91A-F7EB57A489A0}" type="datetimeFigureOut">
               <a:rPr lang="zh-CN" altLang="en-US" smtClean="0"/>
-              <a:t>2019/12/17</a:t>
+              <a:t>2019/12/19</a:t>
             </a:fld>
             <a:endParaRPr lang="zh-CN" altLang="en-US"/>
           </a:p>
@@ -1042,7 +1041,7 @@
           <a:p>
             <a:fld id="{E396512D-F96B-4538-B91A-F7EB57A489A0}" type="datetimeFigureOut">
               <a:rPr lang="zh-CN" altLang="en-US" smtClean="0"/>
-              <a:t>2019/12/17</a:t>
+              <a:t>2019/12/19</a:t>
             </a:fld>
             <a:endParaRPr lang="zh-CN" altLang="en-US"/>
           </a:p>
@@ -1369,7 +1368,7 @@
           <a:p>
             <a:fld id="{E396512D-F96B-4538-B91A-F7EB57A489A0}" type="datetimeFigureOut">
               <a:rPr lang="zh-CN" altLang="en-US" smtClean="0"/>
-              <a:t>2019/12/17</a:t>
+              <a:t>2019/12/19</a:t>
             </a:fld>
             <a:endParaRPr lang="zh-CN" altLang="en-US"/>
           </a:p>
@@ -1988,7 +1987,7 @@
           <a:p>
             <a:fld id="{E396512D-F96B-4538-B91A-F7EB57A489A0}" type="datetimeFigureOut">
               <a:rPr lang="zh-CN" altLang="en-US" smtClean="0"/>
-              <a:t>2019/12/17</a:t>
+              <a:t>2019/12/19</a:t>
             </a:fld>
             <a:endParaRPr lang="zh-CN" altLang="en-US"/>
           </a:p>
@@ -2835,7 +2834,7 @@
           <a:p>
             <a:fld id="{E396512D-F96B-4538-B91A-F7EB57A489A0}" type="datetimeFigureOut">
               <a:rPr lang="zh-CN" altLang="en-US" smtClean="0"/>
-              <a:t>2019/12/17</a:t>
+              <a:t>2019/12/19</a:t>
             </a:fld>
             <a:endParaRPr lang="zh-CN" altLang="en-US"/>
           </a:p>
@@ -3005,7 +3004,7 @@
           <a:p>
             <a:fld id="{E396512D-F96B-4538-B91A-F7EB57A489A0}" type="datetimeFigureOut">
               <a:rPr lang="zh-CN" altLang="en-US" smtClean="0"/>
-              <a:t>2019/12/17</a:t>
+              <a:t>2019/12/19</a:t>
             </a:fld>
             <a:endParaRPr lang="zh-CN" altLang="en-US"/>
           </a:p>
@@ -3185,7 +3184,7 @@
           <a:p>
             <a:fld id="{E396512D-F96B-4538-B91A-F7EB57A489A0}" type="datetimeFigureOut">
               <a:rPr lang="zh-CN" altLang="en-US" smtClean="0"/>
-              <a:t>2019/12/17</a:t>
+              <a:t>2019/12/19</a:t>
             </a:fld>
             <a:endParaRPr lang="zh-CN" altLang="en-US"/>
           </a:p>
@@ -3355,7 +3354,7 @@
           <a:p>
             <a:fld id="{E396512D-F96B-4538-B91A-F7EB57A489A0}" type="datetimeFigureOut">
               <a:rPr lang="zh-CN" altLang="en-US" smtClean="0"/>
-              <a:t>2019/12/17</a:t>
+              <a:t>2019/12/19</a:t>
             </a:fld>
             <a:endParaRPr lang="zh-CN" altLang="en-US"/>
           </a:p>
@@ -3602,7 +3601,7 @@
           <a:p>
             <a:fld id="{E396512D-F96B-4538-B91A-F7EB57A489A0}" type="datetimeFigureOut">
               <a:rPr lang="zh-CN" altLang="en-US" smtClean="0"/>
-              <a:t>2019/12/17</a:t>
+              <a:t>2019/12/19</a:t>
             </a:fld>
             <a:endParaRPr lang="zh-CN" altLang="en-US"/>
           </a:p>
@@ -3894,7 +3893,7 @@
           <a:p>
             <a:fld id="{E396512D-F96B-4538-B91A-F7EB57A489A0}" type="datetimeFigureOut">
               <a:rPr lang="zh-CN" altLang="en-US" smtClean="0"/>
-              <a:t>2019/12/17</a:t>
+              <a:t>2019/12/19</a:t>
             </a:fld>
             <a:endParaRPr lang="zh-CN" altLang="en-US"/>
           </a:p>
@@ -4338,7 +4337,7 @@
           <a:p>
             <a:fld id="{E396512D-F96B-4538-B91A-F7EB57A489A0}" type="datetimeFigureOut">
               <a:rPr lang="zh-CN" altLang="en-US" smtClean="0"/>
-              <a:t>2019/12/17</a:t>
+              <a:t>2019/12/19</a:t>
             </a:fld>
             <a:endParaRPr lang="zh-CN" altLang="en-US"/>
           </a:p>
@@ -4456,7 +4455,7 @@
           <a:p>
             <a:fld id="{E396512D-F96B-4538-B91A-F7EB57A489A0}" type="datetimeFigureOut">
               <a:rPr lang="zh-CN" altLang="en-US" smtClean="0"/>
-              <a:t>2019/12/17</a:t>
+              <a:t>2019/12/19</a:t>
             </a:fld>
             <a:endParaRPr lang="zh-CN" altLang="en-US"/>
           </a:p>
@@ -4551,7 +4550,7 @@
           <a:p>
             <a:fld id="{E396512D-F96B-4538-B91A-F7EB57A489A0}" type="datetimeFigureOut">
               <a:rPr lang="zh-CN" altLang="en-US" smtClean="0"/>
-              <a:t>2019/12/17</a:t>
+              <a:t>2019/12/19</a:t>
             </a:fld>
             <a:endParaRPr lang="zh-CN" altLang="en-US"/>
           </a:p>
@@ -4830,7 +4829,7 @@
           <a:p>
             <a:fld id="{E396512D-F96B-4538-B91A-F7EB57A489A0}" type="datetimeFigureOut">
               <a:rPr lang="zh-CN" altLang="en-US" smtClean="0"/>
-              <a:t>2019/12/17</a:t>
+              <a:t>2019/12/19</a:t>
             </a:fld>
             <a:endParaRPr lang="zh-CN" altLang="en-US"/>
           </a:p>
@@ -5105,7 +5104,7 @@
           <a:p>
             <a:fld id="{E396512D-F96B-4538-B91A-F7EB57A489A0}" type="datetimeFigureOut">
               <a:rPr lang="zh-CN" altLang="en-US" smtClean="0"/>
-              <a:t>2019/12/17</a:t>
+              <a:t>2019/12/19</a:t>
             </a:fld>
             <a:endParaRPr lang="zh-CN" altLang="en-US"/>
           </a:p>
@@ -5528,7 +5527,7 @@
           <a:p>
             <a:fld id="{E396512D-F96B-4538-B91A-F7EB57A489A0}" type="datetimeFigureOut">
               <a:rPr lang="zh-CN" altLang="en-US" smtClean="0"/>
-              <a:t>2019/12/17</a:t>
+              <a:t>2019/12/19</a:t>
             </a:fld>
             <a:endParaRPr lang="zh-CN" altLang="en-US"/>
           </a:p>
@@ -12263,1636 +12262,6 @@
 </p:sld>
 </file>
 
-<file path=ppt/slides/slide5.xml><?xml version="1.0" encoding="utf-8"?>
-<p:sld xmlns:a="http://schemas.openxmlformats.org/drawingml/2006/main" xmlns:r="http://schemas.openxmlformats.org/officeDocument/2006/relationships" xmlns:p="http://schemas.openxmlformats.org/presentationml/2006/main">
-  <p:cSld>
-    <p:spTree>
-      <p:nvGrpSpPr>
-        <p:cNvPr id="1" name=""/>
-        <p:cNvGrpSpPr/>
-        <p:nvPr/>
-      </p:nvGrpSpPr>
-      <p:grpSpPr>
-        <a:xfrm>
-          <a:off x="0" y="0"/>
-          <a:ext cx="0" cy="0"/>
-          <a:chOff x="0" y="0"/>
-          <a:chExt cx="0" cy="0"/>
-        </a:xfrm>
-      </p:grpSpPr>
-      <p:sp>
-        <p:nvSpPr>
-          <p:cNvPr id="2" name="标题 1"/>
-          <p:cNvSpPr>
-            <a:spLocks noGrp="1"/>
-          </p:cNvSpPr>
-          <p:nvPr>
-            <p:ph type="title"/>
-          </p:nvPr>
-        </p:nvSpPr>
-        <p:spPr>
-          <a:xfrm>
-            <a:off x="114300" y="152400"/>
-            <a:ext cx="9404723" cy="602359"/>
-          </a:xfrm>
-        </p:spPr>
-        <p:txBody>
-          <a:bodyPr/>
-          <a:lstStyle/>
-          <a:p>
-            <a:r>
-              <a:rPr lang="zh-CN" altLang="en-US" sz="3200" b="1" dirty="0">
-                <a:latin typeface="微软雅黑" panose="020B0503020204020204" pitchFamily="34" charset="-122"/>
-                <a:ea typeface="微软雅黑" panose="020B0503020204020204" pitchFamily="34" charset="-122"/>
-              </a:rPr>
-              <a:t>基础篇：怎么理解内存中的</a:t>
-            </a:r>
-            <a:r>
-              <a:rPr lang="en-US" altLang="zh-CN" sz="3200" b="1" dirty="0">
-                <a:latin typeface="微软雅黑" panose="020B0503020204020204" pitchFamily="34" charset="-122"/>
-                <a:ea typeface="微软雅黑" panose="020B0503020204020204" pitchFamily="34" charset="-122"/>
-              </a:rPr>
-              <a:t>Buffer</a:t>
-            </a:r>
-            <a:r>
-              <a:rPr lang="zh-CN" altLang="en-US" sz="3200" b="1" dirty="0">
-                <a:latin typeface="微软雅黑" panose="020B0503020204020204" pitchFamily="34" charset="-122"/>
-                <a:ea typeface="微软雅黑" panose="020B0503020204020204" pitchFamily="34" charset="-122"/>
-              </a:rPr>
-              <a:t>和</a:t>
-            </a:r>
-            <a:r>
-              <a:rPr lang="en-US" altLang="zh-CN" sz="3200" b="1" dirty="0">
-                <a:latin typeface="微软雅黑" panose="020B0503020204020204" pitchFamily="34" charset="-122"/>
-                <a:ea typeface="微软雅黑" panose="020B0503020204020204" pitchFamily="34" charset="-122"/>
-              </a:rPr>
-              <a:t>Cache</a:t>
-            </a:r>
-            <a:r>
-              <a:rPr lang="zh-CN" altLang="en-US" sz="3200" b="1" dirty="0">
-                <a:latin typeface="微软雅黑" panose="020B0503020204020204" pitchFamily="34" charset="-122"/>
-                <a:ea typeface="微软雅黑" panose="020B0503020204020204" pitchFamily="34" charset="-122"/>
-              </a:rPr>
-              <a:t>？</a:t>
-            </a:r>
-            <a:endParaRPr lang="zh-CN" altLang="en-US" sz="3200" dirty="0">
-              <a:latin typeface="微软雅黑" panose="020B0503020204020204" pitchFamily="34" charset="-122"/>
-              <a:ea typeface="微软雅黑" panose="020B0503020204020204" pitchFamily="34" charset="-122"/>
-            </a:endParaRPr>
-          </a:p>
-        </p:txBody>
-      </p:sp>
-      <p:sp>
-        <p:nvSpPr>
-          <p:cNvPr id="7" name="文本框 6"/>
-          <p:cNvSpPr txBox="1"/>
-          <p:nvPr/>
-        </p:nvSpPr>
-        <p:spPr>
-          <a:xfrm>
-            <a:off x="114300" y="842111"/>
-            <a:ext cx="2721066" cy="369332"/>
-          </a:xfrm>
-          <a:prstGeom prst="rect">
-            <a:avLst/>
-          </a:prstGeom>
-          <a:noFill/>
-        </p:spPr>
-        <p:txBody>
-          <a:bodyPr wrap="none">
-            <a:spAutoFit/>
-            <a:scene3d>
-              <a:camera prst="orthographicFront"/>
-              <a:lightRig rig="harsh" dir="t"/>
-            </a:scene3d>
-            <a:sp3d extrusionH="57150" prstMaterial="matte">
-              <a:bevelT w="63500" h="12700" prst="angle"/>
-              <a:contourClr>
-                <a:schemeClr val="bg1">
-                  <a:lumMod val="65000"/>
-                </a:schemeClr>
-              </a:contourClr>
-            </a:sp3d>
-          </a:bodyPr>
-          <a:lstStyle/>
-          <a:p>
-            <a:pPr>
-              <a:defRPr/>
-            </a:pPr>
-            <a:r>
-              <a:rPr lang="zh-CN" altLang="en-US" b="1" dirty="0" smtClean="0">
-                <a:ln/>
-                <a:solidFill>
-                  <a:srgbClr val="4FD1FF"/>
-                </a:solidFill>
-                <a:latin typeface="微软雅黑" panose="020B0503020204020204" pitchFamily="34" charset="-122"/>
-                <a:ea typeface="微软雅黑" panose="020B0503020204020204" pitchFamily="34" charset="-122"/>
-              </a:rPr>
-              <a:t>查看</a:t>
-            </a:r>
-            <a:r>
-              <a:rPr lang="zh-CN" altLang="en-US" b="1" dirty="0">
-                <a:ln/>
-                <a:solidFill>
-                  <a:srgbClr val="4FD1FF"/>
-                </a:solidFill>
-                <a:latin typeface="微软雅黑" panose="020B0503020204020204" pitchFamily="34" charset="-122"/>
-                <a:ea typeface="微软雅黑" panose="020B0503020204020204" pitchFamily="34" charset="-122"/>
-              </a:rPr>
-              <a:t>内存使用</a:t>
-            </a:r>
-            <a:r>
-              <a:rPr lang="zh-CN" altLang="en-US" b="1" dirty="0" smtClean="0">
-                <a:ln/>
-                <a:solidFill>
-                  <a:srgbClr val="4FD1FF"/>
-                </a:solidFill>
-                <a:latin typeface="微软雅黑" panose="020B0503020204020204" pitchFamily="34" charset="-122"/>
-                <a:ea typeface="微软雅黑" panose="020B0503020204020204" pitchFamily="34" charset="-122"/>
-              </a:rPr>
-              <a:t>情况：</a:t>
-            </a:r>
-            <a:r>
-              <a:rPr lang="en-US" altLang="zh-CN" b="1" dirty="0" smtClean="0">
-                <a:ln/>
-                <a:solidFill>
-                  <a:srgbClr val="4FD1FF"/>
-                </a:solidFill>
-                <a:latin typeface="微软雅黑" panose="020B0503020204020204" pitchFamily="34" charset="-122"/>
-                <a:ea typeface="微软雅黑" panose="020B0503020204020204" pitchFamily="34" charset="-122"/>
-              </a:rPr>
-              <a:t>free</a:t>
-            </a:r>
-            <a:endParaRPr lang="zh-CN" altLang="en-US" b="1" dirty="0">
-              <a:ln/>
-              <a:solidFill>
-                <a:srgbClr val="4FD1FF"/>
-              </a:solidFill>
-              <a:latin typeface="微软雅黑" panose="020B0503020204020204" pitchFamily="34" charset="-122"/>
-              <a:ea typeface="微软雅黑" panose="020B0503020204020204" pitchFamily="34" charset="-122"/>
-            </a:endParaRPr>
-          </a:p>
-        </p:txBody>
-      </p:sp>
-      <p:sp>
-        <p:nvSpPr>
-          <p:cNvPr id="4" name="矩形 3"/>
-          <p:cNvSpPr/>
-          <p:nvPr/>
-        </p:nvSpPr>
-        <p:spPr>
-          <a:xfrm>
-            <a:off x="114300" y="1298795"/>
-            <a:ext cx="7937500" cy="861774"/>
-          </a:xfrm>
-          <a:prstGeom prst="rect">
-            <a:avLst/>
-          </a:prstGeom>
-        </p:spPr>
-        <p:txBody>
-          <a:bodyPr wrap="square">
-            <a:spAutoFit/>
-          </a:bodyPr>
-          <a:lstStyle/>
-          <a:p>
-            <a:r>
-              <a:rPr lang="en-US" altLang="zh-CN" sz="1000" dirty="0">
-                <a:latin typeface="黑体" panose="02010609060101010101" pitchFamily="49" charset="-122"/>
-                <a:ea typeface="黑体" panose="02010609060101010101" pitchFamily="49" charset="-122"/>
-              </a:rPr>
-              <a:t># </a:t>
-            </a:r>
-            <a:r>
-              <a:rPr lang="zh-CN" altLang="en-US" sz="1000" dirty="0">
-                <a:latin typeface="黑体" panose="02010609060101010101" pitchFamily="49" charset="-122"/>
-                <a:ea typeface="黑体" panose="02010609060101010101" pitchFamily="49" charset="-122"/>
-              </a:rPr>
-              <a:t>注意不同版本的</a:t>
-            </a:r>
-            <a:r>
-              <a:rPr lang="en-US" altLang="zh-CN" sz="1000" dirty="0">
-                <a:latin typeface="黑体" panose="02010609060101010101" pitchFamily="49" charset="-122"/>
-                <a:ea typeface="黑体" panose="02010609060101010101" pitchFamily="49" charset="-122"/>
-              </a:rPr>
-              <a:t>free</a:t>
-            </a:r>
-            <a:r>
-              <a:rPr lang="zh-CN" altLang="en-US" sz="1000" dirty="0">
-                <a:latin typeface="黑体" panose="02010609060101010101" pitchFamily="49" charset="-122"/>
-                <a:ea typeface="黑体" panose="02010609060101010101" pitchFamily="49" charset="-122"/>
-              </a:rPr>
-              <a:t>输出可能会有所不同</a:t>
-            </a:r>
-          </a:p>
-          <a:p>
-            <a:r>
-              <a:rPr lang="en-US" altLang="zh-CN" sz="1000" dirty="0">
-                <a:latin typeface="黑体" panose="02010609060101010101" pitchFamily="49" charset="-122"/>
-                <a:ea typeface="黑体" panose="02010609060101010101" pitchFamily="49" charset="-122"/>
-              </a:rPr>
-              <a:t>$ free</a:t>
-            </a:r>
-          </a:p>
-          <a:p>
-            <a:r>
-              <a:rPr lang="en-US" altLang="zh-CN" sz="1000" dirty="0">
-                <a:latin typeface="黑体" panose="02010609060101010101" pitchFamily="49" charset="-122"/>
-                <a:ea typeface="黑体" panose="02010609060101010101" pitchFamily="49" charset="-122"/>
-              </a:rPr>
-              <a:t>              total        used        free      shared  buff/cache   available</a:t>
-            </a:r>
-          </a:p>
-          <a:p>
-            <a:r>
-              <a:rPr lang="en-US" altLang="zh-CN" sz="1000" dirty="0">
-                <a:latin typeface="黑体" panose="02010609060101010101" pitchFamily="49" charset="-122"/>
-                <a:ea typeface="黑体" panose="02010609060101010101" pitchFamily="49" charset="-122"/>
-              </a:rPr>
-              <a:t>Mem:        8169348      263524     6875352         668     1030472     7611064</a:t>
-            </a:r>
-          </a:p>
-          <a:p>
-            <a:r>
-              <a:rPr lang="en-US" altLang="zh-CN" sz="1000" dirty="0">
-                <a:latin typeface="黑体" panose="02010609060101010101" pitchFamily="49" charset="-122"/>
-                <a:ea typeface="黑体" panose="02010609060101010101" pitchFamily="49" charset="-122"/>
-              </a:rPr>
-              <a:t>Swap:             0           0           0</a:t>
-            </a:r>
-            <a:endParaRPr lang="zh-CN" altLang="en-US" sz="1000" dirty="0">
-              <a:latin typeface="黑体" panose="02010609060101010101" pitchFamily="49" charset="-122"/>
-              <a:ea typeface="黑体" panose="02010609060101010101" pitchFamily="49" charset="-122"/>
-            </a:endParaRPr>
-          </a:p>
-        </p:txBody>
-      </p:sp>
-      <p:sp>
-        <p:nvSpPr>
-          <p:cNvPr id="32" name="矩形标注 31"/>
-          <p:cNvSpPr/>
-          <p:nvPr/>
-        </p:nvSpPr>
-        <p:spPr>
-          <a:xfrm>
-            <a:off x="748403" y="2378818"/>
-            <a:ext cx="844177" cy="325787"/>
-          </a:xfrm>
-          <a:prstGeom prst="wedgeRectCallout">
-            <a:avLst>
-              <a:gd name="adj1" fmla="val -4761"/>
-              <a:gd name="adj2" fmla="val -192551"/>
-            </a:avLst>
-          </a:prstGeom>
-          <a:solidFill>
-            <a:schemeClr val="accent5">
-              <a:alpha val="50000"/>
-            </a:schemeClr>
-          </a:solidFill>
-          <a:ln>
-            <a:noFill/>
-          </a:ln>
-        </p:spPr>
-        <p:style>
-          <a:lnRef idx="0">
-            <a:scrgbClr r="0" g="0" b="0"/>
-          </a:lnRef>
-          <a:fillRef idx="0">
-            <a:scrgbClr r="0" g="0" b="0"/>
-          </a:fillRef>
-          <a:effectRef idx="0">
-            <a:scrgbClr r="0" g="0" b="0"/>
-          </a:effectRef>
-          <a:fontRef idx="minor">
-            <a:schemeClr val="lt1"/>
-          </a:fontRef>
-        </p:style>
-        <p:txBody>
-          <a:bodyPr rtlCol="0" anchor="ctr"/>
-          <a:lstStyle/>
-          <a:p>
-            <a:r>
-              <a:rPr lang="zh-CN" altLang="en-US" sz="1000" dirty="0" smtClean="0">
-                <a:latin typeface="微软雅黑" panose="020B0503020204020204" pitchFamily="34" charset="-122"/>
-                <a:ea typeface="微软雅黑" panose="020B0503020204020204" pitchFamily="34" charset="-122"/>
-              </a:rPr>
-              <a:t>总内存大小</a:t>
-            </a:r>
-            <a:endParaRPr lang="zh-CN" altLang="en-US" sz="1000" dirty="0">
-              <a:latin typeface="微软雅黑" panose="020B0503020204020204" pitchFamily="34" charset="-122"/>
-              <a:ea typeface="微软雅黑" panose="020B0503020204020204" pitchFamily="34" charset="-122"/>
-            </a:endParaRPr>
-          </a:p>
-        </p:txBody>
-      </p:sp>
-      <p:sp>
-        <p:nvSpPr>
-          <p:cNvPr id="10" name="矩形标注 9"/>
-          <p:cNvSpPr/>
-          <p:nvPr/>
-        </p:nvSpPr>
-        <p:spPr>
-          <a:xfrm>
-            <a:off x="1670423" y="2378817"/>
-            <a:ext cx="844177" cy="664289"/>
-          </a:xfrm>
-          <a:prstGeom prst="wedgeRectCallout">
-            <a:avLst>
-              <a:gd name="adj1" fmla="val -248"/>
-              <a:gd name="adj2" fmla="val -123143"/>
-            </a:avLst>
-          </a:prstGeom>
-          <a:solidFill>
-            <a:schemeClr val="accent5">
-              <a:alpha val="50000"/>
-            </a:schemeClr>
-          </a:solidFill>
-          <a:ln>
-            <a:noFill/>
-          </a:ln>
-        </p:spPr>
-        <p:style>
-          <a:lnRef idx="0">
-            <a:scrgbClr r="0" g="0" b="0"/>
-          </a:lnRef>
-          <a:fillRef idx="0">
-            <a:scrgbClr r="0" g="0" b="0"/>
-          </a:fillRef>
-          <a:effectRef idx="0">
-            <a:scrgbClr r="0" g="0" b="0"/>
-          </a:effectRef>
-          <a:fontRef idx="minor">
-            <a:schemeClr val="lt1"/>
-          </a:fontRef>
-        </p:style>
-        <p:txBody>
-          <a:bodyPr rtlCol="0" anchor="ctr"/>
-          <a:lstStyle/>
-          <a:p>
-            <a:r>
-              <a:rPr lang="zh-CN" altLang="en-US" sz="1000" dirty="0">
-                <a:latin typeface="微软雅黑" panose="020B0503020204020204" pitchFamily="34" charset="-122"/>
-                <a:ea typeface="微软雅黑" panose="020B0503020204020204" pitchFamily="34" charset="-122"/>
-              </a:rPr>
-              <a:t>已使用内存的大小，包含了共享内存</a:t>
-            </a:r>
-          </a:p>
-        </p:txBody>
-      </p:sp>
-      <p:sp>
-        <p:nvSpPr>
-          <p:cNvPr id="12" name="矩形标注 11"/>
-          <p:cNvSpPr/>
-          <p:nvPr/>
-        </p:nvSpPr>
-        <p:spPr>
-          <a:xfrm>
-            <a:off x="2591526" y="2378817"/>
-            <a:ext cx="844177" cy="325787"/>
-          </a:xfrm>
-          <a:prstGeom prst="wedgeRectCallout">
-            <a:avLst>
-              <a:gd name="adj1" fmla="val -25522"/>
-              <a:gd name="adj2" fmla="val -171501"/>
-            </a:avLst>
-          </a:prstGeom>
-          <a:solidFill>
-            <a:schemeClr val="accent5">
-              <a:alpha val="50000"/>
-            </a:schemeClr>
-          </a:solidFill>
-          <a:ln>
-            <a:noFill/>
-          </a:ln>
-        </p:spPr>
-        <p:style>
-          <a:lnRef idx="0">
-            <a:scrgbClr r="0" g="0" b="0"/>
-          </a:lnRef>
-          <a:fillRef idx="0">
-            <a:scrgbClr r="0" g="0" b="0"/>
-          </a:fillRef>
-          <a:effectRef idx="0">
-            <a:scrgbClr r="0" g="0" b="0"/>
-          </a:effectRef>
-          <a:fontRef idx="minor">
-            <a:schemeClr val="lt1"/>
-          </a:fontRef>
-        </p:style>
-        <p:txBody>
-          <a:bodyPr rtlCol="0" anchor="ctr"/>
-          <a:lstStyle/>
-          <a:p>
-            <a:r>
-              <a:rPr lang="zh-CN" altLang="en-US" sz="1000" dirty="0" smtClean="0">
-                <a:latin typeface="微软雅黑" panose="020B0503020204020204" pitchFamily="34" charset="-122"/>
-                <a:ea typeface="微软雅黑" panose="020B0503020204020204" pitchFamily="34" charset="-122"/>
-              </a:rPr>
-              <a:t>未使用</a:t>
-            </a:r>
-            <a:endParaRPr lang="en-US" altLang="zh-CN" sz="1000" dirty="0" smtClean="0">
-              <a:latin typeface="微软雅黑" panose="020B0503020204020204" pitchFamily="34" charset="-122"/>
-              <a:ea typeface="微软雅黑" panose="020B0503020204020204" pitchFamily="34" charset="-122"/>
-            </a:endParaRPr>
-          </a:p>
-          <a:p>
-            <a:r>
-              <a:rPr lang="zh-CN" altLang="en-US" sz="1000" dirty="0" smtClean="0">
-                <a:latin typeface="微软雅黑" panose="020B0503020204020204" pitchFamily="34" charset="-122"/>
-                <a:ea typeface="微软雅黑" panose="020B0503020204020204" pitchFamily="34" charset="-122"/>
-              </a:rPr>
-              <a:t>内存大小</a:t>
-            </a:r>
-            <a:endParaRPr lang="zh-CN" altLang="en-US" sz="1000" dirty="0">
-              <a:latin typeface="微软雅黑" panose="020B0503020204020204" pitchFamily="34" charset="-122"/>
-              <a:ea typeface="微软雅黑" panose="020B0503020204020204" pitchFamily="34" charset="-122"/>
-            </a:endParaRPr>
-          </a:p>
-        </p:txBody>
-      </p:sp>
-      <p:sp>
-        <p:nvSpPr>
-          <p:cNvPr id="13" name="矩形标注 12"/>
-          <p:cNvSpPr/>
-          <p:nvPr/>
-        </p:nvSpPr>
-        <p:spPr>
-          <a:xfrm>
-            <a:off x="3512629" y="2360355"/>
-            <a:ext cx="844177" cy="325787"/>
-          </a:xfrm>
-          <a:prstGeom prst="wedgeRectCallout">
-            <a:avLst>
-              <a:gd name="adj1" fmla="val -35451"/>
-              <a:gd name="adj2" fmla="val -169162"/>
-            </a:avLst>
-          </a:prstGeom>
-          <a:solidFill>
-            <a:schemeClr val="accent5">
-              <a:alpha val="50000"/>
-            </a:schemeClr>
-          </a:solidFill>
-          <a:ln>
-            <a:noFill/>
-          </a:ln>
-        </p:spPr>
-        <p:style>
-          <a:lnRef idx="0">
-            <a:scrgbClr r="0" g="0" b="0"/>
-          </a:lnRef>
-          <a:fillRef idx="0">
-            <a:scrgbClr r="0" g="0" b="0"/>
-          </a:fillRef>
-          <a:effectRef idx="0">
-            <a:scrgbClr r="0" g="0" b="0"/>
-          </a:effectRef>
-          <a:fontRef idx="minor">
-            <a:schemeClr val="lt1"/>
-          </a:fontRef>
-        </p:style>
-        <p:txBody>
-          <a:bodyPr rtlCol="0" anchor="ctr"/>
-          <a:lstStyle/>
-          <a:p>
-            <a:r>
-              <a:rPr lang="zh-CN" altLang="en-US" sz="1000" dirty="0" smtClean="0">
-                <a:latin typeface="微软雅黑" panose="020B0503020204020204" pitchFamily="34" charset="-122"/>
-                <a:ea typeface="微软雅黑" panose="020B0503020204020204" pitchFamily="34" charset="-122"/>
-              </a:rPr>
-              <a:t>共享内存</a:t>
-            </a:r>
-            <a:endParaRPr lang="en-US" altLang="zh-CN" sz="1000" dirty="0" smtClean="0">
-              <a:latin typeface="微软雅黑" panose="020B0503020204020204" pitchFamily="34" charset="-122"/>
-              <a:ea typeface="微软雅黑" panose="020B0503020204020204" pitchFamily="34" charset="-122"/>
-            </a:endParaRPr>
-          </a:p>
-          <a:p>
-            <a:r>
-              <a:rPr lang="zh-CN" altLang="en-US" sz="1000" dirty="0" smtClean="0">
-                <a:latin typeface="微软雅黑" panose="020B0503020204020204" pitchFamily="34" charset="-122"/>
-                <a:ea typeface="微软雅黑" panose="020B0503020204020204" pitchFamily="34" charset="-122"/>
-              </a:rPr>
-              <a:t>大小</a:t>
-            </a:r>
-            <a:endParaRPr lang="zh-CN" altLang="en-US" sz="1000" dirty="0">
-              <a:latin typeface="微软雅黑" panose="020B0503020204020204" pitchFamily="34" charset="-122"/>
-              <a:ea typeface="微软雅黑" panose="020B0503020204020204" pitchFamily="34" charset="-122"/>
-            </a:endParaRPr>
-          </a:p>
-        </p:txBody>
-      </p:sp>
-      <p:sp>
-        <p:nvSpPr>
-          <p:cNvPr id="14" name="矩形标注 13"/>
-          <p:cNvSpPr/>
-          <p:nvPr/>
-        </p:nvSpPr>
-        <p:spPr>
-          <a:xfrm>
-            <a:off x="4433732" y="2360354"/>
-            <a:ext cx="844177" cy="325787"/>
-          </a:xfrm>
-          <a:prstGeom prst="wedgeRectCallout">
-            <a:avLst>
-              <a:gd name="adj1" fmla="val -54407"/>
-              <a:gd name="adj2" fmla="val -183195"/>
-            </a:avLst>
-          </a:prstGeom>
-          <a:solidFill>
-            <a:schemeClr val="accent5">
-              <a:alpha val="50000"/>
-            </a:schemeClr>
-          </a:solidFill>
-          <a:ln>
-            <a:noFill/>
-          </a:ln>
-        </p:spPr>
-        <p:style>
-          <a:lnRef idx="0">
-            <a:scrgbClr r="0" g="0" b="0"/>
-          </a:lnRef>
-          <a:fillRef idx="0">
-            <a:scrgbClr r="0" g="0" b="0"/>
-          </a:fillRef>
-          <a:effectRef idx="0">
-            <a:scrgbClr r="0" g="0" b="0"/>
-          </a:effectRef>
-          <a:fontRef idx="minor">
-            <a:schemeClr val="lt1"/>
-          </a:fontRef>
-        </p:style>
-        <p:txBody>
-          <a:bodyPr rtlCol="0" anchor="ctr"/>
-          <a:lstStyle/>
-          <a:p>
-            <a:r>
-              <a:rPr lang="zh-CN" altLang="en-US" sz="1000" dirty="0">
-                <a:latin typeface="微软雅黑" panose="020B0503020204020204" pitchFamily="34" charset="-122"/>
-                <a:ea typeface="微软雅黑" panose="020B0503020204020204" pitchFamily="34" charset="-122"/>
-              </a:rPr>
-              <a:t>缓存和缓冲区的大小</a:t>
-            </a:r>
-          </a:p>
-        </p:txBody>
-      </p:sp>
-      <p:sp>
-        <p:nvSpPr>
-          <p:cNvPr id="16" name="矩形标注 15"/>
-          <p:cNvSpPr/>
-          <p:nvPr/>
-        </p:nvSpPr>
-        <p:spPr>
-          <a:xfrm>
-            <a:off x="5391101" y="2360353"/>
-            <a:ext cx="844177" cy="918973"/>
-          </a:xfrm>
-          <a:prstGeom prst="wedgeRectCallout">
-            <a:avLst>
-              <a:gd name="adj1" fmla="val -76973"/>
-              <a:gd name="adj2" fmla="val -98382"/>
-            </a:avLst>
-          </a:prstGeom>
-          <a:solidFill>
-            <a:schemeClr val="accent5">
-              <a:alpha val="50000"/>
-            </a:schemeClr>
-          </a:solidFill>
-          <a:ln>
-            <a:noFill/>
-          </a:ln>
-        </p:spPr>
-        <p:style>
-          <a:lnRef idx="0">
-            <a:scrgbClr r="0" g="0" b="0"/>
-          </a:lnRef>
-          <a:fillRef idx="0">
-            <a:scrgbClr r="0" g="0" b="0"/>
-          </a:fillRef>
-          <a:effectRef idx="0">
-            <a:scrgbClr r="0" g="0" b="0"/>
-          </a:effectRef>
-          <a:fontRef idx="minor">
-            <a:schemeClr val="lt1"/>
-          </a:fontRef>
-        </p:style>
-        <p:txBody>
-          <a:bodyPr rtlCol="0" anchor="ctr"/>
-          <a:lstStyle/>
-          <a:p>
-            <a:r>
-              <a:rPr lang="zh-CN" altLang="en-US" sz="1000" dirty="0">
-                <a:latin typeface="微软雅黑" panose="020B0503020204020204" pitchFamily="34" charset="-122"/>
-                <a:ea typeface="微软雅黑" panose="020B0503020204020204" pitchFamily="34" charset="-122"/>
-              </a:rPr>
-              <a:t>新进程可用内存的大小</a:t>
-            </a:r>
-            <a:r>
-              <a:rPr lang="zh-CN" altLang="en-US" sz="1000" dirty="0" smtClean="0">
-                <a:latin typeface="微软雅黑" panose="020B0503020204020204" pitchFamily="34" charset="-122"/>
-                <a:ea typeface="微软雅黑" panose="020B0503020204020204" pitchFamily="34" charset="-122"/>
-              </a:rPr>
-              <a:t>大小，这里面包含了可回收缓存</a:t>
-            </a:r>
-            <a:endParaRPr lang="zh-CN" altLang="en-US" sz="1000" dirty="0">
-              <a:latin typeface="微软雅黑" panose="020B0503020204020204" pitchFamily="34" charset="-122"/>
-              <a:ea typeface="微软雅黑" panose="020B0503020204020204" pitchFamily="34" charset="-122"/>
-            </a:endParaRPr>
-          </a:p>
-        </p:txBody>
-      </p:sp>
-      <p:sp>
-        <p:nvSpPr>
-          <p:cNvPr id="17" name="矩形 16"/>
-          <p:cNvSpPr/>
-          <p:nvPr/>
-        </p:nvSpPr>
-        <p:spPr>
-          <a:xfrm>
-            <a:off x="6560820" y="1211443"/>
-            <a:ext cx="7937500" cy="2400657"/>
-          </a:xfrm>
-          <a:prstGeom prst="rect">
-            <a:avLst/>
-          </a:prstGeom>
-        </p:spPr>
-        <p:txBody>
-          <a:bodyPr wrap="square">
-            <a:spAutoFit/>
-          </a:bodyPr>
-          <a:lstStyle/>
-          <a:p>
-            <a:r>
-              <a:rPr lang="en-US" altLang="zh-CN" sz="1000" dirty="0">
-                <a:latin typeface="黑体" panose="02010609060101010101" pitchFamily="49" charset="-122"/>
-                <a:ea typeface="黑体" panose="02010609060101010101" pitchFamily="49" charset="-122"/>
-              </a:rPr>
-              <a:t># </a:t>
-            </a:r>
-            <a:r>
-              <a:rPr lang="zh-CN" altLang="en-US" sz="1000" dirty="0">
-                <a:latin typeface="黑体" panose="02010609060101010101" pitchFamily="49" charset="-122"/>
-                <a:ea typeface="黑体" panose="02010609060101010101" pitchFamily="49" charset="-122"/>
-              </a:rPr>
-              <a:t>按下</a:t>
-            </a:r>
-            <a:r>
-              <a:rPr lang="en-US" altLang="zh-CN" sz="1000" dirty="0">
-                <a:latin typeface="黑体" panose="02010609060101010101" pitchFamily="49" charset="-122"/>
-                <a:ea typeface="黑体" panose="02010609060101010101" pitchFamily="49" charset="-122"/>
-              </a:rPr>
-              <a:t>M</a:t>
-            </a:r>
-            <a:r>
-              <a:rPr lang="zh-CN" altLang="en-US" sz="1000" dirty="0">
-                <a:latin typeface="黑体" panose="02010609060101010101" pitchFamily="49" charset="-122"/>
-                <a:ea typeface="黑体" panose="02010609060101010101" pitchFamily="49" charset="-122"/>
-              </a:rPr>
-              <a:t>切换到内存排序</a:t>
-            </a:r>
-          </a:p>
-          <a:p>
-            <a:r>
-              <a:rPr lang="en-US" altLang="zh-CN" sz="1000" dirty="0">
-                <a:latin typeface="黑体" panose="02010609060101010101" pitchFamily="49" charset="-122"/>
-                <a:ea typeface="黑体" panose="02010609060101010101" pitchFamily="49" charset="-122"/>
-              </a:rPr>
-              <a:t>$ top</a:t>
-            </a:r>
-          </a:p>
-          <a:p>
-            <a:r>
-              <a:rPr lang="en-US" altLang="zh-CN" sz="1000" dirty="0">
-                <a:latin typeface="黑体" panose="02010609060101010101" pitchFamily="49" charset="-122"/>
-                <a:ea typeface="黑体" panose="02010609060101010101" pitchFamily="49" charset="-122"/>
-              </a:rPr>
-              <a:t>...</a:t>
-            </a:r>
-          </a:p>
-          <a:p>
-            <a:r>
-              <a:rPr lang="en-US" altLang="zh-CN" sz="1000" dirty="0">
-                <a:latin typeface="黑体" panose="02010609060101010101" pitchFamily="49" charset="-122"/>
-                <a:ea typeface="黑体" panose="02010609060101010101" pitchFamily="49" charset="-122"/>
-              </a:rPr>
-              <a:t>KiB Mem :  8169348 total,  6871440 free,   267096 used,  1030812 buff/cache</a:t>
-            </a:r>
-          </a:p>
-          <a:p>
-            <a:r>
-              <a:rPr lang="en-US" altLang="zh-CN" sz="1000" dirty="0">
-                <a:latin typeface="黑体" panose="02010609060101010101" pitchFamily="49" charset="-122"/>
-                <a:ea typeface="黑体" panose="02010609060101010101" pitchFamily="49" charset="-122"/>
-              </a:rPr>
-              <a:t>KiB Swap:        0 total,        0 free,        0 used.  7607492 avail Mem</a:t>
-            </a:r>
-          </a:p>
-          <a:p>
-            <a:endParaRPr lang="en-US" altLang="zh-CN" sz="1000" dirty="0">
-              <a:latin typeface="黑体" panose="02010609060101010101" pitchFamily="49" charset="-122"/>
-              <a:ea typeface="黑体" panose="02010609060101010101" pitchFamily="49" charset="-122"/>
-            </a:endParaRPr>
-          </a:p>
-          <a:p>
-            <a:endParaRPr lang="en-US" altLang="zh-CN" sz="1000" dirty="0">
-              <a:latin typeface="黑体" panose="02010609060101010101" pitchFamily="49" charset="-122"/>
-              <a:ea typeface="黑体" panose="02010609060101010101" pitchFamily="49" charset="-122"/>
-            </a:endParaRPr>
-          </a:p>
-          <a:p>
-            <a:r>
-              <a:rPr lang="en-US" altLang="zh-CN" sz="1000" dirty="0">
-                <a:latin typeface="黑体" panose="02010609060101010101" pitchFamily="49" charset="-122"/>
-                <a:ea typeface="黑体" panose="02010609060101010101" pitchFamily="49" charset="-122"/>
-              </a:rPr>
-              <a:t>  PID USER      PR  NI    </a:t>
-            </a:r>
-            <a:r>
-              <a:rPr lang="en-US" altLang="zh-CN" sz="1000" dirty="0">
-                <a:solidFill>
-                  <a:schemeClr val="accent2"/>
-                </a:solidFill>
-                <a:latin typeface="黑体" panose="02010609060101010101" pitchFamily="49" charset="-122"/>
-                <a:ea typeface="黑体" panose="02010609060101010101" pitchFamily="49" charset="-122"/>
-              </a:rPr>
-              <a:t>VIRT    RES    SHR </a:t>
-            </a:r>
-            <a:r>
-              <a:rPr lang="en-US" altLang="zh-CN" sz="1000" dirty="0">
-                <a:latin typeface="黑体" panose="02010609060101010101" pitchFamily="49" charset="-122"/>
-                <a:ea typeface="黑体" panose="02010609060101010101" pitchFamily="49" charset="-122"/>
-              </a:rPr>
-              <a:t>S  %CPU </a:t>
-            </a:r>
-            <a:r>
-              <a:rPr lang="en-US" altLang="zh-CN" sz="1000" dirty="0">
-                <a:solidFill>
-                  <a:schemeClr val="accent2"/>
-                </a:solidFill>
-                <a:latin typeface="黑体" panose="02010609060101010101" pitchFamily="49" charset="-122"/>
-                <a:ea typeface="黑体" panose="02010609060101010101" pitchFamily="49" charset="-122"/>
-              </a:rPr>
-              <a:t>%MEM</a:t>
-            </a:r>
-            <a:r>
-              <a:rPr lang="en-US" altLang="zh-CN" sz="1000" dirty="0">
-                <a:latin typeface="黑体" panose="02010609060101010101" pitchFamily="49" charset="-122"/>
-                <a:ea typeface="黑体" panose="02010609060101010101" pitchFamily="49" charset="-122"/>
-              </a:rPr>
-              <a:t>     TIME+ COMMAND</a:t>
-            </a:r>
-          </a:p>
-          <a:p>
-            <a:r>
-              <a:rPr lang="en-US" altLang="zh-CN" sz="1000" dirty="0">
-                <a:latin typeface="黑体" panose="02010609060101010101" pitchFamily="49" charset="-122"/>
-                <a:ea typeface="黑体" panose="02010609060101010101" pitchFamily="49" charset="-122"/>
-              </a:rPr>
-              <a:t>  430 root      19  -1  122360  35588  23748 S   0.0  0.4   0:32.17 </a:t>
-            </a:r>
-            <a:r>
-              <a:rPr lang="en-US" altLang="zh-CN" sz="1000" dirty="0" err="1">
-                <a:latin typeface="黑体" panose="02010609060101010101" pitchFamily="49" charset="-122"/>
-                <a:ea typeface="黑体" panose="02010609060101010101" pitchFamily="49" charset="-122"/>
-              </a:rPr>
-              <a:t>systemd</a:t>
-            </a:r>
-            <a:r>
-              <a:rPr lang="en-US" altLang="zh-CN" sz="1000" dirty="0">
-                <a:latin typeface="黑体" panose="02010609060101010101" pitchFamily="49" charset="-122"/>
-                <a:ea typeface="黑体" panose="02010609060101010101" pitchFamily="49" charset="-122"/>
-              </a:rPr>
-              <a:t>-journal</a:t>
-            </a:r>
-          </a:p>
-          <a:p>
-            <a:r>
-              <a:rPr lang="en-US" altLang="zh-CN" sz="1000" dirty="0">
-                <a:latin typeface="黑体" panose="02010609060101010101" pitchFamily="49" charset="-122"/>
-                <a:ea typeface="黑体" panose="02010609060101010101" pitchFamily="49" charset="-122"/>
-              </a:rPr>
-              <a:t> 1075 root      20   0  771860  22744  11368 S   0.0  0.3   0:38.89 </a:t>
-            </a:r>
-            <a:r>
-              <a:rPr lang="en-US" altLang="zh-CN" sz="1000" dirty="0" err="1">
-                <a:latin typeface="黑体" panose="02010609060101010101" pitchFamily="49" charset="-122"/>
-                <a:ea typeface="黑体" panose="02010609060101010101" pitchFamily="49" charset="-122"/>
-              </a:rPr>
-              <a:t>snapd</a:t>
-            </a:r>
-            <a:endParaRPr lang="en-US" altLang="zh-CN" sz="1000" dirty="0">
-              <a:latin typeface="黑体" panose="02010609060101010101" pitchFamily="49" charset="-122"/>
-              <a:ea typeface="黑体" panose="02010609060101010101" pitchFamily="49" charset="-122"/>
-            </a:endParaRPr>
-          </a:p>
-          <a:p>
-            <a:r>
-              <a:rPr lang="en-US" altLang="zh-CN" sz="1000" dirty="0">
-                <a:latin typeface="黑体" panose="02010609060101010101" pitchFamily="49" charset="-122"/>
-                <a:ea typeface="黑体" panose="02010609060101010101" pitchFamily="49" charset="-122"/>
-              </a:rPr>
-              <a:t> 1048 root      20   0  170904  17292   9488 S   0.0  0.2   0:00.24 </a:t>
-            </a:r>
-            <a:r>
-              <a:rPr lang="en-US" altLang="zh-CN" sz="1000" dirty="0" err="1">
-                <a:latin typeface="黑体" panose="02010609060101010101" pitchFamily="49" charset="-122"/>
-                <a:ea typeface="黑体" panose="02010609060101010101" pitchFamily="49" charset="-122"/>
-              </a:rPr>
-              <a:t>networkd-dispat</a:t>
-            </a:r>
-            <a:endParaRPr lang="en-US" altLang="zh-CN" sz="1000" dirty="0">
-              <a:latin typeface="黑体" panose="02010609060101010101" pitchFamily="49" charset="-122"/>
-              <a:ea typeface="黑体" panose="02010609060101010101" pitchFamily="49" charset="-122"/>
-            </a:endParaRPr>
-          </a:p>
-          <a:p>
-            <a:r>
-              <a:rPr lang="en-US" altLang="zh-CN" sz="1000" dirty="0">
-                <a:latin typeface="黑体" panose="02010609060101010101" pitchFamily="49" charset="-122"/>
-                <a:ea typeface="黑体" panose="02010609060101010101" pitchFamily="49" charset="-122"/>
-              </a:rPr>
-              <a:t>    1 root      20   0   78020   9156   6644 S   0.0  0.1   0:22.92 </a:t>
-            </a:r>
-            <a:r>
-              <a:rPr lang="en-US" altLang="zh-CN" sz="1000" dirty="0" err="1">
-                <a:latin typeface="黑体" panose="02010609060101010101" pitchFamily="49" charset="-122"/>
-                <a:ea typeface="黑体" panose="02010609060101010101" pitchFamily="49" charset="-122"/>
-              </a:rPr>
-              <a:t>systemd</a:t>
-            </a:r>
-            <a:endParaRPr lang="en-US" altLang="zh-CN" sz="1000" dirty="0">
-              <a:latin typeface="黑体" panose="02010609060101010101" pitchFamily="49" charset="-122"/>
-              <a:ea typeface="黑体" panose="02010609060101010101" pitchFamily="49" charset="-122"/>
-            </a:endParaRPr>
-          </a:p>
-          <a:p>
-            <a:r>
-              <a:rPr lang="en-US" altLang="zh-CN" sz="1000" dirty="0">
-                <a:latin typeface="黑体" panose="02010609060101010101" pitchFamily="49" charset="-122"/>
-                <a:ea typeface="黑体" panose="02010609060101010101" pitchFamily="49" charset="-122"/>
-              </a:rPr>
-              <a:t>12376 azure     20   0   76632   7456   6420 S   0.0  0.1   0:00.01 </a:t>
-            </a:r>
-            <a:r>
-              <a:rPr lang="en-US" altLang="zh-CN" sz="1000" dirty="0" err="1">
-                <a:latin typeface="黑体" panose="02010609060101010101" pitchFamily="49" charset="-122"/>
-                <a:ea typeface="黑体" panose="02010609060101010101" pitchFamily="49" charset="-122"/>
-              </a:rPr>
-              <a:t>systemd</a:t>
-            </a:r>
-            <a:endParaRPr lang="en-US" altLang="zh-CN" sz="1000" dirty="0">
-              <a:latin typeface="黑体" panose="02010609060101010101" pitchFamily="49" charset="-122"/>
-              <a:ea typeface="黑体" panose="02010609060101010101" pitchFamily="49" charset="-122"/>
-            </a:endParaRPr>
-          </a:p>
-          <a:p>
-            <a:r>
-              <a:rPr lang="en-US" altLang="zh-CN" sz="1000" dirty="0">
-                <a:latin typeface="黑体" panose="02010609060101010101" pitchFamily="49" charset="-122"/>
-                <a:ea typeface="黑体" panose="02010609060101010101" pitchFamily="49" charset="-122"/>
-              </a:rPr>
-              <a:t>12374 root      20   0  107984   7312   6304 S   0.0  0.1   0:00.00 </a:t>
-            </a:r>
-            <a:r>
-              <a:rPr lang="en-US" altLang="zh-CN" sz="1000" dirty="0" err="1">
-                <a:latin typeface="黑体" panose="02010609060101010101" pitchFamily="49" charset="-122"/>
-                <a:ea typeface="黑体" panose="02010609060101010101" pitchFamily="49" charset="-122"/>
-              </a:rPr>
-              <a:t>sshd</a:t>
-            </a:r>
-            <a:endParaRPr lang="en-US" altLang="zh-CN" sz="1000" dirty="0">
-              <a:latin typeface="黑体" panose="02010609060101010101" pitchFamily="49" charset="-122"/>
-              <a:ea typeface="黑体" panose="02010609060101010101" pitchFamily="49" charset="-122"/>
-            </a:endParaRPr>
-          </a:p>
-          <a:p>
-            <a:r>
-              <a:rPr lang="en-US" altLang="zh-CN" sz="1000" dirty="0">
-                <a:latin typeface="黑体" panose="02010609060101010101" pitchFamily="49" charset="-122"/>
-                <a:ea typeface="黑体" panose="02010609060101010101" pitchFamily="49" charset="-122"/>
-              </a:rPr>
-              <a:t>...</a:t>
-            </a:r>
-            <a:endParaRPr lang="zh-CN" altLang="en-US" sz="1000" dirty="0">
-              <a:latin typeface="黑体" panose="02010609060101010101" pitchFamily="49" charset="-122"/>
-              <a:ea typeface="黑体" panose="02010609060101010101" pitchFamily="49" charset="-122"/>
-            </a:endParaRPr>
-          </a:p>
-        </p:txBody>
-      </p:sp>
-      <p:sp>
-        <p:nvSpPr>
-          <p:cNvPr id="18" name="矩形标注 17"/>
-          <p:cNvSpPr/>
-          <p:nvPr/>
-        </p:nvSpPr>
-        <p:spPr>
-          <a:xfrm>
-            <a:off x="6134101" y="3991033"/>
-            <a:ext cx="1175598" cy="1582055"/>
-          </a:xfrm>
-          <a:prstGeom prst="wedgeRectCallout">
-            <a:avLst>
-              <a:gd name="adj1" fmla="val 131304"/>
-              <a:gd name="adj2" fmla="val -91312"/>
-            </a:avLst>
-          </a:prstGeom>
-          <a:solidFill>
-            <a:schemeClr val="accent5">
-              <a:alpha val="50000"/>
-            </a:schemeClr>
-          </a:solidFill>
-          <a:ln>
-            <a:noFill/>
-          </a:ln>
-        </p:spPr>
-        <p:style>
-          <a:lnRef idx="0">
-            <a:scrgbClr r="0" g="0" b="0"/>
-          </a:lnRef>
-          <a:fillRef idx="0">
-            <a:scrgbClr r="0" g="0" b="0"/>
-          </a:fillRef>
-          <a:effectRef idx="0">
-            <a:scrgbClr r="0" g="0" b="0"/>
-          </a:effectRef>
-          <a:fontRef idx="minor">
-            <a:schemeClr val="lt1"/>
-          </a:fontRef>
-        </p:style>
-        <p:txBody>
-          <a:bodyPr rtlCol="0" anchor="ctr"/>
-          <a:lstStyle/>
-          <a:p>
-            <a:r>
-              <a:rPr lang="zh-CN" altLang="en-US" sz="1000" dirty="0">
-                <a:latin typeface="微软雅黑" panose="020B0503020204020204" pitchFamily="34" charset="-122"/>
-                <a:ea typeface="微软雅黑" panose="020B0503020204020204" pitchFamily="34" charset="-122"/>
-              </a:rPr>
-              <a:t>进程虚拟内存的大小，只要是进程申请过的内存，即便还没有真正分配物理内存，也会计算在内。</a:t>
-            </a:r>
-          </a:p>
-        </p:txBody>
-      </p:sp>
-      <p:sp>
-        <p:nvSpPr>
-          <p:cNvPr id="19" name="矩形标注 18"/>
-          <p:cNvSpPr/>
-          <p:nvPr/>
-        </p:nvSpPr>
-        <p:spPr>
-          <a:xfrm>
-            <a:off x="7749541" y="3991032"/>
-            <a:ext cx="1175598" cy="1582055"/>
-          </a:xfrm>
-          <a:prstGeom prst="wedgeRectCallout">
-            <a:avLst>
-              <a:gd name="adj1" fmla="val 47040"/>
-              <a:gd name="adj2" fmla="val -91312"/>
-            </a:avLst>
-          </a:prstGeom>
-          <a:solidFill>
-            <a:schemeClr val="accent5">
-              <a:alpha val="50000"/>
-            </a:schemeClr>
-          </a:solidFill>
-          <a:ln>
-            <a:noFill/>
-          </a:ln>
-        </p:spPr>
-        <p:style>
-          <a:lnRef idx="0">
-            <a:scrgbClr r="0" g="0" b="0"/>
-          </a:lnRef>
-          <a:fillRef idx="0">
-            <a:scrgbClr r="0" g="0" b="0"/>
-          </a:fillRef>
-          <a:effectRef idx="0">
-            <a:scrgbClr r="0" g="0" b="0"/>
-          </a:effectRef>
-          <a:fontRef idx="minor">
-            <a:schemeClr val="lt1"/>
-          </a:fontRef>
-        </p:style>
-        <p:txBody>
-          <a:bodyPr rtlCol="0" anchor="ctr"/>
-          <a:lstStyle/>
-          <a:p>
-            <a:r>
-              <a:rPr lang="zh-CN" altLang="en-US" sz="1000" dirty="0">
-                <a:latin typeface="微软雅黑" panose="020B0503020204020204" pitchFamily="34" charset="-122"/>
-                <a:ea typeface="微软雅黑" panose="020B0503020204020204" pitchFamily="34" charset="-122"/>
-              </a:rPr>
-              <a:t>常驻内存的大小，也就是进程实际使用的物理内存大小，但不包括 </a:t>
-            </a:r>
-            <a:r>
-              <a:rPr lang="en-US" altLang="zh-CN" sz="1000" dirty="0">
-                <a:latin typeface="微软雅黑" panose="020B0503020204020204" pitchFamily="34" charset="-122"/>
-                <a:ea typeface="微软雅黑" panose="020B0503020204020204" pitchFamily="34" charset="-122"/>
-              </a:rPr>
-              <a:t>Swap </a:t>
-            </a:r>
-            <a:r>
-              <a:rPr lang="zh-CN" altLang="en-US" sz="1000" dirty="0">
-                <a:latin typeface="微软雅黑" panose="020B0503020204020204" pitchFamily="34" charset="-122"/>
-                <a:ea typeface="微软雅黑" panose="020B0503020204020204" pitchFamily="34" charset="-122"/>
-              </a:rPr>
-              <a:t>和共享内存</a:t>
-            </a:r>
-            <a:r>
-              <a:rPr lang="zh-CN" altLang="en-US" sz="1000" dirty="0" smtClean="0">
-                <a:latin typeface="微软雅黑" panose="020B0503020204020204" pitchFamily="34" charset="-122"/>
-                <a:ea typeface="微软雅黑" panose="020B0503020204020204" pitchFamily="34" charset="-122"/>
-              </a:rPr>
-              <a:t>。</a:t>
-            </a:r>
-            <a:r>
-              <a:rPr lang="zh-CN" altLang="en-US" sz="1000" dirty="0" smtClean="0">
-                <a:solidFill>
-                  <a:schemeClr val="accent2"/>
-                </a:solidFill>
-                <a:latin typeface="微软雅黑" panose="020B0503020204020204" pitchFamily="34" charset="-122"/>
-                <a:ea typeface="微软雅黑" panose="020B0503020204020204" pitchFamily="34" charset="-122"/>
-              </a:rPr>
-              <a:t>所以一般比</a:t>
-            </a:r>
-            <a:r>
-              <a:rPr lang="en-US" altLang="zh-CN" sz="1000" dirty="0" smtClean="0">
-                <a:solidFill>
-                  <a:schemeClr val="accent2"/>
-                </a:solidFill>
-                <a:latin typeface="微软雅黑" panose="020B0503020204020204" pitchFamily="34" charset="-122"/>
-                <a:ea typeface="微软雅黑" panose="020B0503020204020204" pitchFamily="34" charset="-122"/>
-              </a:rPr>
-              <a:t>VIRT</a:t>
-            </a:r>
-            <a:r>
-              <a:rPr lang="zh-CN" altLang="en-US" sz="1000" dirty="0" smtClean="0">
-                <a:solidFill>
-                  <a:schemeClr val="accent2"/>
-                </a:solidFill>
-                <a:latin typeface="微软雅黑" panose="020B0503020204020204" pitchFamily="34" charset="-122"/>
-                <a:ea typeface="微软雅黑" panose="020B0503020204020204" pitchFamily="34" charset="-122"/>
-              </a:rPr>
-              <a:t>要小很多</a:t>
-            </a:r>
-            <a:r>
-              <a:rPr lang="en-US" altLang="zh-CN" sz="1000" dirty="0" smtClean="0">
-                <a:solidFill>
-                  <a:schemeClr val="accent2"/>
-                </a:solidFill>
-                <a:latin typeface="微软雅黑" panose="020B0503020204020204" pitchFamily="34" charset="-122"/>
-                <a:ea typeface="微软雅黑" panose="020B0503020204020204" pitchFamily="34" charset="-122"/>
-              </a:rPr>
-              <a:t>.</a:t>
-            </a:r>
-            <a:endParaRPr lang="zh-CN" altLang="en-US" sz="1000" dirty="0">
-              <a:solidFill>
-                <a:schemeClr val="accent2"/>
-              </a:solidFill>
-              <a:latin typeface="微软雅黑" panose="020B0503020204020204" pitchFamily="34" charset="-122"/>
-              <a:ea typeface="微软雅黑" panose="020B0503020204020204" pitchFamily="34" charset="-122"/>
-            </a:endParaRPr>
-          </a:p>
-        </p:txBody>
-      </p:sp>
-      <p:sp>
-        <p:nvSpPr>
-          <p:cNvPr id="20" name="矩形标注 19"/>
-          <p:cNvSpPr/>
-          <p:nvPr/>
-        </p:nvSpPr>
-        <p:spPr>
-          <a:xfrm>
-            <a:off x="9014461" y="3991031"/>
-            <a:ext cx="1175598" cy="1582055"/>
-          </a:xfrm>
-          <a:prstGeom prst="wedgeRectCallout">
-            <a:avLst>
-              <a:gd name="adj1" fmla="val -21019"/>
-              <a:gd name="adj2" fmla="val -87708"/>
-            </a:avLst>
-          </a:prstGeom>
-          <a:solidFill>
-            <a:schemeClr val="accent5">
-              <a:alpha val="50000"/>
-            </a:schemeClr>
-          </a:solidFill>
-          <a:ln>
-            <a:noFill/>
-          </a:ln>
-        </p:spPr>
-        <p:style>
-          <a:lnRef idx="0">
-            <a:scrgbClr r="0" g="0" b="0"/>
-          </a:lnRef>
-          <a:fillRef idx="0">
-            <a:scrgbClr r="0" g="0" b="0"/>
-          </a:fillRef>
-          <a:effectRef idx="0">
-            <a:scrgbClr r="0" g="0" b="0"/>
-          </a:effectRef>
-          <a:fontRef idx="minor">
-            <a:schemeClr val="lt1"/>
-          </a:fontRef>
-        </p:style>
-        <p:txBody>
-          <a:bodyPr rtlCol="0" anchor="ctr"/>
-          <a:lstStyle/>
-          <a:p>
-            <a:r>
-              <a:rPr lang="zh-CN" altLang="en-US" sz="1000" dirty="0">
-                <a:latin typeface="微软雅黑" panose="020B0503020204020204" pitchFamily="34" charset="-122"/>
-                <a:ea typeface="微软雅黑" panose="020B0503020204020204" pitchFamily="34" charset="-122"/>
-              </a:rPr>
-              <a:t>共享内存的大小，比如与其他进程共同使用的共享</a:t>
-            </a:r>
-            <a:r>
-              <a:rPr lang="zh-CN" altLang="en-US" sz="1000" dirty="0" smtClean="0">
-                <a:latin typeface="微软雅黑" panose="020B0503020204020204" pitchFamily="34" charset="-122"/>
-                <a:ea typeface="微软雅黑" panose="020B0503020204020204" pitchFamily="34" charset="-122"/>
-              </a:rPr>
-              <a:t>内存（</a:t>
-            </a:r>
-            <a:r>
-              <a:rPr lang="zh-CN" altLang="en-US" sz="1000" dirty="0" smtClean="0">
-                <a:solidFill>
-                  <a:schemeClr val="accent2"/>
-                </a:solidFill>
-                <a:latin typeface="微软雅黑" panose="020B0503020204020204" pitchFamily="34" charset="-122"/>
-                <a:ea typeface="微软雅黑" panose="020B0503020204020204" pitchFamily="34" charset="-122"/>
-              </a:rPr>
-              <a:t>真正进程间共享的</a:t>
-            </a:r>
-            <a:r>
-              <a:rPr lang="zh-CN" altLang="en-US" sz="1000" dirty="0" smtClean="0">
-                <a:latin typeface="微软雅黑" panose="020B0503020204020204" pitchFamily="34" charset="-122"/>
-                <a:ea typeface="微软雅黑" panose="020B0503020204020204" pitchFamily="34" charset="-122"/>
-              </a:rPr>
-              <a:t>）、加载</a:t>
-            </a:r>
-            <a:r>
-              <a:rPr lang="zh-CN" altLang="en-US" sz="1000" dirty="0">
-                <a:latin typeface="微软雅黑" panose="020B0503020204020204" pitchFamily="34" charset="-122"/>
-                <a:ea typeface="微软雅黑" panose="020B0503020204020204" pitchFamily="34" charset="-122"/>
-              </a:rPr>
-              <a:t>的动态链接库以及程序的代码段等。</a:t>
-            </a:r>
-            <a:r>
-              <a:rPr lang="zh-CN" altLang="en-US" sz="1000" dirty="0">
-                <a:solidFill>
-                  <a:schemeClr val="accent2"/>
-                </a:solidFill>
-                <a:latin typeface="微软雅黑" panose="020B0503020204020204" pitchFamily="34" charset="-122"/>
-                <a:ea typeface="微软雅黑" panose="020B0503020204020204" pitchFamily="34" charset="-122"/>
-              </a:rPr>
-              <a:t>共享内存 </a:t>
-            </a:r>
-            <a:r>
-              <a:rPr lang="en-US" altLang="zh-CN" sz="1000" dirty="0">
-                <a:solidFill>
-                  <a:schemeClr val="accent2"/>
-                </a:solidFill>
-                <a:latin typeface="微软雅黑" panose="020B0503020204020204" pitchFamily="34" charset="-122"/>
-                <a:ea typeface="微软雅黑" panose="020B0503020204020204" pitchFamily="34" charset="-122"/>
-              </a:rPr>
-              <a:t>SHR </a:t>
-            </a:r>
-            <a:r>
-              <a:rPr lang="zh-CN" altLang="en-US" sz="1000" dirty="0">
-                <a:solidFill>
-                  <a:schemeClr val="accent2"/>
-                </a:solidFill>
-                <a:latin typeface="微软雅黑" panose="020B0503020204020204" pitchFamily="34" charset="-122"/>
-                <a:ea typeface="微软雅黑" panose="020B0503020204020204" pitchFamily="34" charset="-122"/>
-              </a:rPr>
-              <a:t>并不一定是共享的</a:t>
-            </a:r>
-          </a:p>
-        </p:txBody>
-      </p:sp>
-      <p:sp>
-        <p:nvSpPr>
-          <p:cNvPr id="21" name="矩形标注 20"/>
-          <p:cNvSpPr/>
-          <p:nvPr/>
-        </p:nvSpPr>
-        <p:spPr>
-          <a:xfrm>
-            <a:off x="10332721" y="3991030"/>
-            <a:ext cx="1175598" cy="1582055"/>
-          </a:xfrm>
-          <a:prstGeom prst="wedgeRectCallout">
-            <a:avLst>
-              <a:gd name="adj1" fmla="val -61206"/>
-              <a:gd name="adj2" fmla="val -89252"/>
-            </a:avLst>
-          </a:prstGeom>
-          <a:solidFill>
-            <a:schemeClr val="accent5">
-              <a:alpha val="50000"/>
-            </a:schemeClr>
-          </a:solidFill>
-          <a:ln>
-            <a:noFill/>
-          </a:ln>
-        </p:spPr>
-        <p:style>
-          <a:lnRef idx="0">
-            <a:scrgbClr r="0" g="0" b="0"/>
-          </a:lnRef>
-          <a:fillRef idx="0">
-            <a:scrgbClr r="0" g="0" b="0"/>
-          </a:fillRef>
-          <a:effectRef idx="0">
-            <a:scrgbClr r="0" g="0" b="0"/>
-          </a:effectRef>
-          <a:fontRef idx="minor">
-            <a:schemeClr val="lt1"/>
-          </a:fontRef>
-        </p:style>
-        <p:txBody>
-          <a:bodyPr rtlCol="0" anchor="ctr"/>
-          <a:lstStyle/>
-          <a:p>
-            <a:r>
-              <a:rPr lang="zh-CN" altLang="en-US" sz="1000" dirty="0">
-                <a:latin typeface="微软雅黑" panose="020B0503020204020204" pitchFamily="34" charset="-122"/>
-                <a:ea typeface="微软雅黑" panose="020B0503020204020204" pitchFamily="34" charset="-122"/>
-              </a:rPr>
-              <a:t>进程使用物理内存占系统总内存的百分比。</a:t>
-            </a:r>
-          </a:p>
-        </p:txBody>
-      </p:sp>
-      <p:sp>
-        <p:nvSpPr>
-          <p:cNvPr id="22" name="矩形 21"/>
-          <p:cNvSpPr/>
-          <p:nvPr/>
-        </p:nvSpPr>
-        <p:spPr>
-          <a:xfrm>
-            <a:off x="8152854" y="5573088"/>
-            <a:ext cx="3025686" cy="461665"/>
-          </a:xfrm>
-          <a:prstGeom prst="rect">
-            <a:avLst/>
-          </a:prstGeom>
-        </p:spPr>
-        <p:txBody>
-          <a:bodyPr wrap="square">
-            <a:spAutoFit/>
-          </a:bodyPr>
-          <a:lstStyle/>
-          <a:p>
-            <a:r>
-              <a:rPr lang="zh-CN" altLang="en-US" sz="1200" dirty="0">
-                <a:solidFill>
-                  <a:srgbClr val="FFFF00"/>
-                </a:solidFill>
-                <a:latin typeface="微软雅黑" panose="020B0503020204020204" pitchFamily="34" charset="-122"/>
-                <a:ea typeface="微软雅黑" panose="020B0503020204020204" pitchFamily="34" charset="-122"/>
-              </a:rPr>
-              <a:t>所以在计算多个进程的内存使用时，不要把所有进程的 </a:t>
-            </a:r>
-            <a:r>
-              <a:rPr lang="en-US" altLang="zh-CN" sz="1200" dirty="0">
-                <a:solidFill>
-                  <a:srgbClr val="FFFF00"/>
-                </a:solidFill>
-                <a:latin typeface="微软雅黑" panose="020B0503020204020204" pitchFamily="34" charset="-122"/>
-                <a:ea typeface="微软雅黑" panose="020B0503020204020204" pitchFamily="34" charset="-122"/>
-              </a:rPr>
-              <a:t>SHR </a:t>
-            </a:r>
-            <a:r>
-              <a:rPr lang="zh-CN" altLang="en-US" sz="1200" dirty="0">
-                <a:solidFill>
-                  <a:srgbClr val="FFFF00"/>
-                </a:solidFill>
-                <a:latin typeface="微软雅黑" panose="020B0503020204020204" pitchFamily="34" charset="-122"/>
-                <a:ea typeface="微软雅黑" panose="020B0503020204020204" pitchFamily="34" charset="-122"/>
-              </a:rPr>
-              <a:t>直接相加得出结果。</a:t>
-            </a:r>
-            <a:endParaRPr lang="en-US" altLang="zh-CN" sz="1200" dirty="0">
-              <a:solidFill>
-                <a:srgbClr val="FFFF00"/>
-              </a:solidFill>
-              <a:latin typeface="微软雅黑" panose="020B0503020204020204" pitchFamily="34" charset="-122"/>
-              <a:ea typeface="微软雅黑" panose="020B0503020204020204" pitchFamily="34" charset="-122"/>
-            </a:endParaRPr>
-          </a:p>
-        </p:txBody>
-      </p:sp>
-      <p:sp>
-        <p:nvSpPr>
-          <p:cNvPr id="23" name="矩形 22"/>
-          <p:cNvSpPr/>
-          <p:nvPr/>
-        </p:nvSpPr>
-        <p:spPr>
-          <a:xfrm>
-            <a:off x="1196581" y="3766394"/>
-            <a:ext cx="4122966" cy="1015663"/>
-          </a:xfrm>
-          <a:prstGeom prst="rect">
-            <a:avLst/>
-          </a:prstGeom>
-        </p:spPr>
-        <p:txBody>
-          <a:bodyPr wrap="square">
-            <a:spAutoFit/>
-          </a:bodyPr>
-          <a:lstStyle/>
-          <a:p>
-            <a:r>
-              <a:rPr lang="en-US" altLang="zh-CN" sz="1000" dirty="0" err="1">
-                <a:solidFill>
-                  <a:srgbClr val="FFFF00"/>
-                </a:solidFill>
-                <a:latin typeface="微软雅黑" panose="020B0503020204020204" pitchFamily="34" charset="-122"/>
-                <a:ea typeface="微软雅黑" panose="020B0503020204020204" pitchFamily="34" charset="-122"/>
-              </a:rPr>
-              <a:t>brk</a:t>
-            </a:r>
-            <a:r>
-              <a:rPr lang="en-US" altLang="zh-CN" sz="1000" dirty="0">
-                <a:solidFill>
-                  <a:srgbClr val="FFFF00"/>
-                </a:solidFill>
-                <a:latin typeface="微软雅黑" panose="020B0503020204020204" pitchFamily="34" charset="-122"/>
-                <a:ea typeface="微软雅黑" panose="020B0503020204020204" pitchFamily="34" charset="-122"/>
-              </a:rPr>
-              <a:t>() </a:t>
-            </a:r>
-            <a:r>
-              <a:rPr lang="zh-CN" altLang="en-US" sz="1000" dirty="0" smtClean="0">
-                <a:solidFill>
-                  <a:srgbClr val="FFFF00"/>
-                </a:solidFill>
-                <a:latin typeface="微软雅黑" panose="020B0503020204020204" pitchFamily="34" charset="-122"/>
-                <a:ea typeface="微软雅黑" panose="020B0503020204020204" pitchFamily="34" charset="-122"/>
-              </a:rPr>
-              <a:t>减少</a:t>
-            </a:r>
-            <a:r>
-              <a:rPr lang="zh-CN" altLang="en-US" sz="1000" dirty="0">
-                <a:solidFill>
-                  <a:srgbClr val="FFFF00"/>
-                </a:solidFill>
-                <a:latin typeface="微软雅黑" panose="020B0503020204020204" pitchFamily="34" charset="-122"/>
-                <a:ea typeface="微软雅黑" panose="020B0503020204020204" pitchFamily="34" charset="-122"/>
-              </a:rPr>
-              <a:t>缺页异常的发生，提高内存访问效率</a:t>
-            </a:r>
-            <a:r>
-              <a:rPr lang="zh-CN" altLang="en-US" sz="1000" dirty="0" smtClean="0">
-                <a:solidFill>
-                  <a:srgbClr val="FFFF00"/>
-                </a:solidFill>
-                <a:latin typeface="微软雅黑" panose="020B0503020204020204" pitchFamily="34" charset="-122"/>
-                <a:ea typeface="微软雅黑" panose="020B0503020204020204" pitchFamily="34" charset="-122"/>
-              </a:rPr>
-              <a:t>。</a:t>
-            </a:r>
-            <a:r>
-              <a:rPr lang="en-US" altLang="zh-CN" sz="1000" dirty="0">
-                <a:solidFill>
-                  <a:srgbClr val="FFFF00"/>
-                </a:solidFill>
-                <a:latin typeface="微软雅黑" panose="020B0503020204020204" pitchFamily="34" charset="-122"/>
-                <a:ea typeface="微软雅黑" panose="020B0503020204020204" pitchFamily="34" charset="-122"/>
-              </a:rPr>
-              <a:t/>
-            </a:r>
-            <a:br>
-              <a:rPr lang="en-US" altLang="zh-CN" sz="1000" dirty="0">
-                <a:solidFill>
-                  <a:srgbClr val="FFFF00"/>
-                </a:solidFill>
-                <a:latin typeface="微软雅黑" panose="020B0503020204020204" pitchFamily="34" charset="-122"/>
-                <a:ea typeface="微软雅黑" panose="020B0503020204020204" pitchFamily="34" charset="-122"/>
-              </a:rPr>
-            </a:br>
-            <a:r>
-              <a:rPr lang="zh-CN" altLang="en-US" sz="1000" dirty="0" smtClean="0">
-                <a:solidFill>
-                  <a:srgbClr val="FFFF00"/>
-                </a:solidFill>
-                <a:latin typeface="微软雅黑" panose="020B0503020204020204" pitchFamily="34" charset="-122"/>
-                <a:ea typeface="微软雅黑" panose="020B0503020204020204" pitchFamily="34" charset="-122"/>
-              </a:rPr>
-              <a:t>由于不归还</a:t>
-            </a:r>
-            <a:r>
-              <a:rPr lang="zh-CN" altLang="en-US" sz="1000" dirty="0">
-                <a:solidFill>
-                  <a:srgbClr val="FFFF00"/>
-                </a:solidFill>
-                <a:latin typeface="微软雅黑" panose="020B0503020204020204" pitchFamily="34" charset="-122"/>
-                <a:ea typeface="微软雅黑" panose="020B0503020204020204" pitchFamily="34" charset="-122"/>
-              </a:rPr>
-              <a:t>系统</a:t>
-            </a:r>
-            <a:r>
-              <a:rPr lang="zh-CN" altLang="en-US" sz="1000" dirty="0" smtClean="0">
-                <a:solidFill>
-                  <a:srgbClr val="FFFF00"/>
-                </a:solidFill>
-                <a:latin typeface="微软雅黑" panose="020B0503020204020204" pitchFamily="34" charset="-122"/>
-                <a:ea typeface="微软雅黑" panose="020B0503020204020204" pitchFamily="34" charset="-122"/>
-              </a:rPr>
-              <a:t>，频繁</a:t>
-            </a:r>
-            <a:r>
-              <a:rPr lang="zh-CN" altLang="en-US" sz="1000" dirty="0">
-                <a:solidFill>
-                  <a:srgbClr val="FFFF00"/>
-                </a:solidFill>
-                <a:latin typeface="微软雅黑" panose="020B0503020204020204" pitchFamily="34" charset="-122"/>
-                <a:ea typeface="微软雅黑" panose="020B0503020204020204" pitchFamily="34" charset="-122"/>
-              </a:rPr>
-              <a:t>的内存分配和释放会造成内存碎片。</a:t>
-            </a:r>
-          </a:p>
-          <a:p>
-            <a:endParaRPr lang="zh-CN" altLang="en-US" sz="1000" dirty="0">
-              <a:solidFill>
-                <a:srgbClr val="FFFF00"/>
-              </a:solidFill>
-              <a:latin typeface="微软雅黑" panose="020B0503020204020204" pitchFamily="34" charset="-122"/>
-              <a:ea typeface="微软雅黑" panose="020B0503020204020204" pitchFamily="34" charset="-122"/>
-            </a:endParaRPr>
-          </a:p>
-          <a:p>
-            <a:r>
-              <a:rPr lang="en-US" altLang="zh-CN" sz="1000" dirty="0" err="1" smtClean="0">
-                <a:solidFill>
-                  <a:srgbClr val="FFFF00"/>
-                </a:solidFill>
-                <a:latin typeface="微软雅黑" panose="020B0503020204020204" pitchFamily="34" charset="-122"/>
-                <a:ea typeface="微软雅黑" panose="020B0503020204020204" pitchFamily="34" charset="-122"/>
-              </a:rPr>
-              <a:t>mmap</a:t>
-            </a:r>
-            <a:r>
-              <a:rPr lang="en-US" altLang="zh-CN" sz="1000" dirty="0">
-                <a:solidFill>
-                  <a:srgbClr val="FFFF00"/>
-                </a:solidFill>
-                <a:latin typeface="微软雅黑" panose="020B0503020204020204" pitchFamily="34" charset="-122"/>
-                <a:ea typeface="微软雅黑" panose="020B0503020204020204" pitchFamily="34" charset="-122"/>
-              </a:rPr>
-              <a:t>() </a:t>
-            </a:r>
-            <a:r>
-              <a:rPr lang="zh-CN" altLang="en-US" sz="1000" dirty="0">
-                <a:solidFill>
-                  <a:srgbClr val="FFFF00"/>
-                </a:solidFill>
-                <a:latin typeface="微软雅黑" panose="020B0503020204020204" pitchFamily="34" charset="-122"/>
-                <a:ea typeface="微软雅黑" panose="020B0503020204020204" pitchFamily="34" charset="-122"/>
-              </a:rPr>
-              <a:t>方式分配的内存，会在释放时直接归还</a:t>
-            </a:r>
-            <a:r>
-              <a:rPr lang="zh-CN" altLang="en-US" sz="1000" dirty="0" smtClean="0">
-                <a:solidFill>
-                  <a:srgbClr val="FFFF00"/>
-                </a:solidFill>
-                <a:latin typeface="微软雅黑" panose="020B0503020204020204" pitchFamily="34" charset="-122"/>
-                <a:ea typeface="微软雅黑" panose="020B0503020204020204" pitchFamily="34" charset="-122"/>
-              </a:rPr>
-              <a:t>系统。</a:t>
-            </a:r>
-            <a:endParaRPr lang="en-US" altLang="zh-CN" sz="1000" dirty="0" smtClean="0">
-              <a:solidFill>
-                <a:srgbClr val="FFFF00"/>
-              </a:solidFill>
-              <a:latin typeface="微软雅黑" panose="020B0503020204020204" pitchFamily="34" charset="-122"/>
-              <a:ea typeface="微软雅黑" panose="020B0503020204020204" pitchFamily="34" charset="-122"/>
-            </a:endParaRPr>
-          </a:p>
-          <a:p>
-            <a:r>
-              <a:rPr lang="zh-CN" altLang="en-US" sz="1000" dirty="0" smtClean="0">
-                <a:solidFill>
-                  <a:srgbClr val="FFFF00"/>
-                </a:solidFill>
-                <a:latin typeface="微软雅黑" panose="020B0503020204020204" pitchFamily="34" charset="-122"/>
-                <a:ea typeface="微软雅黑" panose="020B0503020204020204" pitchFamily="34" charset="-122"/>
-              </a:rPr>
-              <a:t>每次 </a:t>
-            </a:r>
-            <a:r>
-              <a:rPr lang="en-US" altLang="zh-CN" sz="1000" dirty="0" err="1">
-                <a:solidFill>
-                  <a:srgbClr val="FFFF00"/>
-                </a:solidFill>
-                <a:latin typeface="微软雅黑" panose="020B0503020204020204" pitchFamily="34" charset="-122"/>
-                <a:ea typeface="微软雅黑" panose="020B0503020204020204" pitchFamily="34" charset="-122"/>
-              </a:rPr>
-              <a:t>mmap</a:t>
-            </a:r>
-            <a:r>
-              <a:rPr lang="en-US" altLang="zh-CN" sz="1000" dirty="0">
-                <a:solidFill>
-                  <a:srgbClr val="FFFF00"/>
-                </a:solidFill>
-                <a:latin typeface="微软雅黑" panose="020B0503020204020204" pitchFamily="34" charset="-122"/>
-                <a:ea typeface="微软雅黑" panose="020B0503020204020204" pitchFamily="34" charset="-122"/>
-              </a:rPr>
-              <a:t> </a:t>
-            </a:r>
-            <a:r>
-              <a:rPr lang="zh-CN" altLang="en-US" sz="1000" dirty="0">
-                <a:solidFill>
-                  <a:srgbClr val="FFFF00"/>
-                </a:solidFill>
-                <a:latin typeface="微软雅黑" panose="020B0503020204020204" pitchFamily="34" charset="-122"/>
-                <a:ea typeface="微软雅黑" panose="020B0503020204020204" pitchFamily="34" charset="-122"/>
-              </a:rPr>
-              <a:t>都会发生缺页异常</a:t>
-            </a:r>
-            <a:r>
-              <a:rPr lang="zh-CN" altLang="en-US" sz="1000" dirty="0" smtClean="0">
-                <a:solidFill>
-                  <a:srgbClr val="FFFF00"/>
-                </a:solidFill>
-                <a:latin typeface="微软雅黑" panose="020B0503020204020204" pitchFamily="34" charset="-122"/>
-                <a:ea typeface="微软雅黑" panose="020B0503020204020204" pitchFamily="34" charset="-122"/>
-              </a:rPr>
-              <a:t>。</a:t>
-            </a:r>
-            <a:endParaRPr lang="en-US" altLang="zh-CN" sz="1000" dirty="0" smtClean="0">
-              <a:solidFill>
-                <a:srgbClr val="FFFF00"/>
-              </a:solidFill>
-              <a:latin typeface="微软雅黑" panose="020B0503020204020204" pitchFamily="34" charset="-122"/>
-              <a:ea typeface="微软雅黑" panose="020B0503020204020204" pitchFamily="34" charset="-122"/>
-            </a:endParaRPr>
-          </a:p>
-          <a:p>
-            <a:r>
-              <a:rPr lang="zh-CN" altLang="en-US" sz="1000" dirty="0" smtClean="0">
-                <a:solidFill>
-                  <a:srgbClr val="FFFF00"/>
-                </a:solidFill>
-                <a:latin typeface="微软雅黑" panose="020B0503020204020204" pitchFamily="34" charset="-122"/>
-                <a:ea typeface="微软雅黑" panose="020B0503020204020204" pitchFamily="34" charset="-122"/>
-              </a:rPr>
-              <a:t>频繁</a:t>
-            </a:r>
-            <a:r>
-              <a:rPr lang="zh-CN" altLang="en-US" sz="1000" dirty="0">
-                <a:solidFill>
-                  <a:srgbClr val="FFFF00"/>
-                </a:solidFill>
-                <a:latin typeface="微软雅黑" panose="020B0503020204020204" pitchFamily="34" charset="-122"/>
-                <a:ea typeface="微软雅黑" panose="020B0503020204020204" pitchFamily="34" charset="-122"/>
-              </a:rPr>
-              <a:t>的内存分配会导致大量的缺页异常，使内核的管理负担增大</a:t>
-            </a:r>
-            <a:r>
-              <a:rPr lang="zh-CN" altLang="en-US" sz="1000" dirty="0" smtClean="0">
-                <a:solidFill>
-                  <a:srgbClr val="FFFF00"/>
-                </a:solidFill>
-                <a:latin typeface="微软雅黑" panose="020B0503020204020204" pitchFamily="34" charset="-122"/>
-                <a:ea typeface="微软雅黑" panose="020B0503020204020204" pitchFamily="34" charset="-122"/>
-              </a:rPr>
-              <a:t>。</a:t>
-            </a:r>
-            <a:endParaRPr lang="en-US" altLang="zh-CN" sz="1000" dirty="0">
-              <a:solidFill>
-                <a:srgbClr val="FFFF00"/>
-              </a:solidFill>
-              <a:latin typeface="微软雅黑" panose="020B0503020204020204" pitchFamily="34" charset="-122"/>
-              <a:ea typeface="微软雅黑" panose="020B0503020204020204" pitchFamily="34" charset="-122"/>
-            </a:endParaRPr>
-          </a:p>
-        </p:txBody>
-      </p:sp>
-    </p:spTree>
-    <p:extLst>
-      <p:ext uri="{BB962C8B-B14F-4D97-AF65-F5344CB8AC3E}">
-        <p14:creationId xmlns:p14="http://schemas.microsoft.com/office/powerpoint/2010/main" val="1956392092"/>
-      </p:ext>
-    </p:extLst>
-  </p:cSld>
-  <p:clrMapOvr>
-    <a:masterClrMapping/>
-  </p:clrMapOvr>
-  <p:timing>
-    <p:tnLst>
-      <p:par>
-        <p:cTn id="1" dur="indefinite" restart="never" nodeType="tmRoot"/>
-      </p:par>
-    </p:tnLst>
-  </p:timing>
-</p:sld>
-</file>
-
 <file path=ppt/theme/theme1.xml><?xml version="1.0" encoding="utf-8"?>
 <a:theme xmlns:a="http://schemas.openxmlformats.org/drawingml/2006/main" name="离子">
   <a:themeElements>

--- a/Linux性能优化实战/02-内存性能优化.pptx
+++ b/Linux性能优化实战/02-内存性能优化.pptx
@@ -4,6 +4,9 @@
   <p:sldMasterIdLst>
     <p:sldMasterId id="2147483714" r:id="rId1"/>
   </p:sldMasterIdLst>
+  <p:notesMasterIdLst>
+    <p:notesMasterId r:id="rId6"/>
+  </p:notesMasterIdLst>
   <p:sldIdLst>
     <p:sldId id="256" r:id="rId2"/>
     <p:sldId id="257" r:id="rId3"/>
@@ -115,6 +118,440 @@
 </p:presentation>
 </file>
 
+<file path=ppt/notesMasters/notesMaster1.xml><?xml version="1.0" encoding="utf-8"?>
+<p:notesMaster xmlns:a="http://schemas.openxmlformats.org/drawingml/2006/main" xmlns:r="http://schemas.openxmlformats.org/officeDocument/2006/relationships" xmlns:p="http://schemas.openxmlformats.org/presentationml/2006/main">
+  <p:cSld>
+    <p:bg>
+      <p:bgRef idx="1001">
+        <a:schemeClr val="bg1"/>
+      </p:bgRef>
+    </p:bg>
+    <p:spTree>
+      <p:nvGrpSpPr>
+        <p:cNvPr id="1" name=""/>
+        <p:cNvGrpSpPr/>
+        <p:nvPr/>
+      </p:nvGrpSpPr>
+      <p:grpSpPr>
+        <a:xfrm>
+          <a:off x="0" y="0"/>
+          <a:ext cx="0" cy="0"/>
+          <a:chOff x="0" y="0"/>
+          <a:chExt cx="0" cy="0"/>
+        </a:xfrm>
+      </p:grpSpPr>
+      <p:sp>
+        <p:nvSpPr>
+          <p:cNvPr id="2" name="页眉占位符 1"/>
+          <p:cNvSpPr>
+            <a:spLocks noGrp="1"/>
+          </p:cNvSpPr>
+          <p:nvPr>
+            <p:ph type="hdr" sz="quarter"/>
+          </p:nvPr>
+        </p:nvSpPr>
+        <p:spPr>
+          <a:xfrm>
+            <a:off x="0" y="0"/>
+            <a:ext cx="2971800" cy="458788"/>
+          </a:xfrm>
+          <a:prstGeom prst="rect">
+            <a:avLst/>
+          </a:prstGeom>
+        </p:spPr>
+        <p:txBody>
+          <a:bodyPr vert="horz" lIns="91440" tIns="45720" rIns="91440" bIns="45720" rtlCol="0"/>
+          <a:lstStyle>
+            <a:lvl1pPr algn="l">
+              <a:defRPr sz="1200"/>
+            </a:lvl1pPr>
+          </a:lstStyle>
+          <a:p>
+            <a:endParaRPr lang="zh-CN" altLang="en-US"/>
+          </a:p>
+        </p:txBody>
+      </p:sp>
+      <p:sp>
+        <p:nvSpPr>
+          <p:cNvPr id="3" name="日期占位符 2"/>
+          <p:cNvSpPr>
+            <a:spLocks noGrp="1"/>
+          </p:cNvSpPr>
+          <p:nvPr>
+            <p:ph type="dt" idx="1"/>
+          </p:nvPr>
+        </p:nvSpPr>
+        <p:spPr>
+          <a:xfrm>
+            <a:off x="3884613" y="0"/>
+            <a:ext cx="2971800" cy="458788"/>
+          </a:xfrm>
+          <a:prstGeom prst="rect">
+            <a:avLst/>
+          </a:prstGeom>
+        </p:spPr>
+        <p:txBody>
+          <a:bodyPr vert="horz" lIns="91440" tIns="45720" rIns="91440" bIns="45720" rtlCol="0"/>
+          <a:lstStyle>
+            <a:lvl1pPr algn="r">
+              <a:defRPr sz="1200"/>
+            </a:lvl1pPr>
+          </a:lstStyle>
+          <a:p>
+            <a:fld id="{479E5BE0-79B2-411D-9760-C09A0752EA6D}" type="datetimeFigureOut">
+              <a:rPr lang="zh-CN" altLang="en-US" smtClean="0"/>
+              <a:t>2020/4/7</a:t>
+            </a:fld>
+            <a:endParaRPr lang="zh-CN" altLang="en-US"/>
+          </a:p>
+        </p:txBody>
+      </p:sp>
+      <p:sp>
+        <p:nvSpPr>
+          <p:cNvPr id="4" name="幻灯片图像占位符 3"/>
+          <p:cNvSpPr>
+            <a:spLocks noGrp="1" noRot="1" noChangeAspect="1"/>
+          </p:cNvSpPr>
+          <p:nvPr>
+            <p:ph type="sldImg" idx="2"/>
+          </p:nvPr>
+        </p:nvSpPr>
+        <p:spPr>
+          <a:xfrm>
+            <a:off x="685800" y="1143000"/>
+            <a:ext cx="5486400" cy="3086100"/>
+          </a:xfrm>
+          <a:prstGeom prst="rect">
+            <a:avLst/>
+          </a:prstGeom>
+          <a:noFill/>
+          <a:ln w="12700">
+            <a:solidFill>
+              <a:prstClr val="black"/>
+            </a:solidFill>
+          </a:ln>
+        </p:spPr>
+        <p:txBody>
+          <a:bodyPr vert="horz" lIns="91440" tIns="45720" rIns="91440" bIns="45720" rtlCol="0" anchor="ctr"/>
+          <a:lstStyle/>
+          <a:p>
+            <a:endParaRPr lang="zh-CN" altLang="en-US"/>
+          </a:p>
+        </p:txBody>
+      </p:sp>
+      <p:sp>
+        <p:nvSpPr>
+          <p:cNvPr id="5" name="备注占位符 4"/>
+          <p:cNvSpPr>
+            <a:spLocks noGrp="1"/>
+          </p:cNvSpPr>
+          <p:nvPr>
+            <p:ph type="body" sz="quarter" idx="3"/>
+          </p:nvPr>
+        </p:nvSpPr>
+        <p:spPr>
+          <a:xfrm>
+            <a:off x="685800" y="4400550"/>
+            <a:ext cx="5486400" cy="3600450"/>
+          </a:xfrm>
+          <a:prstGeom prst="rect">
+            <a:avLst/>
+          </a:prstGeom>
+        </p:spPr>
+        <p:txBody>
+          <a:bodyPr vert="horz" lIns="91440" tIns="45720" rIns="91440" bIns="45720" rtlCol="0"/>
+          <a:lstStyle/>
+          <a:p>
+            <a:pPr lvl="0"/>
+            <a:r>
+              <a:rPr lang="zh-CN" altLang="en-US" smtClean="0"/>
+              <a:t>编辑母版文本样式</a:t>
+            </a:r>
+          </a:p>
+          <a:p>
+            <a:pPr lvl="1"/>
+            <a:r>
+              <a:rPr lang="zh-CN" altLang="en-US" smtClean="0"/>
+              <a:t>第二级</a:t>
+            </a:r>
+          </a:p>
+          <a:p>
+            <a:pPr lvl="2"/>
+            <a:r>
+              <a:rPr lang="zh-CN" altLang="en-US" smtClean="0"/>
+              <a:t>第三级</a:t>
+            </a:r>
+          </a:p>
+          <a:p>
+            <a:pPr lvl="3"/>
+            <a:r>
+              <a:rPr lang="zh-CN" altLang="en-US" smtClean="0"/>
+              <a:t>第四级</a:t>
+            </a:r>
+          </a:p>
+          <a:p>
+            <a:pPr lvl="4"/>
+            <a:r>
+              <a:rPr lang="zh-CN" altLang="en-US" smtClean="0"/>
+              <a:t>第五级</a:t>
+            </a:r>
+            <a:endParaRPr lang="zh-CN" altLang="en-US"/>
+          </a:p>
+        </p:txBody>
+      </p:sp>
+      <p:sp>
+        <p:nvSpPr>
+          <p:cNvPr id="6" name="页脚占位符 5"/>
+          <p:cNvSpPr>
+            <a:spLocks noGrp="1"/>
+          </p:cNvSpPr>
+          <p:nvPr>
+            <p:ph type="ftr" sz="quarter" idx="4"/>
+          </p:nvPr>
+        </p:nvSpPr>
+        <p:spPr>
+          <a:xfrm>
+            <a:off x="0" y="8685213"/>
+            <a:ext cx="2971800" cy="458787"/>
+          </a:xfrm>
+          <a:prstGeom prst="rect">
+            <a:avLst/>
+          </a:prstGeom>
+        </p:spPr>
+        <p:txBody>
+          <a:bodyPr vert="horz" lIns="91440" tIns="45720" rIns="91440" bIns="45720" rtlCol="0" anchor="b"/>
+          <a:lstStyle>
+            <a:lvl1pPr algn="l">
+              <a:defRPr sz="1200"/>
+            </a:lvl1pPr>
+          </a:lstStyle>
+          <a:p>
+            <a:endParaRPr lang="zh-CN" altLang="en-US"/>
+          </a:p>
+        </p:txBody>
+      </p:sp>
+      <p:sp>
+        <p:nvSpPr>
+          <p:cNvPr id="7" name="灯片编号占位符 6"/>
+          <p:cNvSpPr>
+            <a:spLocks noGrp="1"/>
+          </p:cNvSpPr>
+          <p:nvPr>
+            <p:ph type="sldNum" sz="quarter" idx="5"/>
+          </p:nvPr>
+        </p:nvSpPr>
+        <p:spPr>
+          <a:xfrm>
+            <a:off x="3884613" y="8685213"/>
+            <a:ext cx="2971800" cy="458787"/>
+          </a:xfrm>
+          <a:prstGeom prst="rect">
+            <a:avLst/>
+          </a:prstGeom>
+        </p:spPr>
+        <p:txBody>
+          <a:bodyPr vert="horz" lIns="91440" tIns="45720" rIns="91440" bIns="45720" rtlCol="0" anchor="b"/>
+          <a:lstStyle>
+            <a:lvl1pPr algn="r">
+              <a:defRPr sz="1200"/>
+            </a:lvl1pPr>
+          </a:lstStyle>
+          <a:p>
+            <a:fld id="{9F6454A4-5D46-4300-B5E3-C4B2A45A1E3A}" type="slidenum">
+              <a:rPr lang="zh-CN" altLang="en-US" smtClean="0"/>
+              <a:t>‹#›</a:t>
+            </a:fld>
+            <a:endParaRPr lang="zh-CN" altLang="en-US"/>
+          </a:p>
+        </p:txBody>
+      </p:sp>
+    </p:spTree>
+    <p:extLst>
+      <p:ext uri="{BB962C8B-B14F-4D97-AF65-F5344CB8AC3E}">
+        <p14:creationId xmlns:p14="http://schemas.microsoft.com/office/powerpoint/2010/main" val="3504431809"/>
+      </p:ext>
+    </p:extLst>
+  </p:cSld>
+  <p:clrMap bg1="lt1" tx1="dk1" bg2="lt2" tx2="dk2" accent1="accent1" accent2="accent2" accent3="accent3" accent4="accent4" accent5="accent5" accent6="accent6" hlink="hlink" folHlink="folHlink"/>
+  <p:notesStyle>
+    <a:lvl1pPr marL="0" algn="l" defTabSz="914400" rtl="0" eaLnBrk="1" latinLnBrk="0" hangingPunct="1">
+      <a:defRPr sz="1200" kern="1200">
+        <a:solidFill>
+          <a:schemeClr val="tx1"/>
+        </a:solidFill>
+        <a:latin typeface="+mn-lt"/>
+        <a:ea typeface="+mn-ea"/>
+        <a:cs typeface="+mn-cs"/>
+      </a:defRPr>
+    </a:lvl1pPr>
+    <a:lvl2pPr marL="457200" algn="l" defTabSz="914400" rtl="0" eaLnBrk="1" latinLnBrk="0" hangingPunct="1">
+      <a:defRPr sz="1200" kern="1200">
+        <a:solidFill>
+          <a:schemeClr val="tx1"/>
+        </a:solidFill>
+        <a:latin typeface="+mn-lt"/>
+        <a:ea typeface="+mn-ea"/>
+        <a:cs typeface="+mn-cs"/>
+      </a:defRPr>
+    </a:lvl2pPr>
+    <a:lvl3pPr marL="914400" algn="l" defTabSz="914400" rtl="0" eaLnBrk="1" latinLnBrk="0" hangingPunct="1">
+      <a:defRPr sz="1200" kern="1200">
+        <a:solidFill>
+          <a:schemeClr val="tx1"/>
+        </a:solidFill>
+        <a:latin typeface="+mn-lt"/>
+        <a:ea typeface="+mn-ea"/>
+        <a:cs typeface="+mn-cs"/>
+      </a:defRPr>
+    </a:lvl3pPr>
+    <a:lvl4pPr marL="1371600" algn="l" defTabSz="914400" rtl="0" eaLnBrk="1" latinLnBrk="0" hangingPunct="1">
+      <a:defRPr sz="1200" kern="1200">
+        <a:solidFill>
+          <a:schemeClr val="tx1"/>
+        </a:solidFill>
+        <a:latin typeface="+mn-lt"/>
+        <a:ea typeface="+mn-ea"/>
+        <a:cs typeface="+mn-cs"/>
+      </a:defRPr>
+    </a:lvl4pPr>
+    <a:lvl5pPr marL="1828800" algn="l" defTabSz="914400" rtl="0" eaLnBrk="1" latinLnBrk="0" hangingPunct="1">
+      <a:defRPr sz="1200" kern="1200">
+        <a:solidFill>
+          <a:schemeClr val="tx1"/>
+        </a:solidFill>
+        <a:latin typeface="+mn-lt"/>
+        <a:ea typeface="+mn-ea"/>
+        <a:cs typeface="+mn-cs"/>
+      </a:defRPr>
+    </a:lvl5pPr>
+    <a:lvl6pPr marL="2286000" algn="l" defTabSz="914400" rtl="0" eaLnBrk="1" latinLnBrk="0" hangingPunct="1">
+      <a:defRPr sz="1200" kern="1200">
+        <a:solidFill>
+          <a:schemeClr val="tx1"/>
+        </a:solidFill>
+        <a:latin typeface="+mn-lt"/>
+        <a:ea typeface="+mn-ea"/>
+        <a:cs typeface="+mn-cs"/>
+      </a:defRPr>
+    </a:lvl6pPr>
+    <a:lvl7pPr marL="2743200" algn="l" defTabSz="914400" rtl="0" eaLnBrk="1" latinLnBrk="0" hangingPunct="1">
+      <a:defRPr sz="1200" kern="1200">
+        <a:solidFill>
+          <a:schemeClr val="tx1"/>
+        </a:solidFill>
+        <a:latin typeface="+mn-lt"/>
+        <a:ea typeface="+mn-ea"/>
+        <a:cs typeface="+mn-cs"/>
+      </a:defRPr>
+    </a:lvl7pPr>
+    <a:lvl8pPr marL="3200400" algn="l" defTabSz="914400" rtl="0" eaLnBrk="1" latinLnBrk="0" hangingPunct="1">
+      <a:defRPr sz="1200" kern="1200">
+        <a:solidFill>
+          <a:schemeClr val="tx1"/>
+        </a:solidFill>
+        <a:latin typeface="+mn-lt"/>
+        <a:ea typeface="+mn-ea"/>
+        <a:cs typeface="+mn-cs"/>
+      </a:defRPr>
+    </a:lvl8pPr>
+    <a:lvl9pPr marL="3657600" algn="l" defTabSz="914400" rtl="0" eaLnBrk="1" latinLnBrk="0" hangingPunct="1">
+      <a:defRPr sz="1200" kern="1200">
+        <a:solidFill>
+          <a:schemeClr val="tx1"/>
+        </a:solidFill>
+        <a:latin typeface="+mn-lt"/>
+        <a:ea typeface="+mn-ea"/>
+        <a:cs typeface="+mn-cs"/>
+      </a:defRPr>
+    </a:lvl9pPr>
+  </p:notesStyle>
+</p:notesMaster>
+</file>
+
+<file path=ppt/notesSlides/notesSlide1.xml><?xml version="1.0" encoding="utf-8"?>
+<p:notes xmlns:a="http://schemas.openxmlformats.org/drawingml/2006/main" xmlns:r="http://schemas.openxmlformats.org/officeDocument/2006/relationships" xmlns:p="http://schemas.openxmlformats.org/presentationml/2006/main">
+  <p:cSld>
+    <p:spTree>
+      <p:nvGrpSpPr>
+        <p:cNvPr id="1" name=""/>
+        <p:cNvGrpSpPr/>
+        <p:nvPr/>
+      </p:nvGrpSpPr>
+      <p:grpSpPr>
+        <a:xfrm>
+          <a:off x="0" y="0"/>
+          <a:ext cx="0" cy="0"/>
+          <a:chOff x="0" y="0"/>
+          <a:chExt cx="0" cy="0"/>
+        </a:xfrm>
+      </p:grpSpPr>
+      <p:sp>
+        <p:nvSpPr>
+          <p:cNvPr id="2" name="幻灯片图像占位符 1"/>
+          <p:cNvSpPr>
+            <a:spLocks noGrp="1" noRot="1" noChangeAspect="1"/>
+          </p:cNvSpPr>
+          <p:nvPr>
+            <p:ph type="sldImg"/>
+          </p:nvPr>
+        </p:nvSpPr>
+        <p:spPr/>
+      </p:sp>
+      <p:sp>
+        <p:nvSpPr>
+          <p:cNvPr id="3" name="备注占位符 2"/>
+          <p:cNvSpPr>
+            <a:spLocks noGrp="1"/>
+          </p:cNvSpPr>
+          <p:nvPr>
+            <p:ph type="body" idx="1"/>
+          </p:nvPr>
+        </p:nvSpPr>
+        <p:spPr/>
+        <p:txBody>
+          <a:bodyPr/>
+          <a:lstStyle/>
+          <a:p>
+            <a:endParaRPr lang="zh-CN" altLang="en-US" dirty="0"/>
+          </a:p>
+        </p:txBody>
+      </p:sp>
+      <p:sp>
+        <p:nvSpPr>
+          <p:cNvPr id="4" name="灯片编号占位符 3"/>
+          <p:cNvSpPr>
+            <a:spLocks noGrp="1"/>
+          </p:cNvSpPr>
+          <p:nvPr>
+            <p:ph type="sldNum" sz="quarter" idx="10"/>
+          </p:nvPr>
+        </p:nvSpPr>
+        <p:spPr/>
+        <p:txBody>
+          <a:bodyPr/>
+          <a:lstStyle/>
+          <a:p>
+            <a:fld id="{9F6454A4-5D46-4300-B5E3-C4B2A45A1E3A}" type="slidenum">
+              <a:rPr lang="zh-CN" altLang="en-US" smtClean="0"/>
+              <a:t>4</a:t>
+            </a:fld>
+            <a:endParaRPr lang="zh-CN" altLang="en-US"/>
+          </a:p>
+        </p:txBody>
+      </p:sp>
+    </p:spTree>
+    <p:extLst>
+      <p:ext uri="{BB962C8B-B14F-4D97-AF65-F5344CB8AC3E}">
+        <p14:creationId xmlns:p14="http://schemas.microsoft.com/office/powerpoint/2010/main" val="333803688"/>
+      </p:ext>
+    </p:extLst>
+  </p:cSld>
+  <p:clrMapOvr>
+    <a:masterClrMapping/>
+  </p:clrMapOvr>
+</p:notes>
+</file>
+
 <file path=ppt/slideLayouts/slideLayout1.xml><?xml version="1.0" encoding="utf-8"?>
 <p:sldLayout xmlns:a="http://schemas.openxmlformats.org/drawingml/2006/main" xmlns:r="http://schemas.openxmlformats.org/officeDocument/2006/relationships" xmlns:p="http://schemas.openxmlformats.org/presentationml/2006/main" type="title" preserve="1">
   <p:cSld name="标题幻灯片">
@@ -301,7 +738,7 @@
           <a:p>
             <a:fld id="{E396512D-F96B-4538-B91A-F7EB57A489A0}" type="datetimeFigureOut">
               <a:rPr lang="zh-CN" altLang="en-US" smtClean="0"/>
-              <a:t>2019/12/19</a:t>
+              <a:t>2020/4/7</a:t>
             </a:fld>
             <a:endParaRPr lang="zh-CN" altLang="en-US"/>
           </a:p>
@@ -576,7 +1013,7 @@
           <a:p>
             <a:fld id="{E396512D-F96B-4538-B91A-F7EB57A489A0}" type="datetimeFigureOut">
               <a:rPr lang="zh-CN" altLang="en-US" smtClean="0"/>
-              <a:t>2019/12/19</a:t>
+              <a:t>2020/4/7</a:t>
             </a:fld>
             <a:endParaRPr lang="zh-CN" altLang="en-US"/>
           </a:p>
@@ -770,7 +1207,7 @@
           <a:p>
             <a:fld id="{E396512D-F96B-4538-B91A-F7EB57A489A0}" type="datetimeFigureOut">
               <a:rPr lang="zh-CN" altLang="en-US" smtClean="0"/>
-              <a:t>2019/12/19</a:t>
+              <a:t>2020/4/7</a:t>
             </a:fld>
             <a:endParaRPr lang="zh-CN" altLang="en-US"/>
           </a:p>
@@ -1041,7 +1478,7 @@
           <a:p>
             <a:fld id="{E396512D-F96B-4538-B91A-F7EB57A489A0}" type="datetimeFigureOut">
               <a:rPr lang="zh-CN" altLang="en-US" smtClean="0"/>
-              <a:t>2019/12/19</a:t>
+              <a:t>2020/4/7</a:t>
             </a:fld>
             <a:endParaRPr lang="zh-CN" altLang="en-US"/>
           </a:p>
@@ -1368,7 +1805,7 @@
           <a:p>
             <a:fld id="{E396512D-F96B-4538-B91A-F7EB57A489A0}" type="datetimeFigureOut">
               <a:rPr lang="zh-CN" altLang="en-US" smtClean="0"/>
-              <a:t>2019/12/19</a:t>
+              <a:t>2020/4/7</a:t>
             </a:fld>
             <a:endParaRPr lang="zh-CN" altLang="en-US"/>
           </a:p>
@@ -1987,7 +2424,7 @@
           <a:p>
             <a:fld id="{E396512D-F96B-4538-B91A-F7EB57A489A0}" type="datetimeFigureOut">
               <a:rPr lang="zh-CN" altLang="en-US" smtClean="0"/>
-              <a:t>2019/12/19</a:t>
+              <a:t>2020/4/7</a:t>
             </a:fld>
             <a:endParaRPr lang="zh-CN" altLang="en-US"/>
           </a:p>
@@ -2834,7 +3271,7 @@
           <a:p>
             <a:fld id="{E396512D-F96B-4538-B91A-F7EB57A489A0}" type="datetimeFigureOut">
               <a:rPr lang="zh-CN" altLang="en-US" smtClean="0"/>
-              <a:t>2019/12/19</a:t>
+              <a:t>2020/4/7</a:t>
             </a:fld>
             <a:endParaRPr lang="zh-CN" altLang="en-US"/>
           </a:p>
@@ -3004,7 +3441,7 @@
           <a:p>
             <a:fld id="{E396512D-F96B-4538-B91A-F7EB57A489A0}" type="datetimeFigureOut">
               <a:rPr lang="zh-CN" altLang="en-US" smtClean="0"/>
-              <a:t>2019/12/19</a:t>
+              <a:t>2020/4/7</a:t>
             </a:fld>
             <a:endParaRPr lang="zh-CN" altLang="en-US"/>
           </a:p>
@@ -3184,7 +3621,7 @@
           <a:p>
             <a:fld id="{E396512D-F96B-4538-B91A-F7EB57A489A0}" type="datetimeFigureOut">
               <a:rPr lang="zh-CN" altLang="en-US" smtClean="0"/>
-              <a:t>2019/12/19</a:t>
+              <a:t>2020/4/7</a:t>
             </a:fld>
             <a:endParaRPr lang="zh-CN" altLang="en-US"/>
           </a:p>
@@ -3354,7 +3791,7 @@
           <a:p>
             <a:fld id="{E396512D-F96B-4538-B91A-F7EB57A489A0}" type="datetimeFigureOut">
               <a:rPr lang="zh-CN" altLang="en-US" smtClean="0"/>
-              <a:t>2019/12/19</a:t>
+              <a:t>2020/4/7</a:t>
             </a:fld>
             <a:endParaRPr lang="zh-CN" altLang="en-US"/>
           </a:p>
@@ -3601,7 +4038,7 @@
           <a:p>
             <a:fld id="{E396512D-F96B-4538-B91A-F7EB57A489A0}" type="datetimeFigureOut">
               <a:rPr lang="zh-CN" altLang="en-US" smtClean="0"/>
-              <a:t>2019/12/19</a:t>
+              <a:t>2020/4/7</a:t>
             </a:fld>
             <a:endParaRPr lang="zh-CN" altLang="en-US"/>
           </a:p>
@@ -3893,7 +4330,7 @@
           <a:p>
             <a:fld id="{E396512D-F96B-4538-B91A-F7EB57A489A0}" type="datetimeFigureOut">
               <a:rPr lang="zh-CN" altLang="en-US" smtClean="0"/>
-              <a:t>2019/12/19</a:t>
+              <a:t>2020/4/7</a:t>
             </a:fld>
             <a:endParaRPr lang="zh-CN" altLang="en-US"/>
           </a:p>
@@ -4337,7 +4774,7 @@
           <a:p>
             <a:fld id="{E396512D-F96B-4538-B91A-F7EB57A489A0}" type="datetimeFigureOut">
               <a:rPr lang="zh-CN" altLang="en-US" smtClean="0"/>
-              <a:t>2019/12/19</a:t>
+              <a:t>2020/4/7</a:t>
             </a:fld>
             <a:endParaRPr lang="zh-CN" altLang="en-US"/>
           </a:p>
@@ -4455,7 +4892,7 @@
           <a:p>
             <a:fld id="{E396512D-F96B-4538-B91A-F7EB57A489A0}" type="datetimeFigureOut">
               <a:rPr lang="zh-CN" altLang="en-US" smtClean="0"/>
-              <a:t>2019/12/19</a:t>
+              <a:t>2020/4/7</a:t>
             </a:fld>
             <a:endParaRPr lang="zh-CN" altLang="en-US"/>
           </a:p>
@@ -4550,7 +4987,7 @@
           <a:p>
             <a:fld id="{E396512D-F96B-4538-B91A-F7EB57A489A0}" type="datetimeFigureOut">
               <a:rPr lang="zh-CN" altLang="en-US" smtClean="0"/>
-              <a:t>2019/12/19</a:t>
+              <a:t>2020/4/7</a:t>
             </a:fld>
             <a:endParaRPr lang="zh-CN" altLang="en-US"/>
           </a:p>
@@ -4829,7 +5266,7 @@
           <a:p>
             <a:fld id="{E396512D-F96B-4538-B91A-F7EB57A489A0}" type="datetimeFigureOut">
               <a:rPr lang="zh-CN" altLang="en-US" smtClean="0"/>
-              <a:t>2019/12/19</a:t>
+              <a:t>2020/4/7</a:t>
             </a:fld>
             <a:endParaRPr lang="zh-CN" altLang="en-US"/>
           </a:p>
@@ -5104,7 +5541,7 @@
           <a:p>
             <a:fld id="{E396512D-F96B-4538-B91A-F7EB57A489A0}" type="datetimeFigureOut">
               <a:rPr lang="zh-CN" altLang="en-US" smtClean="0"/>
-              <a:t>2019/12/19</a:t>
+              <a:t>2020/4/7</a:t>
             </a:fld>
             <a:endParaRPr lang="zh-CN" altLang="en-US"/>
           </a:p>
@@ -5527,7 +5964,7 @@
           <a:p>
             <a:fld id="{E396512D-F96B-4538-B91A-F7EB57A489A0}" type="datetimeFigureOut">
               <a:rPr lang="zh-CN" altLang="en-US" smtClean="0"/>
-              <a:t>2019/12/19</a:t>
+              <a:t>2020/4/7</a:t>
             </a:fld>
             <a:endParaRPr lang="zh-CN" altLang="en-US"/>
           </a:p>
@@ -7923,12 +8360,23 @@
           <a:p>
             <a:pPr algn="ctr"/>
             <a:r>
-              <a:rPr lang="en-US" altLang="zh-CN" sz="900" dirty="0" smtClean="0">
+              <a:rPr lang="en-US" altLang="zh-CN" sz="900" dirty="0" err="1" smtClean="0">
                 <a:latin typeface="微软雅黑" panose="020B0503020204020204" pitchFamily="34" charset="-122"/>
                 <a:ea typeface="微软雅黑" panose="020B0503020204020204" pitchFamily="34" charset="-122"/>
               </a:rPr>
               <a:t>TLB</a:t>
             </a:r>
+            <a:r>
+              <a:rPr lang="zh-CN" altLang="en-US" sz="900" dirty="0" smtClean="0">
+                <a:latin typeface="微软雅黑" panose="020B0503020204020204" pitchFamily="34" charset="-122"/>
+                <a:ea typeface="微软雅黑" panose="020B0503020204020204" pitchFamily="34" charset="-122"/>
+              </a:rPr>
+              <a:t>：</a:t>
+            </a:r>
+            <a:endParaRPr lang="en-US" altLang="zh-CN" sz="900" dirty="0" smtClean="0">
+              <a:latin typeface="微软雅黑" panose="020B0503020204020204" pitchFamily="34" charset="-122"/>
+              <a:ea typeface="微软雅黑" panose="020B0503020204020204" pitchFamily="34" charset="-122"/>
+            </a:endParaRPr>
           </a:p>
           <a:p>
             <a:pPr algn="ctr"/>
@@ -12524,4 +12972,265 @@
     </a:ext>
   </a:extLst>
 </a:theme>
+</file>
+
+<file path=ppt/theme/theme2.xml><?xml version="1.0" encoding="utf-8"?>
+<a:theme xmlns:a="http://schemas.openxmlformats.org/drawingml/2006/main" name="Office 主题​​">
+  <a:themeElements>
+    <a:clrScheme name="Office">
+      <a:dk1>
+        <a:sysClr val="windowText" lastClr="000000"/>
+      </a:dk1>
+      <a:lt1>
+        <a:sysClr val="window" lastClr="FFFFFF"/>
+      </a:lt1>
+      <a:dk2>
+        <a:srgbClr val="44546A"/>
+      </a:dk2>
+      <a:lt2>
+        <a:srgbClr val="E7E6E6"/>
+      </a:lt2>
+      <a:accent1>
+        <a:srgbClr val="5B9BD5"/>
+      </a:accent1>
+      <a:accent2>
+        <a:srgbClr val="ED7D31"/>
+      </a:accent2>
+      <a:accent3>
+        <a:srgbClr val="A5A5A5"/>
+      </a:accent3>
+      <a:accent4>
+        <a:srgbClr val="FFC000"/>
+      </a:accent4>
+      <a:accent5>
+        <a:srgbClr val="4472C4"/>
+      </a:accent5>
+      <a:accent6>
+        <a:srgbClr val="70AD47"/>
+      </a:accent6>
+      <a:hlink>
+        <a:srgbClr val="0563C1"/>
+      </a:hlink>
+      <a:folHlink>
+        <a:srgbClr val="954F72"/>
+      </a:folHlink>
+    </a:clrScheme>
+    <a:fontScheme name="Office">
+      <a:majorFont>
+        <a:latin typeface="等线 Light" panose="020F0302020204030204"/>
+        <a:ea typeface=""/>
+        <a:cs typeface=""/>
+        <a:font script="Jpan" typeface="游ゴシック Light"/>
+        <a:font script="Hang" typeface="맑은 고딕"/>
+        <a:font script="Hans" typeface="等线 Light"/>
+        <a:font script="Hant" typeface="新細明體"/>
+        <a:font script="Arab" typeface="Times New Roman"/>
+        <a:font script="Hebr" typeface="Times New Roman"/>
+        <a:font script="Thai" typeface="Angsana New"/>
+        <a:font script="Ethi" typeface="Nyala"/>
+        <a:font script="Beng" typeface="Vrinda"/>
+        <a:font script="Gujr" typeface="Shruti"/>
+        <a:font script="Khmr" typeface="MoolBoran"/>
+        <a:font script="Knda" typeface="Tunga"/>
+        <a:font script="Guru" typeface="Raavi"/>
+        <a:font script="Cans" typeface="Euphemia"/>
+        <a:font script="Cher" typeface="Plantagenet Cherokee"/>
+        <a:font script="Yiii" typeface="Microsoft Yi Baiti"/>
+        <a:font script="Tibt" typeface="Microsoft Himalaya"/>
+        <a:font script="Thaa" typeface="MV Boli"/>
+        <a:font script="Deva" typeface="Mangal"/>
+        <a:font script="Telu" typeface="Gautami"/>
+        <a:font script="Taml" typeface="Latha"/>
+        <a:font script="Syrc" typeface="Estrangelo Edessa"/>
+        <a:font script="Orya" typeface="Kalinga"/>
+        <a:font script="Mlym" typeface="Kartika"/>
+        <a:font script="Laoo" typeface="DokChampa"/>
+        <a:font script="Sinh" typeface="Iskoola Pota"/>
+        <a:font script="Mong" typeface="Mongolian Baiti"/>
+        <a:font script="Viet" typeface="Times New Roman"/>
+        <a:font script="Uigh" typeface="Microsoft Uighur"/>
+        <a:font script="Geor" typeface="Sylfaen"/>
+      </a:majorFont>
+      <a:minorFont>
+        <a:latin typeface="等线" panose="020F0502020204030204"/>
+        <a:ea typeface=""/>
+        <a:cs typeface=""/>
+        <a:font script="Jpan" typeface="游ゴシック"/>
+        <a:font script="Hang" typeface="맑은 고딕"/>
+        <a:font script="Hans" typeface="等线"/>
+        <a:font script="Hant" typeface="新細明體"/>
+        <a:font script="Arab" typeface="Arial"/>
+        <a:font script="Hebr" typeface="Arial"/>
+        <a:font script="Thai" typeface="Cordia New"/>
+        <a:font script="Ethi" typeface="Nyala"/>
+        <a:font script="Beng" typeface="Vrinda"/>
+        <a:font script="Gujr" typeface="Shruti"/>
+        <a:font script="Khmr" typeface="DaunPenh"/>
+        <a:font script="Knda" typeface="Tunga"/>
+        <a:font script="Guru" typeface="Raavi"/>
+        <a:font script="Cans" typeface="Euphemia"/>
+        <a:font script="Cher" typeface="Plantagenet Cherokee"/>
+        <a:font script="Yiii" typeface="Microsoft Yi Baiti"/>
+        <a:font script="Tibt" typeface="Microsoft Himalaya"/>
+        <a:font script="Thaa" typeface="MV Boli"/>
+        <a:font script="Deva" typeface="Mangal"/>
+        <a:font script="Telu" typeface="Gautami"/>
+        <a:font script="Taml" typeface="Latha"/>
+        <a:font script="Syrc" typeface="Estrangelo Edessa"/>
+        <a:font script="Orya" typeface="Kalinga"/>
+        <a:font script="Mlym" typeface="Kartika"/>
+        <a:font script="Laoo" typeface="DokChampa"/>
+        <a:font script="Sinh" typeface="Iskoola Pota"/>
+        <a:font script="Mong" typeface="Mongolian Baiti"/>
+        <a:font script="Viet" typeface="Arial"/>
+        <a:font script="Uigh" typeface="Microsoft Uighur"/>
+        <a:font script="Geor" typeface="Sylfaen"/>
+      </a:minorFont>
+    </a:fontScheme>
+    <a:fmtScheme name="Office">
+      <a:fillStyleLst>
+        <a:solidFill>
+          <a:schemeClr val="phClr"/>
+        </a:solidFill>
+        <a:gradFill rotWithShape="1">
+          <a:gsLst>
+            <a:gs pos="0">
+              <a:schemeClr val="phClr">
+                <a:lumMod val="110000"/>
+                <a:satMod val="105000"/>
+                <a:tint val="67000"/>
+              </a:schemeClr>
+            </a:gs>
+            <a:gs pos="50000">
+              <a:schemeClr val="phClr">
+                <a:lumMod val="105000"/>
+                <a:satMod val="103000"/>
+                <a:tint val="73000"/>
+              </a:schemeClr>
+            </a:gs>
+            <a:gs pos="100000">
+              <a:schemeClr val="phClr">
+                <a:lumMod val="105000"/>
+                <a:satMod val="109000"/>
+                <a:tint val="81000"/>
+              </a:schemeClr>
+            </a:gs>
+          </a:gsLst>
+          <a:lin ang="5400000" scaled="0"/>
+        </a:gradFill>
+        <a:gradFill rotWithShape="1">
+          <a:gsLst>
+            <a:gs pos="0">
+              <a:schemeClr val="phClr">
+                <a:satMod val="103000"/>
+                <a:lumMod val="102000"/>
+                <a:tint val="94000"/>
+              </a:schemeClr>
+            </a:gs>
+            <a:gs pos="50000">
+              <a:schemeClr val="phClr">
+                <a:satMod val="110000"/>
+                <a:lumMod val="100000"/>
+                <a:shade val="100000"/>
+              </a:schemeClr>
+            </a:gs>
+            <a:gs pos="100000">
+              <a:schemeClr val="phClr">
+                <a:lumMod val="99000"/>
+                <a:satMod val="120000"/>
+                <a:shade val="78000"/>
+              </a:schemeClr>
+            </a:gs>
+          </a:gsLst>
+          <a:lin ang="5400000" scaled="0"/>
+        </a:gradFill>
+      </a:fillStyleLst>
+      <a:lnStyleLst>
+        <a:ln w="6350" cap="flat" cmpd="sng" algn="ctr">
+          <a:solidFill>
+            <a:schemeClr val="phClr"/>
+          </a:solidFill>
+          <a:prstDash val="solid"/>
+          <a:miter lim="800000"/>
+        </a:ln>
+        <a:ln w="12700" cap="flat" cmpd="sng" algn="ctr">
+          <a:solidFill>
+            <a:schemeClr val="phClr"/>
+          </a:solidFill>
+          <a:prstDash val="solid"/>
+          <a:miter lim="800000"/>
+        </a:ln>
+        <a:ln w="19050" cap="flat" cmpd="sng" algn="ctr">
+          <a:solidFill>
+            <a:schemeClr val="phClr"/>
+          </a:solidFill>
+          <a:prstDash val="solid"/>
+          <a:miter lim="800000"/>
+        </a:ln>
+      </a:lnStyleLst>
+      <a:effectStyleLst>
+        <a:effectStyle>
+          <a:effectLst/>
+        </a:effectStyle>
+        <a:effectStyle>
+          <a:effectLst/>
+        </a:effectStyle>
+        <a:effectStyle>
+          <a:effectLst>
+            <a:outerShdw blurRad="57150" dist="19050" dir="5400000" algn="ctr" rotWithShape="0">
+              <a:srgbClr val="000000">
+                <a:alpha val="63000"/>
+              </a:srgbClr>
+            </a:outerShdw>
+          </a:effectLst>
+        </a:effectStyle>
+      </a:effectStyleLst>
+      <a:bgFillStyleLst>
+        <a:solidFill>
+          <a:schemeClr val="phClr"/>
+        </a:solidFill>
+        <a:solidFill>
+          <a:schemeClr val="phClr">
+            <a:tint val="95000"/>
+            <a:satMod val="170000"/>
+          </a:schemeClr>
+        </a:solidFill>
+        <a:gradFill rotWithShape="1">
+          <a:gsLst>
+            <a:gs pos="0">
+              <a:schemeClr val="phClr">
+                <a:tint val="93000"/>
+                <a:satMod val="150000"/>
+                <a:shade val="98000"/>
+                <a:lumMod val="102000"/>
+              </a:schemeClr>
+            </a:gs>
+            <a:gs pos="50000">
+              <a:schemeClr val="phClr">
+                <a:tint val="98000"/>
+                <a:satMod val="130000"/>
+                <a:shade val="90000"/>
+                <a:lumMod val="103000"/>
+              </a:schemeClr>
+            </a:gs>
+            <a:gs pos="100000">
+              <a:schemeClr val="phClr">
+                <a:shade val="63000"/>
+                <a:satMod val="120000"/>
+              </a:schemeClr>
+            </a:gs>
+          </a:gsLst>
+          <a:lin ang="5400000" scaled="0"/>
+        </a:gradFill>
+      </a:bgFillStyleLst>
+    </a:fmtScheme>
+  </a:themeElements>
+  <a:objectDefaults/>
+  <a:extraClrSchemeLst/>
+  <a:extLst>
+    <a:ext uri="{05A4C25C-085E-4340-85A3-A5531E510DB2}">
+      <thm15:themeFamily xmlns:thm15="http://schemas.microsoft.com/office/thememl/2012/main" name="Office Theme" id="{62F939B6-93AF-4DB8-9C6B-D6C7DFDC589F}" vid="{4A3C46E8-61CC-4603-A589-7422A47A8E4A}"/>
+    </a:ext>
+  </a:extLst>
+</a:theme>
 </file>
--- a/Linux性能优化实战/02-内存性能优化.pptx
+++ b/Linux性能优化实战/02-内存性能优化.pptx
@@ -5,16 +5,18 @@
     <p:sldMasterId id="2147483714" r:id="rId1"/>
   </p:sldMasterIdLst>
   <p:notesMasterIdLst>
-    <p:notesMasterId r:id="rId6"/>
+    <p:notesMasterId r:id="rId7"/>
   </p:notesMasterIdLst>
   <p:sldIdLst>
     <p:sldId id="256" r:id="rId2"/>
     <p:sldId id="257" r:id="rId3"/>
     <p:sldId id="258" r:id="rId4"/>
     <p:sldId id="259" r:id="rId5"/>
+    <p:sldId id="260" r:id="rId6"/>
   </p:sldIdLst>
   <p:sldSz cx="12192000" cy="6858000"/>
   <p:notesSz cx="6858000" cy="9144000"/>
+  <p:kinsoku lang="zh-CN" invalStChars="!),.:;?]}、。—ˇ¨〃々～‖…’”〕〉》」』〗】∶！＂＇），．：；？］｀｜｝·" invalEndChars="([{‘“〔〈《「『〖【（［｛．·"/>
   <p:defaultTextStyle>
     <a:defPPr>
       <a:defRPr lang="en-US"/>
@@ -200,7 +202,7 @@
           <a:p>
             <a:fld id="{479E5BE0-79B2-411D-9760-C09A0752EA6D}" type="datetimeFigureOut">
               <a:rPr lang="zh-CN" altLang="en-US" smtClean="0"/>
-              <a:t>2020/4/7</a:t>
+              <a:t>2020/4/16</a:t>
             </a:fld>
             <a:endParaRPr lang="zh-CN" altLang="en-US"/>
           </a:p>
@@ -552,6 +554,90 @@
 </p:notes>
 </file>
 
+<file path=ppt/notesSlides/notesSlide2.xml><?xml version="1.0" encoding="utf-8"?>
+<p:notes xmlns:a="http://schemas.openxmlformats.org/drawingml/2006/main" xmlns:r="http://schemas.openxmlformats.org/officeDocument/2006/relationships" xmlns:p="http://schemas.openxmlformats.org/presentationml/2006/main">
+  <p:cSld>
+    <p:spTree>
+      <p:nvGrpSpPr>
+        <p:cNvPr id="1" name=""/>
+        <p:cNvGrpSpPr/>
+        <p:nvPr/>
+      </p:nvGrpSpPr>
+      <p:grpSpPr>
+        <a:xfrm>
+          <a:off x="0" y="0"/>
+          <a:ext cx="0" cy="0"/>
+          <a:chOff x="0" y="0"/>
+          <a:chExt cx="0" cy="0"/>
+        </a:xfrm>
+      </p:grpSpPr>
+      <p:sp>
+        <p:nvSpPr>
+          <p:cNvPr id="2" name="幻灯片图像占位符 1"/>
+          <p:cNvSpPr>
+            <a:spLocks noGrp="1" noRot="1" noChangeAspect="1"/>
+          </p:cNvSpPr>
+          <p:nvPr>
+            <p:ph type="sldImg"/>
+          </p:nvPr>
+        </p:nvSpPr>
+        <p:spPr/>
+      </p:sp>
+      <p:sp>
+        <p:nvSpPr>
+          <p:cNvPr id="3" name="备注占位符 2"/>
+          <p:cNvSpPr>
+            <a:spLocks noGrp="1"/>
+          </p:cNvSpPr>
+          <p:nvPr>
+            <p:ph type="body" idx="1"/>
+          </p:nvPr>
+        </p:nvSpPr>
+        <p:spPr/>
+        <p:txBody>
+          <a:bodyPr/>
+          <a:lstStyle/>
+          <a:p>
+            <a:endParaRPr lang="zh-CN" altLang="en-US" dirty="0"/>
+          </a:p>
+        </p:txBody>
+      </p:sp>
+      <p:sp>
+        <p:nvSpPr>
+          <p:cNvPr id="4" name="灯片编号占位符 3"/>
+          <p:cNvSpPr>
+            <a:spLocks noGrp="1"/>
+          </p:cNvSpPr>
+          <p:nvPr>
+            <p:ph type="sldNum" sz="quarter" idx="10"/>
+          </p:nvPr>
+        </p:nvSpPr>
+        <p:spPr/>
+        <p:txBody>
+          <a:bodyPr/>
+          <a:lstStyle/>
+          <a:p>
+            <a:fld id="{9F6454A4-5D46-4300-B5E3-C4B2A45A1E3A}" type="slidenum">
+              <a:rPr lang="zh-CN" altLang="en-US" smtClean="0"/>
+              <a:t>5</a:t>
+            </a:fld>
+            <a:endParaRPr lang="zh-CN" altLang="en-US"/>
+          </a:p>
+        </p:txBody>
+      </p:sp>
+    </p:spTree>
+    <p:extLst>
+      <p:ext uri="{BB962C8B-B14F-4D97-AF65-F5344CB8AC3E}">
+        <p14:creationId xmlns:p14="http://schemas.microsoft.com/office/powerpoint/2010/main" val="1011055300"/>
+      </p:ext>
+    </p:extLst>
+  </p:cSld>
+  <p:clrMapOvr>
+    <a:masterClrMapping/>
+  </p:clrMapOvr>
+</p:notes>
+</file>
+
 <file path=ppt/slideLayouts/slideLayout1.xml><?xml version="1.0" encoding="utf-8"?>
 <p:sldLayout xmlns:a="http://schemas.openxmlformats.org/drawingml/2006/main" xmlns:r="http://schemas.openxmlformats.org/officeDocument/2006/relationships" xmlns:p="http://schemas.openxmlformats.org/presentationml/2006/main" type="title" preserve="1">
   <p:cSld name="标题幻灯片">
@@ -738,7 +824,7 @@
           <a:p>
             <a:fld id="{E396512D-F96B-4538-B91A-F7EB57A489A0}" type="datetimeFigureOut">
               <a:rPr lang="zh-CN" altLang="en-US" smtClean="0"/>
-              <a:t>2020/4/7</a:t>
+              <a:t>2020/4/16</a:t>
             </a:fld>
             <a:endParaRPr lang="zh-CN" altLang="en-US"/>
           </a:p>
@@ -1013,7 +1099,7 @@
           <a:p>
             <a:fld id="{E396512D-F96B-4538-B91A-F7EB57A489A0}" type="datetimeFigureOut">
               <a:rPr lang="zh-CN" altLang="en-US" smtClean="0"/>
-              <a:t>2020/4/7</a:t>
+              <a:t>2020/4/16</a:t>
             </a:fld>
             <a:endParaRPr lang="zh-CN" altLang="en-US"/>
           </a:p>
@@ -1207,7 +1293,7 @@
           <a:p>
             <a:fld id="{E396512D-F96B-4538-B91A-F7EB57A489A0}" type="datetimeFigureOut">
               <a:rPr lang="zh-CN" altLang="en-US" smtClean="0"/>
-              <a:t>2020/4/7</a:t>
+              <a:t>2020/4/16</a:t>
             </a:fld>
             <a:endParaRPr lang="zh-CN" altLang="en-US"/>
           </a:p>
@@ -1478,7 +1564,7 @@
           <a:p>
             <a:fld id="{E396512D-F96B-4538-B91A-F7EB57A489A0}" type="datetimeFigureOut">
               <a:rPr lang="zh-CN" altLang="en-US" smtClean="0"/>
-              <a:t>2020/4/7</a:t>
+              <a:t>2020/4/16</a:t>
             </a:fld>
             <a:endParaRPr lang="zh-CN" altLang="en-US"/>
           </a:p>
@@ -1805,7 +1891,7 @@
           <a:p>
             <a:fld id="{E396512D-F96B-4538-B91A-F7EB57A489A0}" type="datetimeFigureOut">
               <a:rPr lang="zh-CN" altLang="en-US" smtClean="0"/>
-              <a:t>2020/4/7</a:t>
+              <a:t>2020/4/16</a:t>
             </a:fld>
             <a:endParaRPr lang="zh-CN" altLang="en-US"/>
           </a:p>
@@ -2424,7 +2510,7 @@
           <a:p>
             <a:fld id="{E396512D-F96B-4538-B91A-F7EB57A489A0}" type="datetimeFigureOut">
               <a:rPr lang="zh-CN" altLang="en-US" smtClean="0"/>
-              <a:t>2020/4/7</a:t>
+              <a:t>2020/4/16</a:t>
             </a:fld>
             <a:endParaRPr lang="zh-CN" altLang="en-US"/>
           </a:p>
@@ -3271,7 +3357,7 @@
           <a:p>
             <a:fld id="{E396512D-F96B-4538-B91A-F7EB57A489A0}" type="datetimeFigureOut">
               <a:rPr lang="zh-CN" altLang="en-US" smtClean="0"/>
-              <a:t>2020/4/7</a:t>
+              <a:t>2020/4/16</a:t>
             </a:fld>
             <a:endParaRPr lang="zh-CN" altLang="en-US"/>
           </a:p>
@@ -3441,7 +3527,7 @@
           <a:p>
             <a:fld id="{E396512D-F96B-4538-B91A-F7EB57A489A0}" type="datetimeFigureOut">
               <a:rPr lang="zh-CN" altLang="en-US" smtClean="0"/>
-              <a:t>2020/4/7</a:t>
+              <a:t>2020/4/16</a:t>
             </a:fld>
             <a:endParaRPr lang="zh-CN" altLang="en-US"/>
           </a:p>
@@ -3621,7 +3707,7 @@
           <a:p>
             <a:fld id="{E396512D-F96B-4538-B91A-F7EB57A489A0}" type="datetimeFigureOut">
               <a:rPr lang="zh-CN" altLang="en-US" smtClean="0"/>
-              <a:t>2020/4/7</a:t>
+              <a:t>2020/4/16</a:t>
             </a:fld>
             <a:endParaRPr lang="zh-CN" altLang="en-US"/>
           </a:p>
@@ -3791,7 +3877,7 @@
           <a:p>
             <a:fld id="{E396512D-F96B-4538-B91A-F7EB57A489A0}" type="datetimeFigureOut">
               <a:rPr lang="zh-CN" altLang="en-US" smtClean="0"/>
-              <a:t>2020/4/7</a:t>
+              <a:t>2020/4/16</a:t>
             </a:fld>
             <a:endParaRPr lang="zh-CN" altLang="en-US"/>
           </a:p>
@@ -4038,7 +4124,7 @@
           <a:p>
             <a:fld id="{E396512D-F96B-4538-B91A-F7EB57A489A0}" type="datetimeFigureOut">
               <a:rPr lang="zh-CN" altLang="en-US" smtClean="0"/>
-              <a:t>2020/4/7</a:t>
+              <a:t>2020/4/16</a:t>
             </a:fld>
             <a:endParaRPr lang="zh-CN" altLang="en-US"/>
           </a:p>
@@ -4330,7 +4416,7 @@
           <a:p>
             <a:fld id="{E396512D-F96B-4538-B91A-F7EB57A489A0}" type="datetimeFigureOut">
               <a:rPr lang="zh-CN" altLang="en-US" smtClean="0"/>
-              <a:t>2020/4/7</a:t>
+              <a:t>2020/4/16</a:t>
             </a:fld>
             <a:endParaRPr lang="zh-CN" altLang="en-US"/>
           </a:p>
@@ -4774,7 +4860,7 @@
           <a:p>
             <a:fld id="{E396512D-F96B-4538-B91A-F7EB57A489A0}" type="datetimeFigureOut">
               <a:rPr lang="zh-CN" altLang="en-US" smtClean="0"/>
-              <a:t>2020/4/7</a:t>
+              <a:t>2020/4/16</a:t>
             </a:fld>
             <a:endParaRPr lang="zh-CN" altLang="en-US"/>
           </a:p>
@@ -4892,7 +4978,7 @@
           <a:p>
             <a:fld id="{E396512D-F96B-4538-B91A-F7EB57A489A0}" type="datetimeFigureOut">
               <a:rPr lang="zh-CN" altLang="en-US" smtClean="0"/>
-              <a:t>2020/4/7</a:t>
+              <a:t>2020/4/16</a:t>
             </a:fld>
             <a:endParaRPr lang="zh-CN" altLang="en-US"/>
           </a:p>
@@ -4987,7 +5073,7 @@
           <a:p>
             <a:fld id="{E396512D-F96B-4538-B91A-F7EB57A489A0}" type="datetimeFigureOut">
               <a:rPr lang="zh-CN" altLang="en-US" smtClean="0"/>
-              <a:t>2020/4/7</a:t>
+              <a:t>2020/4/16</a:t>
             </a:fld>
             <a:endParaRPr lang="zh-CN" altLang="en-US"/>
           </a:p>
@@ -5266,7 +5352,7 @@
           <a:p>
             <a:fld id="{E396512D-F96B-4538-B91A-F7EB57A489A0}" type="datetimeFigureOut">
               <a:rPr lang="zh-CN" altLang="en-US" smtClean="0"/>
-              <a:t>2020/4/7</a:t>
+              <a:t>2020/4/16</a:t>
             </a:fld>
             <a:endParaRPr lang="zh-CN" altLang="en-US"/>
           </a:p>
@@ -5541,7 +5627,7 @@
           <a:p>
             <a:fld id="{E396512D-F96B-4538-B91A-F7EB57A489A0}" type="datetimeFigureOut">
               <a:rPr lang="zh-CN" altLang="en-US" smtClean="0"/>
-              <a:t>2020/4/7</a:t>
+              <a:t>2020/4/16</a:t>
             </a:fld>
             <a:endParaRPr lang="zh-CN" altLang="en-US"/>
           </a:p>
@@ -5964,7 +6050,7 @@
           <a:p>
             <a:fld id="{E396512D-F96B-4538-B91A-F7EB57A489A0}" type="datetimeFigureOut">
               <a:rPr lang="zh-CN" altLang="en-US" smtClean="0"/>
-              <a:t>2020/4/7</a:t>
+              <a:t>2020/4/16</a:t>
             </a:fld>
             <a:endParaRPr lang="zh-CN" altLang="en-US"/>
           </a:p>
@@ -11780,28 +11866,28 @@
           <a:lstStyle/>
           <a:p>
             <a:r>
-              <a:rPr lang="en-US" altLang="zh-CN" sz="1000" dirty="0">
+              <a:rPr lang="en-US" altLang="zh-CN" sz="1000" dirty="0" smtClean="0">
                 <a:latin typeface="黑体" panose="02010609060101010101" pitchFamily="49" charset="-122"/>
                 <a:ea typeface="黑体" panose="02010609060101010101" pitchFamily="49" charset="-122"/>
               </a:rPr>
               <a:t># </a:t>
             </a:r>
             <a:r>
-              <a:rPr lang="zh-CN" altLang="en-US" sz="1000" dirty="0">
+              <a:rPr lang="zh-CN" altLang="en-US" sz="1000" dirty="0" smtClean="0">
                 <a:latin typeface="黑体" panose="02010609060101010101" pitchFamily="49" charset="-122"/>
                 <a:ea typeface="黑体" panose="02010609060101010101" pitchFamily="49" charset="-122"/>
               </a:rPr>
               <a:t>按下</a:t>
             </a:r>
             <a:r>
-              <a:rPr lang="en-US" altLang="zh-CN" sz="1000" dirty="0">
+              <a:rPr lang="en-US" altLang="zh-CN" sz="1000" dirty="0" smtClean="0">
                 <a:latin typeface="黑体" panose="02010609060101010101" pitchFamily="49" charset="-122"/>
                 <a:ea typeface="黑体" panose="02010609060101010101" pitchFamily="49" charset="-122"/>
               </a:rPr>
               <a:t>M</a:t>
             </a:r>
             <a:r>
-              <a:rPr lang="zh-CN" altLang="en-US" sz="1000" dirty="0">
+              <a:rPr lang="zh-CN" altLang="en-US" sz="1000" dirty="0" smtClean="0">
                 <a:latin typeface="黑体" panose="02010609060101010101" pitchFamily="49" charset="-122"/>
                 <a:ea typeface="黑体" panose="02010609060101010101" pitchFamily="49" charset="-122"/>
               </a:rPr>
@@ -11810,7 +11896,7 @@
           </a:p>
           <a:p>
             <a:r>
-              <a:rPr lang="en-US" altLang="zh-CN" sz="1000" dirty="0">
+              <a:rPr lang="en-US" altLang="zh-CN" sz="1000" dirty="0" smtClean="0">
                 <a:latin typeface="黑体" panose="02010609060101010101" pitchFamily="49" charset="-122"/>
                 <a:ea typeface="黑体" panose="02010609060101010101" pitchFamily="49" charset="-122"/>
               </a:rPr>
@@ -11819,7 +11905,7 @@
           </a:p>
           <a:p>
             <a:r>
-              <a:rPr lang="en-US" altLang="zh-CN" sz="1000" dirty="0">
+              <a:rPr lang="en-US" altLang="zh-CN" sz="1000" dirty="0" smtClean="0">
                 <a:latin typeface="黑体" panose="02010609060101010101" pitchFamily="49" charset="-122"/>
                 <a:ea typeface="黑体" panose="02010609060101010101" pitchFamily="49" charset="-122"/>
               </a:rPr>
@@ -11828,7 +11914,7 @@
           </a:p>
           <a:p>
             <a:r>
-              <a:rPr lang="en-US" altLang="zh-CN" sz="1000" dirty="0">
+              <a:rPr lang="en-US" altLang="zh-CN" sz="1000" dirty="0" smtClean="0">
                 <a:latin typeface="黑体" panose="02010609060101010101" pitchFamily="49" charset="-122"/>
                 <a:ea typeface="黑体" panose="02010609060101010101" pitchFamily="49" charset="-122"/>
               </a:rPr>
@@ -11837,7 +11923,7 @@
           </a:p>
           <a:p>
             <a:r>
-              <a:rPr lang="en-US" altLang="zh-CN" sz="1000" dirty="0">
+              <a:rPr lang="en-US" altLang="zh-CN" sz="1000" dirty="0" smtClean="0">
                 <a:latin typeface="黑体" panose="02010609060101010101" pitchFamily="49" charset="-122"/>
                 <a:ea typeface="黑体" panose="02010609060101010101" pitchFamily="49" charset="-122"/>
               </a:rPr>
@@ -11845,44 +11931,88 @@
             </a:r>
           </a:p>
           <a:p>
-            <a:endParaRPr lang="en-US" altLang="zh-CN" sz="1000" dirty="0">
+            <a:endParaRPr lang="en-US" altLang="zh-CN" sz="1000" dirty="0" smtClean="0">
               <a:latin typeface="黑体" panose="02010609060101010101" pitchFamily="49" charset="-122"/>
               <a:ea typeface="黑体" panose="02010609060101010101" pitchFamily="49" charset="-122"/>
             </a:endParaRPr>
           </a:p>
           <a:p>
-            <a:endParaRPr lang="en-US" altLang="zh-CN" sz="1000" dirty="0">
+            <a:endParaRPr lang="en-US" altLang="zh-CN" sz="1000" dirty="0" smtClean="0">
               <a:latin typeface="黑体" panose="02010609060101010101" pitchFamily="49" charset="-122"/>
               <a:ea typeface="黑体" panose="02010609060101010101" pitchFamily="49" charset="-122"/>
             </a:endParaRPr>
           </a:p>
           <a:p>
             <a:r>
-              <a:rPr lang="en-US" altLang="zh-CN" sz="1000" dirty="0">
-                <a:latin typeface="黑体" panose="02010609060101010101" pitchFamily="49" charset="-122"/>
-                <a:ea typeface="黑体" panose="02010609060101010101" pitchFamily="49" charset="-122"/>
-              </a:rPr>
-              <a:t>  PID USER      PR  NI    </a:t>
-            </a:r>
-            <a:r>
-              <a:rPr lang="en-US" altLang="zh-CN" sz="1000" dirty="0">
+              <a:rPr lang="en-US" altLang="zh-CN" sz="1000" dirty="0" smtClean="0">
+                <a:latin typeface="黑体" panose="02010609060101010101" pitchFamily="49" charset="-122"/>
+                <a:ea typeface="黑体" panose="02010609060101010101" pitchFamily="49" charset="-122"/>
+              </a:rPr>
+              <a:t>  </a:t>
+            </a:r>
+            <a:r>
+              <a:rPr lang="en-US" altLang="zh-CN" sz="1000" dirty="0" err="1" smtClean="0">
+                <a:latin typeface="黑体" panose="02010609060101010101" pitchFamily="49" charset="-122"/>
+                <a:ea typeface="黑体" panose="02010609060101010101" pitchFamily="49" charset="-122"/>
+              </a:rPr>
+              <a:t>PID</a:t>
+            </a:r>
+            <a:r>
+              <a:rPr lang="en-US" altLang="zh-CN" sz="1000" dirty="0" smtClean="0">
+                <a:latin typeface="黑体" panose="02010609060101010101" pitchFamily="49" charset="-122"/>
+                <a:ea typeface="黑体" panose="02010609060101010101" pitchFamily="49" charset="-122"/>
+              </a:rPr>
+              <a:t> USER      PR  NI    </a:t>
+            </a:r>
+            <a:r>
+              <a:rPr lang="en-US" altLang="zh-CN" sz="1000" dirty="0" err="1" smtClean="0">
                 <a:solidFill>
                   <a:schemeClr val="accent2"/>
                 </a:solidFill>
                 <a:latin typeface="黑体" panose="02010609060101010101" pitchFamily="49" charset="-122"/>
                 <a:ea typeface="黑体" panose="02010609060101010101" pitchFamily="49" charset="-122"/>
               </a:rPr>
-              <a:t>VIRT    RES    SHR </a:t>
-            </a:r>
-            <a:r>
-              <a:rPr lang="en-US" altLang="zh-CN" sz="1000" dirty="0">
+              <a:t>VIRT</a:t>
+            </a:r>
+            <a:r>
+              <a:rPr lang="en-US" altLang="zh-CN" sz="1000" dirty="0" smtClean="0">
+                <a:solidFill>
+                  <a:schemeClr val="accent2"/>
+                </a:solidFill>
+                <a:latin typeface="黑体" panose="02010609060101010101" pitchFamily="49" charset="-122"/>
+                <a:ea typeface="黑体" panose="02010609060101010101" pitchFamily="49" charset="-122"/>
+              </a:rPr>
+              <a:t>    RES    </a:t>
+            </a:r>
+            <a:r>
+              <a:rPr lang="en-US" altLang="zh-CN" sz="1000" dirty="0" err="1" smtClean="0">
+                <a:solidFill>
+                  <a:schemeClr val="accent2"/>
+                </a:solidFill>
+                <a:latin typeface="黑体" panose="02010609060101010101" pitchFamily="49" charset="-122"/>
+                <a:ea typeface="黑体" panose="02010609060101010101" pitchFamily="49" charset="-122"/>
+              </a:rPr>
+              <a:t>SHR</a:t>
+            </a:r>
+            <a:r>
+              <a:rPr lang="en-US" altLang="zh-CN" sz="1000" dirty="0" smtClean="0">
+                <a:solidFill>
+                  <a:schemeClr val="accent2"/>
+                </a:solidFill>
+                <a:latin typeface="黑体" panose="02010609060101010101" pitchFamily="49" charset="-122"/>
+                <a:ea typeface="黑体" panose="02010609060101010101" pitchFamily="49" charset="-122"/>
+              </a:rPr>
+              <a:t> </a:t>
+            </a:r>
+            <a:r>
+              <a:rPr lang="en-US" altLang="zh-CN" sz="1000" dirty="0" smtClean="0">
                 <a:latin typeface="黑体" panose="02010609060101010101" pitchFamily="49" charset="-122"/>
                 <a:ea typeface="黑体" panose="02010609060101010101" pitchFamily="49" charset="-122"/>
               </a:rPr>
               <a:t>S  %CPU </a:t>
             </a:r>
             <a:r>
-              <a:rPr lang="en-US" altLang="zh-CN" sz="1000" dirty="0">
+              <a:rPr lang="en-US" altLang="zh-CN" sz="1000" dirty="0" smtClean="0">
                 <a:solidFill>
                   <a:schemeClr val="accent2"/>
                 </a:solidFill>
@@ -11892,7 +12022,7 @@
               <a:t>%MEM</a:t>
             </a:r>
             <a:r>
-              <a:rPr lang="en-US" altLang="zh-CN" sz="1000" dirty="0">
+              <a:rPr lang="en-US" altLang="zh-CN" sz="1000" dirty="0" smtClean="0">
                 <a:latin typeface="黑体" panose="02010609060101010101" pitchFamily="49" charset="-122"/>
                 <a:ea typeface="黑体" panose="02010609060101010101" pitchFamily="49" charset="-122"/>
               </a:rPr>
@@ -11901,21 +12031,21 @@
           </a:p>
           <a:p>
             <a:r>
-              <a:rPr lang="en-US" altLang="zh-CN" sz="1000" dirty="0">
+              <a:rPr lang="en-US" altLang="zh-CN" sz="1000" dirty="0" smtClean="0">
                 <a:latin typeface="黑体" panose="02010609060101010101" pitchFamily="49" charset="-122"/>
                 <a:ea typeface="黑体" panose="02010609060101010101" pitchFamily="49" charset="-122"/>
               </a:rPr>
               <a:t>  430 root      19  -1  122360  35588  23748 S   0.0  0.4   0:32.17 </a:t>
             </a:r>
             <a:r>
-              <a:rPr lang="en-US" altLang="zh-CN" sz="1000" dirty="0" err="1">
+              <a:rPr lang="en-US" altLang="zh-CN" sz="1000" dirty="0" err="1" smtClean="0">
                 <a:latin typeface="黑体" panose="02010609060101010101" pitchFamily="49" charset="-122"/>
                 <a:ea typeface="黑体" panose="02010609060101010101" pitchFamily="49" charset="-122"/>
               </a:rPr>
               <a:t>systemd</a:t>
             </a:r>
             <a:r>
-              <a:rPr lang="en-US" altLang="zh-CN" sz="1000" dirty="0">
+              <a:rPr lang="en-US" altLang="zh-CN" sz="1000" dirty="0" smtClean="0">
                 <a:latin typeface="黑体" panose="02010609060101010101" pitchFamily="49" charset="-122"/>
                 <a:ea typeface="黑体" panose="02010609060101010101" pitchFamily="49" charset="-122"/>
               </a:rPr>
@@ -11924,107 +12054,107 @@
           </a:p>
           <a:p>
             <a:r>
-              <a:rPr lang="en-US" altLang="zh-CN" sz="1000" dirty="0">
+              <a:rPr lang="en-US" altLang="zh-CN" sz="1000" dirty="0" smtClean="0">
                 <a:latin typeface="黑体" panose="02010609060101010101" pitchFamily="49" charset="-122"/>
                 <a:ea typeface="黑体" panose="02010609060101010101" pitchFamily="49" charset="-122"/>
               </a:rPr>
               <a:t> 1075 root      20   0  771860  22744  11368 S   0.0  0.3   0:38.89 </a:t>
             </a:r>
             <a:r>
-              <a:rPr lang="en-US" altLang="zh-CN" sz="1000" dirty="0" err="1">
+              <a:rPr lang="en-US" altLang="zh-CN" sz="1000" dirty="0" err="1" smtClean="0">
                 <a:latin typeface="黑体" panose="02010609060101010101" pitchFamily="49" charset="-122"/>
                 <a:ea typeface="黑体" panose="02010609060101010101" pitchFamily="49" charset="-122"/>
               </a:rPr>
               <a:t>snapd</a:t>
             </a:r>
-            <a:endParaRPr lang="en-US" altLang="zh-CN" sz="1000" dirty="0">
+            <a:endParaRPr lang="en-US" altLang="zh-CN" sz="1000" dirty="0" smtClean="0">
               <a:latin typeface="黑体" panose="02010609060101010101" pitchFamily="49" charset="-122"/>
               <a:ea typeface="黑体" panose="02010609060101010101" pitchFamily="49" charset="-122"/>
             </a:endParaRPr>
           </a:p>
           <a:p>
             <a:r>
-              <a:rPr lang="en-US" altLang="zh-CN" sz="1000" dirty="0">
+              <a:rPr lang="en-US" altLang="zh-CN" sz="1000" dirty="0" smtClean="0">
                 <a:latin typeface="黑体" panose="02010609060101010101" pitchFamily="49" charset="-122"/>
                 <a:ea typeface="黑体" panose="02010609060101010101" pitchFamily="49" charset="-122"/>
               </a:rPr>
               <a:t> 1048 root      20   0  170904  17292   9488 S   0.0  0.2   0:00.24 </a:t>
             </a:r>
             <a:r>
-              <a:rPr lang="en-US" altLang="zh-CN" sz="1000" dirty="0" err="1">
+              <a:rPr lang="en-US" altLang="zh-CN" sz="1000" dirty="0" err="1" smtClean="0">
                 <a:latin typeface="黑体" panose="02010609060101010101" pitchFamily="49" charset="-122"/>
                 <a:ea typeface="黑体" panose="02010609060101010101" pitchFamily="49" charset="-122"/>
               </a:rPr>
               <a:t>networkd-dispat</a:t>
             </a:r>
-            <a:endParaRPr lang="en-US" altLang="zh-CN" sz="1000" dirty="0">
+            <a:endParaRPr lang="en-US" altLang="zh-CN" sz="1000" dirty="0" smtClean="0">
               <a:latin typeface="黑体" panose="02010609060101010101" pitchFamily="49" charset="-122"/>
               <a:ea typeface="黑体" panose="02010609060101010101" pitchFamily="49" charset="-122"/>
             </a:endParaRPr>
           </a:p>
           <a:p>
             <a:r>
-              <a:rPr lang="en-US" altLang="zh-CN" sz="1000" dirty="0">
+              <a:rPr lang="en-US" altLang="zh-CN" sz="1000" dirty="0" smtClean="0">
                 <a:latin typeface="黑体" panose="02010609060101010101" pitchFamily="49" charset="-122"/>
                 <a:ea typeface="黑体" panose="02010609060101010101" pitchFamily="49" charset="-122"/>
               </a:rPr>
               <a:t>    1 root      20   0   78020   9156   6644 S   0.0  0.1   0:22.92 </a:t>
             </a:r>
             <a:r>
-              <a:rPr lang="en-US" altLang="zh-CN" sz="1000" dirty="0" err="1">
+              <a:rPr lang="en-US" altLang="zh-CN" sz="1000" dirty="0" err="1" smtClean="0">
                 <a:latin typeface="黑体" panose="02010609060101010101" pitchFamily="49" charset="-122"/>
                 <a:ea typeface="黑体" panose="02010609060101010101" pitchFamily="49" charset="-122"/>
               </a:rPr>
               <a:t>systemd</a:t>
             </a:r>
-            <a:endParaRPr lang="en-US" altLang="zh-CN" sz="1000" dirty="0">
+            <a:endParaRPr lang="en-US" altLang="zh-CN" sz="1000" dirty="0" smtClean="0">
               <a:latin typeface="黑体" panose="02010609060101010101" pitchFamily="49" charset="-122"/>
               <a:ea typeface="黑体" panose="02010609060101010101" pitchFamily="49" charset="-122"/>
             </a:endParaRPr>
           </a:p>
           <a:p>
             <a:r>
-              <a:rPr lang="en-US" altLang="zh-CN" sz="1000" dirty="0">
+              <a:rPr lang="en-US" altLang="zh-CN" sz="1000" dirty="0" smtClean="0">
                 <a:latin typeface="黑体" panose="02010609060101010101" pitchFamily="49" charset="-122"/>
                 <a:ea typeface="黑体" panose="02010609060101010101" pitchFamily="49" charset="-122"/>
               </a:rPr>
               <a:t>12376 azure     20   0   76632   7456   6420 S   0.0  0.1   0:00.01 </a:t>
             </a:r>
             <a:r>
-              <a:rPr lang="en-US" altLang="zh-CN" sz="1000" dirty="0" err="1">
+              <a:rPr lang="en-US" altLang="zh-CN" sz="1000" dirty="0" err="1" smtClean="0">
                 <a:latin typeface="黑体" panose="02010609060101010101" pitchFamily="49" charset="-122"/>
                 <a:ea typeface="黑体" panose="02010609060101010101" pitchFamily="49" charset="-122"/>
               </a:rPr>
               <a:t>systemd</a:t>
             </a:r>
-            <a:endParaRPr lang="en-US" altLang="zh-CN" sz="1000" dirty="0">
+            <a:endParaRPr lang="en-US" altLang="zh-CN" sz="1000" dirty="0" smtClean="0">
               <a:latin typeface="黑体" panose="02010609060101010101" pitchFamily="49" charset="-122"/>
               <a:ea typeface="黑体" panose="02010609060101010101" pitchFamily="49" charset="-122"/>
             </a:endParaRPr>
           </a:p>
           <a:p>
             <a:r>
-              <a:rPr lang="en-US" altLang="zh-CN" sz="1000" dirty="0">
+              <a:rPr lang="en-US" altLang="zh-CN" sz="1000" dirty="0" smtClean="0">
                 <a:latin typeface="黑体" panose="02010609060101010101" pitchFamily="49" charset="-122"/>
                 <a:ea typeface="黑体" panose="02010609060101010101" pitchFamily="49" charset="-122"/>
               </a:rPr>
               <a:t>12374 root      20   0  107984   7312   6304 S   0.0  0.1   0:00.00 </a:t>
             </a:r>
             <a:r>
-              <a:rPr lang="en-US" altLang="zh-CN" sz="1000" dirty="0" err="1">
+              <a:rPr lang="en-US" altLang="zh-CN" sz="1000" dirty="0" err="1" smtClean="0">
                 <a:latin typeface="黑体" panose="02010609060101010101" pitchFamily="49" charset="-122"/>
                 <a:ea typeface="黑体" panose="02010609060101010101" pitchFamily="49" charset="-122"/>
               </a:rPr>
               <a:t>sshd</a:t>
             </a:r>
-            <a:endParaRPr lang="en-US" altLang="zh-CN" sz="1000" dirty="0">
+            <a:endParaRPr lang="en-US" altLang="zh-CN" sz="1000" dirty="0" smtClean="0">
               <a:latin typeface="黑体" panose="02010609060101010101" pitchFamily="49" charset="-122"/>
               <a:ea typeface="黑体" panose="02010609060101010101" pitchFamily="49" charset="-122"/>
             </a:endParaRPr>
           </a:p>
           <a:p>
             <a:r>
-              <a:rPr lang="en-US" altLang="zh-CN" sz="1000" dirty="0">
+              <a:rPr lang="en-US" altLang="zh-CN" sz="1000" dirty="0" smtClean="0">
                 <a:latin typeface="黑体" panose="02010609060101010101" pitchFamily="49" charset="-122"/>
                 <a:ea typeface="黑体" panose="02010609060101010101" pitchFamily="49" charset="-122"/>
               </a:rPr>
@@ -12694,6 +12824,1460 @@
     <p:extLst>
       <p:ext uri="{BB962C8B-B14F-4D97-AF65-F5344CB8AC3E}">
         <p14:creationId xmlns:p14="http://schemas.microsoft.com/office/powerpoint/2010/main" val="4004776609"/>
+      </p:ext>
+    </p:extLst>
+  </p:cSld>
+  <p:clrMapOvr>
+    <a:masterClrMapping/>
+  </p:clrMapOvr>
+  <p:timing>
+    <p:tnLst>
+      <p:par>
+        <p:cTn id="1" dur="indefinite" restart="never" nodeType="tmRoot"/>
+      </p:par>
+    </p:tnLst>
+  </p:timing>
+</p:sld>
+</file>
+
+<file path=ppt/slides/slide5.xml><?xml version="1.0" encoding="utf-8"?>
+<p:sld xmlns:a="http://schemas.openxmlformats.org/drawingml/2006/main" xmlns:r="http://schemas.openxmlformats.org/officeDocument/2006/relationships" xmlns:p="http://schemas.openxmlformats.org/presentationml/2006/main">
+  <p:cSld>
+    <p:spTree>
+      <p:nvGrpSpPr>
+        <p:cNvPr id="1" name=""/>
+        <p:cNvGrpSpPr/>
+        <p:nvPr/>
+      </p:nvGrpSpPr>
+      <p:grpSpPr>
+        <a:xfrm>
+          <a:off x="0" y="0"/>
+          <a:ext cx="0" cy="0"/>
+          <a:chOff x="0" y="0"/>
+          <a:chExt cx="0" cy="0"/>
+        </a:xfrm>
+      </p:grpSpPr>
+      <p:sp>
+        <p:nvSpPr>
+          <p:cNvPr id="2" name="标题 1"/>
+          <p:cNvSpPr>
+            <a:spLocks noGrp="1"/>
+          </p:cNvSpPr>
+          <p:nvPr>
+            <p:ph type="title"/>
+          </p:nvPr>
+        </p:nvSpPr>
+        <p:spPr>
+          <a:xfrm>
+            <a:off x="114300" y="152400"/>
+            <a:ext cx="9404723" cy="602359"/>
+          </a:xfrm>
+        </p:spPr>
+        <p:txBody>
+          <a:bodyPr/>
+          <a:lstStyle/>
+          <a:p>
+            <a:r>
+              <a:rPr lang="zh-CN" altLang="en-US" sz="3200" b="1" dirty="0">
+                <a:latin typeface="微软雅黑" panose="020B0503020204020204" pitchFamily="34" charset="-122"/>
+                <a:ea typeface="微软雅黑" panose="020B0503020204020204" pitchFamily="34" charset="-122"/>
+              </a:rPr>
+              <a:t>案例篇：内存泄漏了，我该如何定位和处理？</a:t>
+            </a:r>
+            <a:endParaRPr lang="zh-CN" altLang="en-US" sz="3200" dirty="0">
+              <a:latin typeface="微软雅黑" panose="020B0503020204020204" pitchFamily="34" charset="-122"/>
+              <a:ea typeface="微软雅黑" panose="020B0503020204020204" pitchFamily="34" charset="-122"/>
+            </a:endParaRPr>
+          </a:p>
+        </p:txBody>
+      </p:sp>
+      <p:sp>
+        <p:nvSpPr>
+          <p:cNvPr id="7" name="文本框 6"/>
+          <p:cNvSpPr txBox="1"/>
+          <p:nvPr/>
+        </p:nvSpPr>
+        <p:spPr>
+          <a:xfrm>
+            <a:off x="114300" y="842111"/>
+            <a:ext cx="3060453" cy="369332"/>
+          </a:xfrm>
+          <a:prstGeom prst="rect">
+            <a:avLst/>
+          </a:prstGeom>
+          <a:noFill/>
+        </p:spPr>
+        <p:txBody>
+          <a:bodyPr wrap="none">
+            <a:spAutoFit/>
+            <a:scene3d>
+              <a:camera prst="orthographicFront"/>
+              <a:lightRig rig="harsh" dir="t"/>
+            </a:scene3d>
+            <a:sp3d extrusionH="57150" prstMaterial="matte">
+              <a:bevelT w="63500" h="12700" prst="angle"/>
+              <a:contourClr>
+                <a:schemeClr val="bg1">
+                  <a:lumMod val="65000"/>
+                </a:schemeClr>
+              </a:contourClr>
+            </a:sp3d>
+          </a:bodyPr>
+          <a:lstStyle/>
+          <a:p>
+            <a:pPr>
+              <a:defRPr/>
+            </a:pPr>
+            <a:r>
+              <a:rPr lang="zh-CN" altLang="en-US" b="1" dirty="0" smtClean="0">
+                <a:ln/>
+                <a:solidFill>
+                  <a:srgbClr val="4FD1FF"/>
+                </a:solidFill>
+                <a:latin typeface="微软雅黑" panose="020B0503020204020204" pitchFamily="34" charset="-122"/>
+                <a:ea typeface="微软雅黑" panose="020B0503020204020204" pitchFamily="34" charset="-122"/>
+              </a:rPr>
+              <a:t>观察内存变化情况：</a:t>
+            </a:r>
+            <a:r>
+              <a:rPr lang="en-US" altLang="zh-CN" b="1" dirty="0" err="1">
+                <a:ln/>
+                <a:solidFill>
+                  <a:srgbClr val="4FD1FF"/>
+                </a:solidFill>
+                <a:latin typeface="微软雅黑" panose="020B0503020204020204" pitchFamily="34" charset="-122"/>
+                <a:ea typeface="微软雅黑" panose="020B0503020204020204" pitchFamily="34" charset="-122"/>
+              </a:rPr>
+              <a:t>vmstat</a:t>
+            </a:r>
+            <a:endParaRPr lang="zh-CN" altLang="en-US" b="1" dirty="0">
+              <a:ln/>
+              <a:solidFill>
+                <a:srgbClr val="4FD1FF"/>
+              </a:solidFill>
+              <a:latin typeface="微软雅黑" panose="020B0503020204020204" pitchFamily="34" charset="-122"/>
+              <a:ea typeface="微软雅黑" panose="020B0503020204020204" pitchFamily="34" charset="-122"/>
+            </a:endParaRPr>
+          </a:p>
+        </p:txBody>
+      </p:sp>
+      <p:sp>
+        <p:nvSpPr>
+          <p:cNvPr id="24" name="矩形 23"/>
+          <p:cNvSpPr/>
+          <p:nvPr/>
+        </p:nvSpPr>
+        <p:spPr>
+          <a:xfrm>
+            <a:off x="114300" y="1298795"/>
+            <a:ext cx="11131965" cy="1938992"/>
+          </a:xfrm>
+          <a:prstGeom prst="rect">
+            <a:avLst/>
+          </a:prstGeom>
+        </p:spPr>
+        <p:txBody>
+          <a:bodyPr wrap="square">
+            <a:spAutoFit/>
+          </a:bodyPr>
+          <a:lstStyle/>
+          <a:p>
+            <a:r>
+              <a:rPr lang="en-US" altLang="zh-CN" sz="1000" dirty="0" smtClean="0">
+                <a:latin typeface="黑体" panose="02010609060101010101" pitchFamily="49" charset="-122"/>
+                <a:ea typeface="黑体" panose="02010609060101010101" pitchFamily="49" charset="-122"/>
+              </a:rPr>
+              <a:t># </a:t>
+            </a:r>
+            <a:r>
+              <a:rPr lang="zh-CN" altLang="en-US" sz="1000" dirty="0" smtClean="0">
+                <a:latin typeface="黑体" panose="02010609060101010101" pitchFamily="49" charset="-122"/>
+                <a:ea typeface="黑体" panose="02010609060101010101" pitchFamily="49" charset="-122"/>
+              </a:rPr>
+              <a:t>每隔</a:t>
+            </a:r>
+            <a:r>
+              <a:rPr lang="en-US" altLang="zh-CN" sz="1000" dirty="0" smtClean="0">
+                <a:latin typeface="黑体" panose="02010609060101010101" pitchFamily="49" charset="-122"/>
+                <a:ea typeface="黑体" panose="02010609060101010101" pitchFamily="49" charset="-122"/>
+              </a:rPr>
+              <a:t>3</a:t>
+            </a:r>
+            <a:r>
+              <a:rPr lang="zh-CN" altLang="en-US" sz="1000" dirty="0" smtClean="0">
+                <a:latin typeface="黑体" panose="02010609060101010101" pitchFamily="49" charset="-122"/>
+                <a:ea typeface="黑体" panose="02010609060101010101" pitchFamily="49" charset="-122"/>
+              </a:rPr>
+              <a:t>秒输出一组数据</a:t>
+            </a:r>
+          </a:p>
+          <a:p>
+            <a:r>
+              <a:rPr lang="en-US" altLang="zh-CN" sz="1000" dirty="0" smtClean="0">
+                <a:latin typeface="黑体" panose="02010609060101010101" pitchFamily="49" charset="-122"/>
+                <a:ea typeface="黑体" panose="02010609060101010101" pitchFamily="49" charset="-122"/>
+              </a:rPr>
+              <a:t>$ </a:t>
+            </a:r>
+            <a:r>
+              <a:rPr lang="en-US" altLang="zh-CN" sz="1000" dirty="0" err="1" smtClean="0">
+                <a:latin typeface="黑体" panose="02010609060101010101" pitchFamily="49" charset="-122"/>
+                <a:ea typeface="黑体" panose="02010609060101010101" pitchFamily="49" charset="-122"/>
+              </a:rPr>
+              <a:t>vmstat</a:t>
+            </a:r>
+            <a:r>
+              <a:rPr lang="en-US" altLang="zh-CN" sz="1000" dirty="0" smtClean="0">
+                <a:latin typeface="黑体" panose="02010609060101010101" pitchFamily="49" charset="-122"/>
+                <a:ea typeface="黑体" panose="02010609060101010101" pitchFamily="49" charset="-122"/>
+              </a:rPr>
+              <a:t> 3</a:t>
+            </a:r>
+          </a:p>
+          <a:p>
+            <a:r>
+              <a:rPr lang="en-US" altLang="zh-CN" sz="1000" dirty="0" err="1" smtClean="0">
+                <a:latin typeface="黑体" panose="02010609060101010101" pitchFamily="49" charset="-122"/>
+                <a:ea typeface="黑体" panose="02010609060101010101" pitchFamily="49" charset="-122"/>
+              </a:rPr>
+              <a:t>procs</a:t>
+            </a:r>
+            <a:r>
+              <a:rPr lang="en-US" altLang="zh-CN" sz="1000" dirty="0" smtClean="0">
+                <a:latin typeface="黑体" panose="02010609060101010101" pitchFamily="49" charset="-122"/>
+                <a:ea typeface="黑体" panose="02010609060101010101" pitchFamily="49" charset="-122"/>
+              </a:rPr>
+              <a:t> -----------memory---------- ---swap-- -----</a:t>
+            </a:r>
+            <a:r>
+              <a:rPr lang="en-US" altLang="zh-CN" sz="1000" dirty="0" err="1" smtClean="0">
+                <a:latin typeface="黑体" panose="02010609060101010101" pitchFamily="49" charset="-122"/>
+                <a:ea typeface="黑体" panose="02010609060101010101" pitchFamily="49" charset="-122"/>
+              </a:rPr>
+              <a:t>io</a:t>
+            </a:r>
+            <a:r>
+              <a:rPr lang="en-US" altLang="zh-CN" sz="1000" dirty="0" smtClean="0">
+                <a:latin typeface="黑体" panose="02010609060101010101" pitchFamily="49" charset="-122"/>
+                <a:ea typeface="黑体" panose="02010609060101010101" pitchFamily="49" charset="-122"/>
+              </a:rPr>
+              <a:t>---- -system-- ------</a:t>
+            </a:r>
+            <a:r>
+              <a:rPr lang="en-US" altLang="zh-CN" sz="1000" dirty="0" err="1" smtClean="0">
+                <a:latin typeface="黑体" panose="02010609060101010101" pitchFamily="49" charset="-122"/>
+                <a:ea typeface="黑体" panose="02010609060101010101" pitchFamily="49" charset="-122"/>
+              </a:rPr>
+              <a:t>cpu</a:t>
+            </a:r>
+            <a:r>
+              <a:rPr lang="en-US" altLang="zh-CN" sz="1000" dirty="0" smtClean="0">
+                <a:latin typeface="黑体" panose="02010609060101010101" pitchFamily="49" charset="-122"/>
+                <a:ea typeface="黑体" panose="02010609060101010101" pitchFamily="49" charset="-122"/>
+              </a:rPr>
+              <a:t>-----</a:t>
+            </a:r>
+          </a:p>
+          <a:p>
+            <a:r>
+              <a:rPr lang="en-US" altLang="zh-CN" sz="1000" dirty="0" smtClean="0">
+                <a:latin typeface="黑体" panose="02010609060101010101" pitchFamily="49" charset="-122"/>
+                <a:ea typeface="黑体" panose="02010609060101010101" pitchFamily="49" charset="-122"/>
+              </a:rPr>
+              <a:t>r  b   </a:t>
+            </a:r>
+            <a:r>
+              <a:rPr lang="en-US" altLang="zh-CN" sz="1000" dirty="0" err="1" smtClean="0">
+                <a:latin typeface="黑体" panose="02010609060101010101" pitchFamily="49" charset="-122"/>
+                <a:ea typeface="黑体" panose="02010609060101010101" pitchFamily="49" charset="-122"/>
+              </a:rPr>
+              <a:t>swpd</a:t>
+            </a:r>
+            <a:r>
+              <a:rPr lang="en-US" altLang="zh-CN" sz="1000" dirty="0" smtClean="0">
+                <a:latin typeface="黑体" panose="02010609060101010101" pitchFamily="49" charset="-122"/>
+                <a:ea typeface="黑体" panose="02010609060101010101" pitchFamily="49" charset="-122"/>
+              </a:rPr>
+              <a:t>   free   buff  cache   </a:t>
+            </a:r>
+            <a:r>
+              <a:rPr lang="en-US" altLang="zh-CN" sz="1000" dirty="0" err="1" smtClean="0">
+                <a:latin typeface="黑体" panose="02010609060101010101" pitchFamily="49" charset="-122"/>
+                <a:ea typeface="黑体" panose="02010609060101010101" pitchFamily="49" charset="-122"/>
+              </a:rPr>
+              <a:t>si</a:t>
+            </a:r>
+            <a:r>
+              <a:rPr lang="en-US" altLang="zh-CN" sz="1000" dirty="0" smtClean="0">
+                <a:latin typeface="黑体" panose="02010609060101010101" pitchFamily="49" charset="-122"/>
+                <a:ea typeface="黑体" panose="02010609060101010101" pitchFamily="49" charset="-122"/>
+              </a:rPr>
+              <a:t>   so    bi    </a:t>
+            </a:r>
+            <a:r>
+              <a:rPr lang="en-US" altLang="zh-CN" sz="1000" dirty="0" err="1" smtClean="0">
+                <a:latin typeface="黑体" panose="02010609060101010101" pitchFamily="49" charset="-122"/>
+                <a:ea typeface="黑体" panose="02010609060101010101" pitchFamily="49" charset="-122"/>
+              </a:rPr>
+              <a:t>bo</a:t>
+            </a:r>
+            <a:r>
+              <a:rPr lang="en-US" altLang="zh-CN" sz="1000" dirty="0" smtClean="0">
+                <a:latin typeface="黑体" panose="02010609060101010101" pitchFamily="49" charset="-122"/>
+                <a:ea typeface="黑体" panose="02010609060101010101" pitchFamily="49" charset="-122"/>
+              </a:rPr>
+              <a:t>   in   </a:t>
+            </a:r>
+            <a:r>
+              <a:rPr lang="en-US" altLang="zh-CN" sz="1000" dirty="0" err="1" smtClean="0">
+                <a:latin typeface="黑体" panose="02010609060101010101" pitchFamily="49" charset="-122"/>
+                <a:ea typeface="黑体" panose="02010609060101010101" pitchFamily="49" charset="-122"/>
+              </a:rPr>
+              <a:t>cs</a:t>
+            </a:r>
+            <a:r>
+              <a:rPr lang="en-US" altLang="zh-CN" sz="1000" dirty="0" smtClean="0">
+                <a:latin typeface="黑体" panose="02010609060101010101" pitchFamily="49" charset="-122"/>
+                <a:ea typeface="黑体" panose="02010609060101010101" pitchFamily="49" charset="-122"/>
+              </a:rPr>
+              <a:t> us </a:t>
+            </a:r>
+            <a:r>
+              <a:rPr lang="en-US" altLang="zh-CN" sz="1000" dirty="0" err="1" smtClean="0">
+                <a:latin typeface="黑体" panose="02010609060101010101" pitchFamily="49" charset="-122"/>
+                <a:ea typeface="黑体" panose="02010609060101010101" pitchFamily="49" charset="-122"/>
+              </a:rPr>
+              <a:t>sy</a:t>
+            </a:r>
+            <a:r>
+              <a:rPr lang="en-US" altLang="zh-CN" sz="1000" dirty="0" smtClean="0">
+                <a:latin typeface="黑体" panose="02010609060101010101" pitchFamily="49" charset="-122"/>
+                <a:ea typeface="黑体" panose="02010609060101010101" pitchFamily="49" charset="-122"/>
+              </a:rPr>
+              <a:t> id </a:t>
+            </a:r>
+            <a:r>
+              <a:rPr lang="en-US" altLang="zh-CN" sz="1000" dirty="0" err="1" smtClean="0">
+                <a:latin typeface="黑体" panose="02010609060101010101" pitchFamily="49" charset="-122"/>
+                <a:ea typeface="黑体" panose="02010609060101010101" pitchFamily="49" charset="-122"/>
+              </a:rPr>
+              <a:t>wa</a:t>
+            </a:r>
+            <a:r>
+              <a:rPr lang="en-US" altLang="zh-CN" sz="1000" dirty="0" smtClean="0">
+                <a:latin typeface="黑体" panose="02010609060101010101" pitchFamily="49" charset="-122"/>
+                <a:ea typeface="黑体" panose="02010609060101010101" pitchFamily="49" charset="-122"/>
+              </a:rPr>
+              <a:t> </a:t>
+            </a:r>
+            <a:r>
+              <a:rPr lang="en-US" altLang="zh-CN" sz="1000" dirty="0" err="1" smtClean="0">
+                <a:latin typeface="黑体" panose="02010609060101010101" pitchFamily="49" charset="-122"/>
+                <a:ea typeface="黑体" panose="02010609060101010101" pitchFamily="49" charset="-122"/>
+              </a:rPr>
+              <a:t>st</a:t>
+            </a:r>
+            <a:endParaRPr lang="en-US" altLang="zh-CN" sz="1000" dirty="0" smtClean="0">
+              <a:latin typeface="黑体" panose="02010609060101010101" pitchFamily="49" charset="-122"/>
+              <a:ea typeface="黑体" panose="02010609060101010101" pitchFamily="49" charset="-122"/>
+            </a:endParaRPr>
+          </a:p>
+          <a:p>
+            <a:r>
+              <a:rPr lang="en-US" altLang="zh-CN" sz="1000" dirty="0" err="1" smtClean="0">
+                <a:latin typeface="黑体" panose="02010609060101010101" pitchFamily="49" charset="-122"/>
+                <a:ea typeface="黑体" panose="02010609060101010101" pitchFamily="49" charset="-122"/>
+              </a:rPr>
+              <a:t>procs</a:t>
+            </a:r>
+            <a:r>
+              <a:rPr lang="en-US" altLang="zh-CN" sz="1000" dirty="0" smtClean="0">
+                <a:latin typeface="黑体" panose="02010609060101010101" pitchFamily="49" charset="-122"/>
+                <a:ea typeface="黑体" panose="02010609060101010101" pitchFamily="49" charset="-122"/>
+              </a:rPr>
+              <a:t> -----------memory---------- ---swap-- -----</a:t>
+            </a:r>
+            <a:r>
+              <a:rPr lang="en-US" altLang="zh-CN" sz="1000" dirty="0" err="1" smtClean="0">
+                <a:latin typeface="黑体" panose="02010609060101010101" pitchFamily="49" charset="-122"/>
+                <a:ea typeface="黑体" panose="02010609060101010101" pitchFamily="49" charset="-122"/>
+              </a:rPr>
+              <a:t>io</a:t>
+            </a:r>
+            <a:r>
+              <a:rPr lang="en-US" altLang="zh-CN" sz="1000" dirty="0" smtClean="0">
+                <a:latin typeface="黑体" panose="02010609060101010101" pitchFamily="49" charset="-122"/>
+                <a:ea typeface="黑体" panose="02010609060101010101" pitchFamily="49" charset="-122"/>
+              </a:rPr>
+              <a:t>---- -system-- ------</a:t>
+            </a:r>
+            <a:r>
+              <a:rPr lang="en-US" altLang="zh-CN" sz="1000" dirty="0" err="1" smtClean="0">
+                <a:latin typeface="黑体" panose="02010609060101010101" pitchFamily="49" charset="-122"/>
+                <a:ea typeface="黑体" panose="02010609060101010101" pitchFamily="49" charset="-122"/>
+              </a:rPr>
+              <a:t>cpu</a:t>
+            </a:r>
+            <a:r>
+              <a:rPr lang="en-US" altLang="zh-CN" sz="1000" dirty="0" smtClean="0">
+                <a:latin typeface="黑体" panose="02010609060101010101" pitchFamily="49" charset="-122"/>
+                <a:ea typeface="黑体" panose="02010609060101010101" pitchFamily="49" charset="-122"/>
+              </a:rPr>
+              <a:t>-----</a:t>
+            </a:r>
+          </a:p>
+          <a:p>
+            <a:r>
+              <a:rPr lang="en-US" altLang="zh-CN" sz="1000" dirty="0" smtClean="0">
+                <a:latin typeface="黑体" panose="02010609060101010101" pitchFamily="49" charset="-122"/>
+                <a:ea typeface="黑体" panose="02010609060101010101" pitchFamily="49" charset="-122"/>
+              </a:rPr>
+              <a:t>r  b   </a:t>
+            </a:r>
+            <a:r>
+              <a:rPr lang="en-US" altLang="zh-CN" sz="1000" dirty="0" err="1" smtClean="0">
+                <a:latin typeface="黑体" panose="02010609060101010101" pitchFamily="49" charset="-122"/>
+                <a:ea typeface="黑体" panose="02010609060101010101" pitchFamily="49" charset="-122"/>
+              </a:rPr>
+              <a:t>swpd</a:t>
+            </a:r>
+            <a:r>
+              <a:rPr lang="en-US" altLang="zh-CN" sz="1000" dirty="0" smtClean="0">
+                <a:latin typeface="黑体" panose="02010609060101010101" pitchFamily="49" charset="-122"/>
+                <a:ea typeface="黑体" panose="02010609060101010101" pitchFamily="49" charset="-122"/>
+              </a:rPr>
+              <a:t>   free   buff  cache   </a:t>
+            </a:r>
+            <a:r>
+              <a:rPr lang="en-US" altLang="zh-CN" sz="1000" dirty="0" err="1" smtClean="0">
+                <a:latin typeface="黑体" panose="02010609060101010101" pitchFamily="49" charset="-122"/>
+                <a:ea typeface="黑体" panose="02010609060101010101" pitchFamily="49" charset="-122"/>
+              </a:rPr>
+              <a:t>si</a:t>
+            </a:r>
+            <a:r>
+              <a:rPr lang="en-US" altLang="zh-CN" sz="1000" dirty="0" smtClean="0">
+                <a:latin typeface="黑体" panose="02010609060101010101" pitchFamily="49" charset="-122"/>
+                <a:ea typeface="黑体" panose="02010609060101010101" pitchFamily="49" charset="-122"/>
+              </a:rPr>
+              <a:t>   so    bi    </a:t>
+            </a:r>
+            <a:r>
+              <a:rPr lang="en-US" altLang="zh-CN" sz="1000" dirty="0" err="1" smtClean="0">
+                <a:latin typeface="黑体" panose="02010609060101010101" pitchFamily="49" charset="-122"/>
+                <a:ea typeface="黑体" panose="02010609060101010101" pitchFamily="49" charset="-122"/>
+              </a:rPr>
+              <a:t>bo</a:t>
+            </a:r>
+            <a:r>
+              <a:rPr lang="en-US" altLang="zh-CN" sz="1000" dirty="0" smtClean="0">
+                <a:latin typeface="黑体" panose="02010609060101010101" pitchFamily="49" charset="-122"/>
+                <a:ea typeface="黑体" panose="02010609060101010101" pitchFamily="49" charset="-122"/>
+              </a:rPr>
+              <a:t>   in   </a:t>
+            </a:r>
+            <a:r>
+              <a:rPr lang="en-US" altLang="zh-CN" sz="1000" dirty="0" err="1" smtClean="0">
+                <a:latin typeface="黑体" panose="02010609060101010101" pitchFamily="49" charset="-122"/>
+                <a:ea typeface="黑体" panose="02010609060101010101" pitchFamily="49" charset="-122"/>
+              </a:rPr>
+              <a:t>cs</a:t>
+            </a:r>
+            <a:r>
+              <a:rPr lang="en-US" altLang="zh-CN" sz="1000" dirty="0" smtClean="0">
+                <a:latin typeface="黑体" panose="02010609060101010101" pitchFamily="49" charset="-122"/>
+                <a:ea typeface="黑体" panose="02010609060101010101" pitchFamily="49" charset="-122"/>
+              </a:rPr>
+              <a:t> us </a:t>
+            </a:r>
+            <a:r>
+              <a:rPr lang="en-US" altLang="zh-CN" sz="1000" dirty="0" err="1" smtClean="0">
+                <a:latin typeface="黑体" panose="02010609060101010101" pitchFamily="49" charset="-122"/>
+                <a:ea typeface="黑体" panose="02010609060101010101" pitchFamily="49" charset="-122"/>
+              </a:rPr>
+              <a:t>sy</a:t>
+            </a:r>
+            <a:r>
+              <a:rPr lang="en-US" altLang="zh-CN" sz="1000" dirty="0" smtClean="0">
+                <a:latin typeface="黑体" panose="02010609060101010101" pitchFamily="49" charset="-122"/>
+                <a:ea typeface="黑体" panose="02010609060101010101" pitchFamily="49" charset="-122"/>
+              </a:rPr>
+              <a:t> id </a:t>
+            </a:r>
+            <a:r>
+              <a:rPr lang="en-US" altLang="zh-CN" sz="1000" dirty="0" err="1" smtClean="0">
+                <a:latin typeface="黑体" panose="02010609060101010101" pitchFamily="49" charset="-122"/>
+                <a:ea typeface="黑体" panose="02010609060101010101" pitchFamily="49" charset="-122"/>
+              </a:rPr>
+              <a:t>wa</a:t>
+            </a:r>
+            <a:r>
+              <a:rPr lang="en-US" altLang="zh-CN" sz="1000" dirty="0" smtClean="0">
+                <a:latin typeface="黑体" panose="02010609060101010101" pitchFamily="49" charset="-122"/>
+                <a:ea typeface="黑体" panose="02010609060101010101" pitchFamily="49" charset="-122"/>
+              </a:rPr>
+              <a:t> </a:t>
+            </a:r>
+            <a:r>
+              <a:rPr lang="en-US" altLang="zh-CN" sz="1000" dirty="0" err="1" smtClean="0">
+                <a:latin typeface="黑体" panose="02010609060101010101" pitchFamily="49" charset="-122"/>
+                <a:ea typeface="黑体" panose="02010609060101010101" pitchFamily="49" charset="-122"/>
+              </a:rPr>
+              <a:t>st</a:t>
+            </a:r>
+            <a:endParaRPr lang="en-US" altLang="zh-CN" sz="1000" dirty="0" smtClean="0">
+              <a:latin typeface="黑体" panose="02010609060101010101" pitchFamily="49" charset="-122"/>
+              <a:ea typeface="黑体" panose="02010609060101010101" pitchFamily="49" charset="-122"/>
+            </a:endParaRPr>
+          </a:p>
+          <a:p>
+            <a:pPr eaLnBrk="0"/>
+            <a:r>
+              <a:rPr lang="en-US" altLang="zh-CN" sz="1000" dirty="0" smtClean="0">
+                <a:latin typeface="黑体" panose="02010609060101010101" pitchFamily="49" charset="-122"/>
+                <a:ea typeface="黑体" panose="02010609060101010101" pitchFamily="49" charset="-122"/>
+              </a:rPr>
+              <a:t>0  0      0 </a:t>
+            </a:r>
+            <a:r>
+              <a:rPr lang="en-US" altLang="zh-CN" sz="1000" dirty="0" smtClean="0">
+                <a:solidFill>
+                  <a:schemeClr val="accent2"/>
+                </a:solidFill>
+                <a:latin typeface="黑体" panose="02010609060101010101" pitchFamily="49" charset="-122"/>
+                <a:ea typeface="黑体" panose="02010609060101010101" pitchFamily="49" charset="-122"/>
+              </a:rPr>
+              <a:t>6601824</a:t>
+            </a:r>
+            <a:r>
+              <a:rPr lang="en-US" altLang="zh-CN" sz="1000" dirty="0" smtClean="0">
+                <a:latin typeface="黑体" panose="02010609060101010101" pitchFamily="49" charset="-122"/>
+                <a:ea typeface="黑体" panose="02010609060101010101" pitchFamily="49" charset="-122"/>
+              </a:rPr>
+              <a:t>  97620 1098784    0    0     0     0   62  322  0  0 100  0  0</a:t>
+            </a:r>
+          </a:p>
+          <a:p>
+            <a:r>
+              <a:rPr lang="en-US" altLang="zh-CN" sz="1000" dirty="0" smtClean="0">
+                <a:latin typeface="黑体" panose="02010609060101010101" pitchFamily="49" charset="-122"/>
+                <a:ea typeface="黑体" panose="02010609060101010101" pitchFamily="49" charset="-122"/>
+              </a:rPr>
+              <a:t>0  0      0 </a:t>
+            </a:r>
+            <a:r>
+              <a:rPr lang="en-US" altLang="zh-CN" sz="1000" dirty="0" smtClean="0">
+                <a:solidFill>
+                  <a:schemeClr val="accent2"/>
+                </a:solidFill>
+                <a:latin typeface="黑体" panose="02010609060101010101" pitchFamily="49" charset="-122"/>
+                <a:ea typeface="黑体" panose="02010609060101010101" pitchFamily="49" charset="-122"/>
+              </a:rPr>
+              <a:t>6601700</a:t>
+            </a:r>
+            <a:r>
+              <a:rPr lang="en-US" altLang="zh-CN" sz="1000" dirty="0" smtClean="0">
+                <a:latin typeface="黑体" panose="02010609060101010101" pitchFamily="49" charset="-122"/>
+                <a:ea typeface="黑体" panose="02010609060101010101" pitchFamily="49" charset="-122"/>
+              </a:rPr>
+              <a:t>  97620 1098788    0    0     0     0   57  251  0  0 100  0  0</a:t>
+            </a:r>
+          </a:p>
+          <a:p>
+            <a:r>
+              <a:rPr lang="en-US" altLang="zh-CN" sz="1000" dirty="0" smtClean="0">
+                <a:latin typeface="黑体" panose="02010609060101010101" pitchFamily="49" charset="-122"/>
+                <a:ea typeface="黑体" panose="02010609060101010101" pitchFamily="49" charset="-122"/>
+              </a:rPr>
+              <a:t>0  0      0 </a:t>
+            </a:r>
+            <a:r>
+              <a:rPr lang="en-US" altLang="zh-CN" sz="1000" dirty="0" smtClean="0">
+                <a:solidFill>
+                  <a:schemeClr val="accent2"/>
+                </a:solidFill>
+                <a:latin typeface="黑体" panose="02010609060101010101" pitchFamily="49" charset="-122"/>
+                <a:ea typeface="黑体" panose="02010609060101010101" pitchFamily="49" charset="-122"/>
+              </a:rPr>
+              <a:t>6601320</a:t>
+            </a:r>
+            <a:r>
+              <a:rPr lang="en-US" altLang="zh-CN" sz="1000" dirty="0" smtClean="0">
+                <a:latin typeface="黑体" panose="02010609060101010101" pitchFamily="49" charset="-122"/>
+                <a:ea typeface="黑体" panose="02010609060101010101" pitchFamily="49" charset="-122"/>
+              </a:rPr>
+              <a:t>  97620 1098788    0    0     0     3   52  306  0  0 100  0  0</a:t>
+            </a:r>
+          </a:p>
+          <a:p>
+            <a:r>
+              <a:rPr lang="en-US" altLang="zh-CN" sz="1000" dirty="0" smtClean="0">
+                <a:latin typeface="黑体" panose="02010609060101010101" pitchFamily="49" charset="-122"/>
+                <a:ea typeface="黑体" panose="02010609060101010101" pitchFamily="49" charset="-122"/>
+              </a:rPr>
+              <a:t>0  0      0 </a:t>
+            </a:r>
+            <a:r>
+              <a:rPr lang="en-US" altLang="zh-CN" sz="1000" dirty="0" smtClean="0">
+                <a:solidFill>
+                  <a:schemeClr val="accent2"/>
+                </a:solidFill>
+                <a:latin typeface="黑体" panose="02010609060101010101" pitchFamily="49" charset="-122"/>
+                <a:ea typeface="黑体" panose="02010609060101010101" pitchFamily="49" charset="-122"/>
+              </a:rPr>
+              <a:t>6601452</a:t>
+            </a:r>
+            <a:r>
+              <a:rPr lang="en-US" altLang="zh-CN" sz="1000" dirty="0" smtClean="0">
+                <a:latin typeface="黑体" panose="02010609060101010101" pitchFamily="49" charset="-122"/>
+                <a:ea typeface="黑体" panose="02010609060101010101" pitchFamily="49" charset="-122"/>
+              </a:rPr>
+              <a:t>  97628 1098788    0    0     0    27   63  326  0  0 100  0  0</a:t>
+            </a:r>
+          </a:p>
+          <a:p>
+            <a:r>
+              <a:rPr lang="en-US" altLang="zh-CN" sz="1000" dirty="0" smtClean="0">
+                <a:latin typeface="黑体" panose="02010609060101010101" pitchFamily="49" charset="-122"/>
+                <a:ea typeface="黑体" panose="02010609060101010101" pitchFamily="49" charset="-122"/>
+              </a:rPr>
+              <a:t>2  0      0 </a:t>
+            </a:r>
+            <a:r>
+              <a:rPr lang="en-US" altLang="zh-CN" sz="1000" dirty="0" smtClean="0">
+                <a:solidFill>
+                  <a:schemeClr val="accent2"/>
+                </a:solidFill>
+                <a:latin typeface="黑体" panose="02010609060101010101" pitchFamily="49" charset="-122"/>
+                <a:ea typeface="黑体" panose="02010609060101010101" pitchFamily="49" charset="-122"/>
+              </a:rPr>
+              <a:t>6601328</a:t>
+            </a:r>
+            <a:r>
+              <a:rPr lang="en-US" altLang="zh-CN" sz="1000" dirty="0" smtClean="0">
+                <a:latin typeface="黑体" panose="02010609060101010101" pitchFamily="49" charset="-122"/>
+                <a:ea typeface="黑体" panose="02010609060101010101" pitchFamily="49" charset="-122"/>
+              </a:rPr>
+              <a:t>  97628 1098788    0    0     0    44   52  299  0  0 100  0  0</a:t>
+            </a:r>
+          </a:p>
+          <a:p>
+            <a:r>
+              <a:rPr lang="en-US" altLang="zh-CN" sz="1000" dirty="0" smtClean="0">
+                <a:latin typeface="黑体" panose="02010609060101010101" pitchFamily="49" charset="-122"/>
+                <a:ea typeface="黑体" panose="02010609060101010101" pitchFamily="49" charset="-122"/>
+              </a:rPr>
+              <a:t>0  0      0 </a:t>
+            </a:r>
+            <a:r>
+              <a:rPr lang="en-US" altLang="zh-CN" sz="1000" dirty="0" smtClean="0">
+                <a:solidFill>
+                  <a:schemeClr val="accent2"/>
+                </a:solidFill>
+                <a:latin typeface="黑体" panose="02010609060101010101" pitchFamily="49" charset="-122"/>
+                <a:ea typeface="黑体" panose="02010609060101010101" pitchFamily="49" charset="-122"/>
+              </a:rPr>
+              <a:t>6601080</a:t>
+            </a:r>
+            <a:r>
+              <a:rPr lang="en-US" altLang="zh-CN" sz="1000" dirty="0" smtClean="0">
+                <a:latin typeface="黑体" panose="02010609060101010101" pitchFamily="49" charset="-122"/>
+                <a:ea typeface="黑体" panose="02010609060101010101" pitchFamily="49" charset="-122"/>
+              </a:rPr>
+              <a:t>  97628 1098792    0    0     0     0   56  285  0  0 100  0  0 </a:t>
+            </a:r>
+            <a:endParaRPr lang="en-US" altLang="zh-CN" sz="1000" dirty="0">
+              <a:latin typeface="黑体" panose="02010609060101010101" pitchFamily="49" charset="-122"/>
+              <a:ea typeface="黑体" panose="02010609060101010101" pitchFamily="49" charset="-122"/>
+            </a:endParaRPr>
+          </a:p>
+        </p:txBody>
+      </p:sp>
+      <p:sp>
+        <p:nvSpPr>
+          <p:cNvPr id="25" name="矩形标注 24"/>
+          <p:cNvSpPr/>
+          <p:nvPr/>
+        </p:nvSpPr>
+        <p:spPr>
+          <a:xfrm>
+            <a:off x="413123" y="3415137"/>
+            <a:ext cx="1347097" cy="280563"/>
+          </a:xfrm>
+          <a:prstGeom prst="wedgeRectCallout">
+            <a:avLst>
+              <a:gd name="adj1" fmla="val -248"/>
+              <a:gd name="adj2" fmla="val -123143"/>
+            </a:avLst>
+          </a:prstGeom>
+          <a:solidFill>
+            <a:schemeClr val="accent5">
+              <a:alpha val="50000"/>
+            </a:schemeClr>
+          </a:solidFill>
+          <a:ln>
+            <a:noFill/>
+          </a:ln>
+        </p:spPr>
+        <p:style>
+          <a:lnRef idx="0">
+            <a:scrgbClr r="0" g="0" b="0"/>
+          </a:lnRef>
+          <a:fillRef idx="0">
+            <a:scrgbClr r="0" g="0" b="0"/>
+          </a:fillRef>
+          <a:effectRef idx="0">
+            <a:scrgbClr r="0" g="0" b="0"/>
+          </a:effectRef>
+          <a:fontRef idx="minor">
+            <a:schemeClr val="lt1"/>
+          </a:fontRef>
+        </p:style>
+        <p:txBody>
+          <a:bodyPr rtlCol="0" anchor="ctr"/>
+          <a:lstStyle/>
+          <a:p>
+            <a:r>
+              <a:rPr lang="en-US" altLang="zh-CN" sz="1000" dirty="0" smtClean="0">
+                <a:latin typeface="微软雅黑" panose="020B0503020204020204" pitchFamily="34" charset="-122"/>
+                <a:ea typeface="微软雅黑" panose="020B0503020204020204" pitchFamily="34" charset="-122"/>
+              </a:rPr>
+              <a:t>free</a:t>
+            </a:r>
+            <a:r>
+              <a:rPr lang="zh-CN" altLang="en-US" sz="1000" dirty="0" smtClean="0">
+                <a:latin typeface="微软雅黑" panose="020B0503020204020204" pitchFamily="34" charset="-122"/>
+                <a:ea typeface="微软雅黑" panose="020B0503020204020204" pitchFamily="34" charset="-122"/>
+              </a:rPr>
+              <a:t>列在下降</a:t>
+            </a:r>
+            <a:endParaRPr lang="zh-CN" altLang="en-US" sz="1000" dirty="0">
+              <a:latin typeface="微软雅黑" panose="020B0503020204020204" pitchFamily="34" charset="-122"/>
+              <a:ea typeface="微软雅黑" panose="020B0503020204020204" pitchFamily="34" charset="-122"/>
+            </a:endParaRPr>
+          </a:p>
+        </p:txBody>
+      </p:sp>
+      <p:sp>
+        <p:nvSpPr>
+          <p:cNvPr id="26" name="矩形标注 25"/>
+          <p:cNvSpPr/>
+          <p:nvPr/>
+        </p:nvSpPr>
+        <p:spPr>
+          <a:xfrm>
+            <a:off x="1921883" y="3404395"/>
+            <a:ext cx="1636657" cy="280563"/>
+          </a:xfrm>
+          <a:prstGeom prst="wedgeRectCallout">
+            <a:avLst>
+              <a:gd name="adj1" fmla="val -29662"/>
+              <a:gd name="adj2" fmla="val -128575"/>
+            </a:avLst>
+          </a:prstGeom>
+          <a:solidFill>
+            <a:schemeClr val="accent5">
+              <a:alpha val="50000"/>
+            </a:schemeClr>
+          </a:solidFill>
+          <a:ln>
+            <a:noFill/>
+          </a:ln>
+        </p:spPr>
+        <p:style>
+          <a:lnRef idx="0">
+            <a:scrgbClr r="0" g="0" b="0"/>
+          </a:lnRef>
+          <a:fillRef idx="0">
+            <a:scrgbClr r="0" g="0" b="0"/>
+          </a:fillRef>
+          <a:effectRef idx="0">
+            <a:scrgbClr r="0" g="0" b="0"/>
+          </a:effectRef>
+          <a:fontRef idx="minor">
+            <a:schemeClr val="lt1"/>
+          </a:fontRef>
+        </p:style>
+        <p:txBody>
+          <a:bodyPr rtlCol="0" anchor="ctr"/>
+          <a:lstStyle/>
+          <a:p>
+            <a:r>
+              <a:rPr lang="en-US" altLang="zh-CN" sz="1000" dirty="0" smtClean="0">
+                <a:latin typeface="微软雅黑" panose="020B0503020204020204" pitchFamily="34" charset="-122"/>
+                <a:ea typeface="微软雅黑" panose="020B0503020204020204" pitchFamily="34" charset="-122"/>
+              </a:rPr>
+              <a:t>buffer/cache</a:t>
+            </a:r>
+            <a:r>
+              <a:rPr lang="zh-CN" altLang="en-US" sz="1000" dirty="0" smtClean="0">
+                <a:latin typeface="微软雅黑" panose="020B0503020204020204" pitchFamily="34" charset="-122"/>
+                <a:ea typeface="微软雅黑" panose="020B0503020204020204" pitchFamily="34" charset="-122"/>
+              </a:rPr>
+              <a:t>保持不变</a:t>
+            </a:r>
+            <a:endParaRPr lang="zh-CN" altLang="en-US" sz="1000" dirty="0">
+              <a:latin typeface="微软雅黑" panose="020B0503020204020204" pitchFamily="34" charset="-122"/>
+              <a:ea typeface="微软雅黑" panose="020B0503020204020204" pitchFamily="34" charset="-122"/>
+            </a:endParaRPr>
+          </a:p>
+        </p:txBody>
+      </p:sp>
+      <p:sp>
+        <p:nvSpPr>
+          <p:cNvPr id="8" name="文本框 7"/>
+          <p:cNvSpPr txBox="1"/>
+          <p:nvPr/>
+        </p:nvSpPr>
+        <p:spPr>
+          <a:xfrm>
+            <a:off x="114300" y="3964047"/>
+            <a:ext cx="3554178" cy="369332"/>
+          </a:xfrm>
+          <a:prstGeom prst="rect">
+            <a:avLst/>
+          </a:prstGeom>
+          <a:noFill/>
+        </p:spPr>
+        <p:txBody>
+          <a:bodyPr wrap="none">
+            <a:spAutoFit/>
+            <a:scene3d>
+              <a:camera prst="orthographicFront"/>
+              <a:lightRig rig="harsh" dir="t"/>
+            </a:scene3d>
+            <a:sp3d extrusionH="57150" prstMaterial="matte">
+              <a:bevelT w="63500" h="12700" prst="angle"/>
+              <a:contourClr>
+                <a:schemeClr val="bg1">
+                  <a:lumMod val="65000"/>
+                </a:schemeClr>
+              </a:contourClr>
+            </a:sp3d>
+          </a:bodyPr>
+          <a:lstStyle/>
+          <a:p>
+            <a:pPr>
+              <a:defRPr/>
+            </a:pPr>
+            <a:r>
+              <a:rPr lang="zh-CN" altLang="en-US" b="1" dirty="0">
+                <a:ln/>
+                <a:solidFill>
+                  <a:srgbClr val="4FD1FF"/>
+                </a:solidFill>
+                <a:latin typeface="微软雅黑" panose="020B0503020204020204" pitchFamily="34" charset="-122"/>
+                <a:ea typeface="微软雅黑" panose="020B0503020204020204" pitchFamily="34" charset="-122"/>
+              </a:rPr>
+              <a:t>检测内存泄漏的工具</a:t>
+            </a:r>
+            <a:r>
+              <a:rPr lang="zh-CN" altLang="en-US" b="1" dirty="0" smtClean="0">
+                <a:ln/>
+                <a:solidFill>
+                  <a:srgbClr val="4FD1FF"/>
+                </a:solidFill>
+                <a:latin typeface="微软雅黑" panose="020B0503020204020204" pitchFamily="34" charset="-122"/>
+                <a:ea typeface="微软雅黑" panose="020B0503020204020204" pitchFamily="34" charset="-122"/>
+              </a:rPr>
+              <a:t>：</a:t>
+            </a:r>
+            <a:r>
+              <a:rPr lang="en-US" altLang="zh-CN" b="1" dirty="0" err="1">
+                <a:ln/>
+                <a:solidFill>
+                  <a:srgbClr val="4FD1FF"/>
+                </a:solidFill>
+                <a:latin typeface="微软雅黑" panose="020B0503020204020204" pitchFamily="34" charset="-122"/>
+                <a:ea typeface="微软雅黑" panose="020B0503020204020204" pitchFamily="34" charset="-122"/>
+              </a:rPr>
+              <a:t>memleak</a:t>
+            </a:r>
+            <a:endParaRPr lang="zh-CN" altLang="en-US" b="1" dirty="0">
+              <a:ln/>
+              <a:solidFill>
+                <a:srgbClr val="4FD1FF"/>
+              </a:solidFill>
+              <a:latin typeface="微软雅黑" panose="020B0503020204020204" pitchFamily="34" charset="-122"/>
+              <a:ea typeface="微软雅黑" panose="020B0503020204020204" pitchFamily="34" charset="-122"/>
+            </a:endParaRPr>
+          </a:p>
+        </p:txBody>
+      </p:sp>
+      <p:sp>
+        <p:nvSpPr>
+          <p:cNvPr id="9" name="矩形 8"/>
+          <p:cNvSpPr/>
+          <p:nvPr/>
+        </p:nvSpPr>
+        <p:spPr>
+          <a:xfrm>
+            <a:off x="114300" y="4420731"/>
+            <a:ext cx="11131965" cy="2092881"/>
+          </a:xfrm>
+          <a:prstGeom prst="rect">
+            <a:avLst/>
+          </a:prstGeom>
+        </p:spPr>
+        <p:txBody>
+          <a:bodyPr wrap="square">
+            <a:spAutoFit/>
+          </a:bodyPr>
+          <a:lstStyle/>
+          <a:p>
+            <a:r>
+              <a:rPr lang="en-US" altLang="zh-CN" sz="1000" dirty="0">
+                <a:latin typeface="黑体" panose="02010609060101010101" pitchFamily="49" charset="-122"/>
+                <a:ea typeface="黑体" panose="02010609060101010101" pitchFamily="49" charset="-122"/>
+              </a:rPr>
+              <a:t>$ </a:t>
+            </a:r>
+            <a:r>
+              <a:rPr lang="en-US" altLang="zh-CN" sz="1000" dirty="0" err="1">
+                <a:latin typeface="黑体" panose="02010609060101010101" pitchFamily="49" charset="-122"/>
+                <a:ea typeface="黑体" panose="02010609060101010101" pitchFamily="49" charset="-122"/>
+              </a:rPr>
+              <a:t>docker</a:t>
+            </a:r>
+            <a:r>
+              <a:rPr lang="en-US" altLang="zh-CN" sz="1000" dirty="0">
+                <a:latin typeface="黑体" panose="02010609060101010101" pitchFamily="49" charset="-122"/>
+                <a:ea typeface="黑体" panose="02010609060101010101" pitchFamily="49" charset="-122"/>
+              </a:rPr>
+              <a:t> </a:t>
+            </a:r>
+            <a:r>
+              <a:rPr lang="en-US" altLang="zh-CN" sz="1000" dirty="0" err="1">
+                <a:latin typeface="黑体" panose="02010609060101010101" pitchFamily="49" charset="-122"/>
+                <a:ea typeface="黑体" panose="02010609060101010101" pitchFamily="49" charset="-122"/>
+              </a:rPr>
+              <a:t>cp</a:t>
+            </a:r>
+            <a:r>
+              <a:rPr lang="en-US" altLang="zh-CN" sz="1000" dirty="0">
+                <a:latin typeface="黑体" panose="02010609060101010101" pitchFamily="49" charset="-122"/>
+                <a:ea typeface="黑体" panose="02010609060101010101" pitchFamily="49" charset="-122"/>
+              </a:rPr>
+              <a:t> app:/app /app</a:t>
+            </a:r>
+          </a:p>
+          <a:p>
+            <a:r>
+              <a:rPr lang="en-US" altLang="zh-CN" sz="1000" dirty="0">
+                <a:latin typeface="黑体" panose="02010609060101010101" pitchFamily="49" charset="-122"/>
+                <a:ea typeface="黑体" panose="02010609060101010101" pitchFamily="49" charset="-122"/>
+              </a:rPr>
+              <a:t>$ /</a:t>
+            </a:r>
+            <a:r>
+              <a:rPr lang="en-US" altLang="zh-CN" sz="1000" dirty="0" err="1">
+                <a:latin typeface="黑体" panose="02010609060101010101" pitchFamily="49" charset="-122"/>
+                <a:ea typeface="黑体" panose="02010609060101010101" pitchFamily="49" charset="-122"/>
+              </a:rPr>
+              <a:t>usr</a:t>
+            </a:r>
+            <a:r>
+              <a:rPr lang="en-US" altLang="zh-CN" sz="1000" dirty="0">
+                <a:latin typeface="黑体" panose="02010609060101010101" pitchFamily="49" charset="-122"/>
+                <a:ea typeface="黑体" panose="02010609060101010101" pitchFamily="49" charset="-122"/>
+              </a:rPr>
+              <a:t>/share/bcc/tools/</a:t>
+            </a:r>
+            <a:r>
+              <a:rPr lang="en-US" altLang="zh-CN" sz="1000" dirty="0" err="1">
+                <a:latin typeface="黑体" panose="02010609060101010101" pitchFamily="49" charset="-122"/>
+                <a:ea typeface="黑体" panose="02010609060101010101" pitchFamily="49" charset="-122"/>
+              </a:rPr>
+              <a:t>memleak</a:t>
+            </a:r>
+            <a:r>
+              <a:rPr lang="en-US" altLang="zh-CN" sz="1000" dirty="0">
+                <a:latin typeface="黑体" panose="02010609060101010101" pitchFamily="49" charset="-122"/>
+                <a:ea typeface="黑体" panose="02010609060101010101" pitchFamily="49" charset="-122"/>
+              </a:rPr>
+              <a:t> -p $(</a:t>
+            </a:r>
+            <a:r>
+              <a:rPr lang="en-US" altLang="zh-CN" sz="1000" dirty="0" err="1">
+                <a:latin typeface="黑体" panose="02010609060101010101" pitchFamily="49" charset="-122"/>
+                <a:ea typeface="黑体" panose="02010609060101010101" pitchFamily="49" charset="-122"/>
+              </a:rPr>
+              <a:t>pidof</a:t>
+            </a:r>
+            <a:r>
+              <a:rPr lang="en-US" altLang="zh-CN" sz="1000" dirty="0">
+                <a:latin typeface="黑体" panose="02010609060101010101" pitchFamily="49" charset="-122"/>
+                <a:ea typeface="黑体" panose="02010609060101010101" pitchFamily="49" charset="-122"/>
+              </a:rPr>
+              <a:t> app) -a</a:t>
+            </a:r>
+          </a:p>
+          <a:p>
+            <a:r>
+              <a:rPr lang="en-US" altLang="zh-CN" sz="1000" dirty="0">
+                <a:latin typeface="黑体" panose="02010609060101010101" pitchFamily="49" charset="-122"/>
+                <a:ea typeface="黑体" panose="02010609060101010101" pitchFamily="49" charset="-122"/>
+              </a:rPr>
+              <a:t>Attaching to </a:t>
+            </a:r>
+            <a:r>
+              <a:rPr lang="en-US" altLang="zh-CN" sz="1000" dirty="0" err="1">
+                <a:latin typeface="黑体" panose="02010609060101010101" pitchFamily="49" charset="-122"/>
+                <a:ea typeface="黑体" panose="02010609060101010101" pitchFamily="49" charset="-122"/>
+              </a:rPr>
+              <a:t>pid</a:t>
+            </a:r>
+            <a:r>
+              <a:rPr lang="en-US" altLang="zh-CN" sz="1000" dirty="0">
+                <a:latin typeface="黑体" panose="02010609060101010101" pitchFamily="49" charset="-122"/>
+                <a:ea typeface="黑体" panose="02010609060101010101" pitchFamily="49" charset="-122"/>
+              </a:rPr>
+              <a:t> 12512, </a:t>
+            </a:r>
+            <a:r>
+              <a:rPr lang="en-US" altLang="zh-CN" sz="1000" dirty="0" err="1">
+                <a:latin typeface="黑体" panose="02010609060101010101" pitchFamily="49" charset="-122"/>
+                <a:ea typeface="黑体" panose="02010609060101010101" pitchFamily="49" charset="-122"/>
+              </a:rPr>
+              <a:t>Ctrl+C</a:t>
+            </a:r>
+            <a:r>
+              <a:rPr lang="en-US" altLang="zh-CN" sz="1000" dirty="0">
+                <a:latin typeface="黑体" panose="02010609060101010101" pitchFamily="49" charset="-122"/>
+                <a:ea typeface="黑体" panose="02010609060101010101" pitchFamily="49" charset="-122"/>
+              </a:rPr>
+              <a:t> to quit.</a:t>
+            </a:r>
+          </a:p>
+          <a:p>
+            <a:r>
+              <a:rPr lang="en-US" altLang="zh-CN" sz="1000" dirty="0">
+                <a:latin typeface="黑体" panose="02010609060101010101" pitchFamily="49" charset="-122"/>
+                <a:ea typeface="黑体" panose="02010609060101010101" pitchFamily="49" charset="-122"/>
+              </a:rPr>
+              <a:t>[03:00:41] Top 10 stacks with outstanding allocations:</a:t>
+            </a:r>
+          </a:p>
+          <a:p>
+            <a:r>
+              <a:rPr lang="en-US" altLang="zh-CN" sz="1000" dirty="0">
+                <a:latin typeface="黑体" panose="02010609060101010101" pitchFamily="49" charset="-122"/>
+                <a:ea typeface="黑体" panose="02010609060101010101" pitchFamily="49" charset="-122"/>
+              </a:rPr>
+              <a:t>    </a:t>
+            </a:r>
+            <a:r>
+              <a:rPr lang="en-US" altLang="zh-CN" sz="1000" dirty="0" err="1">
+                <a:latin typeface="黑体" panose="02010609060101010101" pitchFamily="49" charset="-122"/>
+                <a:ea typeface="黑体" panose="02010609060101010101" pitchFamily="49" charset="-122"/>
+              </a:rPr>
+              <a:t>addr</a:t>
+            </a:r>
+            <a:r>
+              <a:rPr lang="en-US" altLang="zh-CN" sz="1000" dirty="0">
+                <a:latin typeface="黑体" panose="02010609060101010101" pitchFamily="49" charset="-122"/>
+                <a:ea typeface="黑体" panose="02010609060101010101" pitchFamily="49" charset="-122"/>
+              </a:rPr>
+              <a:t> = </a:t>
+            </a:r>
+            <a:r>
+              <a:rPr lang="en-US" altLang="zh-CN" sz="1000" dirty="0" err="1">
+                <a:latin typeface="黑体" panose="02010609060101010101" pitchFamily="49" charset="-122"/>
+                <a:ea typeface="黑体" panose="02010609060101010101" pitchFamily="49" charset="-122"/>
+              </a:rPr>
+              <a:t>7f8f70863220</a:t>
+            </a:r>
+            <a:r>
+              <a:rPr lang="en-US" altLang="zh-CN" sz="1000" dirty="0">
+                <a:latin typeface="黑体" panose="02010609060101010101" pitchFamily="49" charset="-122"/>
+                <a:ea typeface="黑体" panose="02010609060101010101" pitchFamily="49" charset="-122"/>
+              </a:rPr>
+              <a:t> size = 8192</a:t>
+            </a:r>
+          </a:p>
+          <a:p>
+            <a:r>
+              <a:rPr lang="en-US" altLang="zh-CN" sz="1000" dirty="0">
+                <a:latin typeface="黑体" panose="02010609060101010101" pitchFamily="49" charset="-122"/>
+                <a:ea typeface="黑体" panose="02010609060101010101" pitchFamily="49" charset="-122"/>
+              </a:rPr>
+              <a:t>    </a:t>
+            </a:r>
+            <a:r>
+              <a:rPr lang="en-US" altLang="zh-CN" sz="1000" dirty="0" err="1">
+                <a:latin typeface="黑体" panose="02010609060101010101" pitchFamily="49" charset="-122"/>
+                <a:ea typeface="黑体" panose="02010609060101010101" pitchFamily="49" charset="-122"/>
+              </a:rPr>
+              <a:t>addr</a:t>
+            </a:r>
+            <a:r>
+              <a:rPr lang="en-US" altLang="zh-CN" sz="1000" dirty="0">
+                <a:latin typeface="黑体" panose="02010609060101010101" pitchFamily="49" charset="-122"/>
+                <a:ea typeface="黑体" panose="02010609060101010101" pitchFamily="49" charset="-122"/>
+              </a:rPr>
+              <a:t> = </a:t>
+            </a:r>
+            <a:r>
+              <a:rPr lang="en-US" altLang="zh-CN" sz="1000" dirty="0" err="1">
+                <a:latin typeface="黑体" panose="02010609060101010101" pitchFamily="49" charset="-122"/>
+                <a:ea typeface="黑体" panose="02010609060101010101" pitchFamily="49" charset="-122"/>
+              </a:rPr>
+              <a:t>7f8f70861210</a:t>
+            </a:r>
+            <a:r>
+              <a:rPr lang="en-US" altLang="zh-CN" sz="1000" dirty="0">
+                <a:latin typeface="黑体" panose="02010609060101010101" pitchFamily="49" charset="-122"/>
+                <a:ea typeface="黑体" panose="02010609060101010101" pitchFamily="49" charset="-122"/>
+              </a:rPr>
+              <a:t> size = 8192</a:t>
+            </a:r>
+          </a:p>
+          <a:p>
+            <a:r>
+              <a:rPr lang="en-US" altLang="zh-CN" sz="1000" dirty="0">
+                <a:latin typeface="黑体" panose="02010609060101010101" pitchFamily="49" charset="-122"/>
+                <a:ea typeface="黑体" panose="02010609060101010101" pitchFamily="49" charset="-122"/>
+              </a:rPr>
+              <a:t>    </a:t>
+            </a:r>
+            <a:r>
+              <a:rPr lang="en-US" altLang="zh-CN" sz="1000" dirty="0" err="1">
+                <a:latin typeface="黑体" panose="02010609060101010101" pitchFamily="49" charset="-122"/>
+                <a:ea typeface="黑体" panose="02010609060101010101" pitchFamily="49" charset="-122"/>
+              </a:rPr>
+              <a:t>addr</a:t>
+            </a:r>
+            <a:r>
+              <a:rPr lang="en-US" altLang="zh-CN" sz="1000" dirty="0">
+                <a:latin typeface="黑体" panose="02010609060101010101" pitchFamily="49" charset="-122"/>
+                <a:ea typeface="黑体" panose="02010609060101010101" pitchFamily="49" charset="-122"/>
+              </a:rPr>
+              <a:t> = </a:t>
+            </a:r>
+            <a:r>
+              <a:rPr lang="en-US" altLang="zh-CN" sz="1000" dirty="0" err="1">
+                <a:latin typeface="黑体" panose="02010609060101010101" pitchFamily="49" charset="-122"/>
+                <a:ea typeface="黑体" panose="02010609060101010101" pitchFamily="49" charset="-122"/>
+              </a:rPr>
+              <a:t>7f8f7085b1e0</a:t>
+            </a:r>
+            <a:r>
+              <a:rPr lang="en-US" altLang="zh-CN" sz="1000" dirty="0">
+                <a:latin typeface="黑体" panose="02010609060101010101" pitchFamily="49" charset="-122"/>
+                <a:ea typeface="黑体" panose="02010609060101010101" pitchFamily="49" charset="-122"/>
+              </a:rPr>
+              <a:t> size = 8192</a:t>
+            </a:r>
+          </a:p>
+          <a:p>
+            <a:r>
+              <a:rPr lang="en-US" altLang="zh-CN" sz="1000" dirty="0">
+                <a:latin typeface="黑体" panose="02010609060101010101" pitchFamily="49" charset="-122"/>
+                <a:ea typeface="黑体" panose="02010609060101010101" pitchFamily="49" charset="-122"/>
+              </a:rPr>
+              <a:t>    </a:t>
+            </a:r>
+            <a:r>
+              <a:rPr lang="en-US" altLang="zh-CN" sz="1000" dirty="0" err="1">
+                <a:latin typeface="黑体" panose="02010609060101010101" pitchFamily="49" charset="-122"/>
+                <a:ea typeface="黑体" panose="02010609060101010101" pitchFamily="49" charset="-122"/>
+              </a:rPr>
+              <a:t>addr</a:t>
+            </a:r>
+            <a:r>
+              <a:rPr lang="en-US" altLang="zh-CN" sz="1000" dirty="0">
+                <a:latin typeface="黑体" panose="02010609060101010101" pitchFamily="49" charset="-122"/>
+                <a:ea typeface="黑体" panose="02010609060101010101" pitchFamily="49" charset="-122"/>
+              </a:rPr>
+              <a:t> = </a:t>
+            </a:r>
+            <a:r>
+              <a:rPr lang="en-US" altLang="zh-CN" sz="1000" dirty="0" err="1">
+                <a:latin typeface="黑体" panose="02010609060101010101" pitchFamily="49" charset="-122"/>
+                <a:ea typeface="黑体" panose="02010609060101010101" pitchFamily="49" charset="-122"/>
+              </a:rPr>
+              <a:t>7f8f7085f200</a:t>
+            </a:r>
+            <a:r>
+              <a:rPr lang="en-US" altLang="zh-CN" sz="1000" dirty="0">
+                <a:latin typeface="黑体" panose="02010609060101010101" pitchFamily="49" charset="-122"/>
+                <a:ea typeface="黑体" panose="02010609060101010101" pitchFamily="49" charset="-122"/>
+              </a:rPr>
+              <a:t> size = 8192</a:t>
+            </a:r>
+          </a:p>
+          <a:p>
+            <a:r>
+              <a:rPr lang="en-US" altLang="zh-CN" sz="1000" dirty="0">
+                <a:latin typeface="黑体" panose="02010609060101010101" pitchFamily="49" charset="-122"/>
+                <a:ea typeface="黑体" panose="02010609060101010101" pitchFamily="49" charset="-122"/>
+              </a:rPr>
+              <a:t>    </a:t>
+            </a:r>
+            <a:r>
+              <a:rPr lang="en-US" altLang="zh-CN" sz="1000" dirty="0" err="1">
+                <a:latin typeface="黑体" panose="02010609060101010101" pitchFamily="49" charset="-122"/>
+                <a:ea typeface="黑体" panose="02010609060101010101" pitchFamily="49" charset="-122"/>
+              </a:rPr>
+              <a:t>addr</a:t>
+            </a:r>
+            <a:r>
+              <a:rPr lang="en-US" altLang="zh-CN" sz="1000" dirty="0">
+                <a:latin typeface="黑体" panose="02010609060101010101" pitchFamily="49" charset="-122"/>
+                <a:ea typeface="黑体" panose="02010609060101010101" pitchFamily="49" charset="-122"/>
+              </a:rPr>
+              <a:t> = </a:t>
+            </a:r>
+            <a:r>
+              <a:rPr lang="en-US" altLang="zh-CN" sz="1000" dirty="0" err="1">
+                <a:latin typeface="黑体" panose="02010609060101010101" pitchFamily="49" charset="-122"/>
+                <a:ea typeface="黑体" panose="02010609060101010101" pitchFamily="49" charset="-122"/>
+              </a:rPr>
+              <a:t>7f8f7085d1f0</a:t>
+            </a:r>
+            <a:r>
+              <a:rPr lang="en-US" altLang="zh-CN" sz="1000" dirty="0">
+                <a:latin typeface="黑体" panose="02010609060101010101" pitchFamily="49" charset="-122"/>
+                <a:ea typeface="黑体" panose="02010609060101010101" pitchFamily="49" charset="-122"/>
+              </a:rPr>
+              <a:t> size = 8192</a:t>
+            </a:r>
+          </a:p>
+          <a:p>
+            <a:r>
+              <a:rPr lang="en-US" altLang="zh-CN" sz="1000" dirty="0">
+                <a:latin typeface="黑体" panose="02010609060101010101" pitchFamily="49" charset="-122"/>
+                <a:ea typeface="黑体" panose="02010609060101010101" pitchFamily="49" charset="-122"/>
+              </a:rPr>
+              <a:t>    40960 bytes in 5 allocations from stack</a:t>
+            </a:r>
+          </a:p>
+          <a:p>
+            <a:r>
+              <a:rPr lang="en-US" altLang="zh-CN" sz="1000" dirty="0">
+                <a:latin typeface="黑体" panose="02010609060101010101" pitchFamily="49" charset="-122"/>
+                <a:ea typeface="黑体" panose="02010609060101010101" pitchFamily="49" charset="-122"/>
+              </a:rPr>
+              <a:t>        </a:t>
+            </a:r>
+            <a:r>
+              <a:rPr lang="en-US" altLang="zh-CN" sz="1000" dirty="0" err="1">
+                <a:solidFill>
+                  <a:schemeClr val="accent2"/>
+                </a:solidFill>
+                <a:latin typeface="黑体" panose="02010609060101010101" pitchFamily="49" charset="-122"/>
+                <a:ea typeface="黑体" panose="02010609060101010101" pitchFamily="49" charset="-122"/>
+              </a:rPr>
+              <a:t>fibonacci+0x1f</a:t>
+            </a:r>
+            <a:r>
+              <a:rPr lang="en-US" altLang="zh-CN" sz="1000" dirty="0">
+                <a:latin typeface="黑体" panose="02010609060101010101" pitchFamily="49" charset="-122"/>
+                <a:ea typeface="黑体" panose="02010609060101010101" pitchFamily="49" charset="-122"/>
+              </a:rPr>
+              <a:t> [app]</a:t>
+            </a:r>
+          </a:p>
+          <a:p>
+            <a:r>
+              <a:rPr lang="en-US" altLang="zh-CN" sz="1000" dirty="0">
+                <a:latin typeface="黑体" panose="02010609060101010101" pitchFamily="49" charset="-122"/>
+                <a:ea typeface="黑体" panose="02010609060101010101" pitchFamily="49" charset="-122"/>
+              </a:rPr>
+              <a:t>        </a:t>
+            </a:r>
+            <a:r>
+              <a:rPr lang="en-US" altLang="zh-CN" sz="1000" dirty="0" err="1">
+                <a:latin typeface="黑体" panose="02010609060101010101" pitchFamily="49" charset="-122"/>
+                <a:ea typeface="黑体" panose="02010609060101010101" pitchFamily="49" charset="-122"/>
+              </a:rPr>
+              <a:t>child+0x4f</a:t>
+            </a:r>
+            <a:r>
+              <a:rPr lang="en-US" altLang="zh-CN" sz="1000" dirty="0">
+                <a:latin typeface="黑体" panose="02010609060101010101" pitchFamily="49" charset="-122"/>
+                <a:ea typeface="黑体" panose="02010609060101010101" pitchFamily="49" charset="-122"/>
+              </a:rPr>
+              <a:t> [app]</a:t>
+            </a:r>
+          </a:p>
+          <a:p>
+            <a:r>
+              <a:rPr lang="en-US" altLang="zh-CN" sz="1000" dirty="0">
+                <a:latin typeface="黑体" panose="02010609060101010101" pitchFamily="49" charset="-122"/>
+                <a:ea typeface="黑体" panose="02010609060101010101" pitchFamily="49" charset="-122"/>
+              </a:rPr>
+              <a:t>        </a:t>
+            </a:r>
+            <a:r>
+              <a:rPr lang="en-US" altLang="zh-CN" sz="1000" dirty="0" err="1">
+                <a:latin typeface="黑体" panose="02010609060101010101" pitchFamily="49" charset="-122"/>
+                <a:ea typeface="黑体" panose="02010609060101010101" pitchFamily="49" charset="-122"/>
+              </a:rPr>
+              <a:t>start_thread+0xdb</a:t>
+            </a:r>
+            <a:r>
+              <a:rPr lang="en-US" altLang="zh-CN" sz="1000" dirty="0">
+                <a:latin typeface="黑体" panose="02010609060101010101" pitchFamily="49" charset="-122"/>
+                <a:ea typeface="黑体" panose="02010609060101010101" pitchFamily="49" charset="-122"/>
+              </a:rPr>
+              <a:t> [</a:t>
+            </a:r>
+            <a:r>
+              <a:rPr lang="en-US" altLang="zh-CN" sz="1000" dirty="0" err="1">
+                <a:latin typeface="黑体" panose="02010609060101010101" pitchFamily="49" charset="-122"/>
+                <a:ea typeface="黑体" panose="02010609060101010101" pitchFamily="49" charset="-122"/>
+              </a:rPr>
+              <a:t>libpthread-2.27.so</a:t>
+            </a:r>
+            <a:r>
+              <a:rPr lang="en-US" altLang="zh-CN" sz="1000" dirty="0">
+                <a:latin typeface="黑体" panose="02010609060101010101" pitchFamily="49" charset="-122"/>
+                <a:ea typeface="黑体" panose="02010609060101010101" pitchFamily="49" charset="-122"/>
+              </a:rPr>
+              <a:t>]</a:t>
+            </a:r>
+            <a:endParaRPr lang="en-US" altLang="zh-CN" sz="1000" dirty="0">
+              <a:latin typeface="黑体" panose="02010609060101010101" pitchFamily="49" charset="-122"/>
+              <a:ea typeface="黑体" panose="02010609060101010101" pitchFamily="49" charset="-122"/>
+            </a:endParaRPr>
+          </a:p>
+        </p:txBody>
+      </p:sp>
+      <p:sp>
+        <p:nvSpPr>
+          <p:cNvPr id="11" name="矩形标注 10"/>
+          <p:cNvSpPr/>
+          <p:nvPr/>
+        </p:nvSpPr>
+        <p:spPr>
+          <a:xfrm>
+            <a:off x="3668478" y="4792137"/>
+            <a:ext cx="1347097" cy="805582"/>
+          </a:xfrm>
+          <a:prstGeom prst="wedgeRectCallout">
+            <a:avLst>
+              <a:gd name="adj1" fmla="val -124792"/>
+              <a:gd name="adj2" fmla="val 16341"/>
+            </a:avLst>
+          </a:prstGeom>
+          <a:solidFill>
+            <a:schemeClr val="accent5">
+              <a:alpha val="50000"/>
+            </a:schemeClr>
+          </a:solidFill>
+          <a:ln>
+            <a:noFill/>
+          </a:ln>
+        </p:spPr>
+        <p:style>
+          <a:lnRef idx="0">
+            <a:scrgbClr r="0" g="0" b="0"/>
+          </a:lnRef>
+          <a:fillRef idx="0">
+            <a:scrgbClr r="0" g="0" b="0"/>
+          </a:fillRef>
+          <a:effectRef idx="0">
+            <a:scrgbClr r="0" g="0" b="0"/>
+          </a:effectRef>
+          <a:fontRef idx="minor">
+            <a:schemeClr val="lt1"/>
+          </a:fontRef>
+        </p:style>
+        <p:txBody>
+          <a:bodyPr rtlCol="0" anchor="ctr"/>
+          <a:lstStyle/>
+          <a:p>
+            <a:r>
+              <a:rPr lang="zh-CN" altLang="en-US" sz="1000" dirty="0">
+                <a:latin typeface="微软雅黑" panose="020B0503020204020204" pitchFamily="34" charset="-122"/>
+                <a:ea typeface="微软雅黑" panose="020B0503020204020204" pitchFamily="34" charset="-122"/>
+              </a:rPr>
+              <a:t>在不停地分配内存，并且这些分配的地址没有被回收</a:t>
+            </a:r>
+            <a:endParaRPr lang="zh-CN" altLang="en-US" sz="1000" dirty="0">
+              <a:latin typeface="微软雅黑" panose="020B0503020204020204" pitchFamily="34" charset="-122"/>
+              <a:ea typeface="微软雅黑" panose="020B0503020204020204" pitchFamily="34" charset="-122"/>
+            </a:endParaRPr>
+          </a:p>
+        </p:txBody>
+      </p:sp>
+      <p:sp>
+        <p:nvSpPr>
+          <p:cNvPr id="12" name="矩形标注 11"/>
+          <p:cNvSpPr/>
+          <p:nvPr/>
+        </p:nvSpPr>
+        <p:spPr>
+          <a:xfrm>
+            <a:off x="3668478" y="5652874"/>
+            <a:ext cx="1347097" cy="805582"/>
+          </a:xfrm>
+          <a:prstGeom prst="wedgeRectCallout">
+            <a:avLst>
+              <a:gd name="adj1" fmla="val -172012"/>
+              <a:gd name="adj2" fmla="val 7458"/>
+            </a:avLst>
+          </a:prstGeom>
+          <a:solidFill>
+            <a:schemeClr val="accent5">
+              <a:alpha val="50000"/>
+            </a:schemeClr>
+          </a:solidFill>
+          <a:ln>
+            <a:noFill/>
+          </a:ln>
+        </p:spPr>
+        <p:style>
+          <a:lnRef idx="0">
+            <a:scrgbClr r="0" g="0" b="0"/>
+          </a:lnRef>
+          <a:fillRef idx="0">
+            <a:scrgbClr r="0" g="0" b="0"/>
+          </a:fillRef>
+          <a:effectRef idx="0">
+            <a:scrgbClr r="0" g="0" b="0"/>
+          </a:effectRef>
+          <a:fontRef idx="minor">
+            <a:schemeClr val="lt1"/>
+          </a:fontRef>
+        </p:style>
+        <p:txBody>
+          <a:bodyPr rtlCol="0" anchor="ctr"/>
+          <a:lstStyle/>
+          <a:p>
+            <a:r>
+              <a:rPr lang="en-US" altLang="zh-CN" sz="1000" dirty="0" err="1">
+                <a:latin typeface="微软雅黑" panose="020B0503020204020204" pitchFamily="34" charset="-122"/>
+                <a:ea typeface="微软雅黑" panose="020B0503020204020204" pitchFamily="34" charset="-122"/>
+              </a:rPr>
+              <a:t>fibonacci</a:t>
+            </a:r>
+            <a:r>
+              <a:rPr lang="en-US" altLang="zh-CN" sz="1000" dirty="0">
+                <a:latin typeface="微软雅黑" panose="020B0503020204020204" pitchFamily="34" charset="-122"/>
+                <a:ea typeface="微软雅黑" panose="020B0503020204020204" pitchFamily="34" charset="-122"/>
+              </a:rPr>
+              <a:t>() </a:t>
+            </a:r>
+            <a:r>
+              <a:rPr lang="zh-CN" altLang="en-US" sz="1000" dirty="0">
+                <a:latin typeface="微软雅黑" panose="020B0503020204020204" pitchFamily="34" charset="-122"/>
+                <a:ea typeface="微软雅黑" panose="020B0503020204020204" pitchFamily="34" charset="-122"/>
+              </a:rPr>
+              <a:t>函数分配的内存没释放</a:t>
+            </a:r>
+            <a:endParaRPr lang="zh-CN" altLang="en-US" sz="1000" dirty="0">
+              <a:latin typeface="微软雅黑" panose="020B0503020204020204" pitchFamily="34" charset="-122"/>
+              <a:ea typeface="微软雅黑" panose="020B0503020204020204" pitchFamily="34" charset="-122"/>
+            </a:endParaRPr>
+          </a:p>
+        </p:txBody>
+      </p:sp>
+    </p:spTree>
+    <p:extLst>
+      <p:ext uri="{BB962C8B-B14F-4D97-AF65-F5344CB8AC3E}">
+        <p14:creationId xmlns:p14="http://schemas.microsoft.com/office/powerpoint/2010/main" val="724600262"/>
       </p:ext>
     </p:extLst>
   </p:cSld>
